--- a/Part2.Programming/Chapter6.TLSProtocol/Chapter6.Fig.pptx
+++ b/Part2.Programming/Chapter6.TLSProtocol/Chapter6.Fig.pptx
@@ -4,8 +4,12 @@
   <p:sldMasterIdLst>
     <p:sldMasterId id="2147483648" r:id="rId1"/>
   </p:sldMasterIdLst>
+  <p:notesMasterIdLst>
+    <p:notesMasterId r:id="rId4"/>
+  </p:notesMasterIdLst>
   <p:sldIdLst>
     <p:sldId id="256" r:id="rId2"/>
+    <p:sldId id="257" r:id="rId3"/>
   </p:sldIdLst>
   <p:sldSz cx="12192000" cy="6858000"/>
   <p:notesSz cx="6858000" cy="9144000"/>
@@ -104,7 +108,477 @@
       </a:defRPr>
     </a:lvl9pPr>
   </p:defaultTextStyle>
+  <p:extLst>
+    <p:ext uri="{EFAFB233-063F-42B5-8137-9DF3F51BA10A}">
+      <p15:sldGuideLst xmlns:p15="http://schemas.microsoft.com/office/powerpoint/2012/main"/>
+    </p:ext>
+  </p:extLst>
 </p:presentation>
+</file>
+
+<file path=ppt/notesMasters/notesMaster1.xml><?xml version="1.0" encoding="utf-8"?>
+<p:notesMaster xmlns:a="http://schemas.openxmlformats.org/drawingml/2006/main" xmlns:r="http://schemas.openxmlformats.org/officeDocument/2006/relationships" xmlns:p="http://schemas.openxmlformats.org/presentationml/2006/main">
+  <p:cSld>
+    <p:bg>
+      <p:bgRef idx="1001">
+        <a:schemeClr val="bg1"/>
+      </p:bgRef>
+    </p:bg>
+    <p:spTree>
+      <p:nvGrpSpPr>
+        <p:cNvPr id="1" name=""/>
+        <p:cNvGrpSpPr/>
+        <p:nvPr/>
+      </p:nvGrpSpPr>
+      <p:grpSpPr>
+        <a:xfrm>
+          <a:off x="0" y="0"/>
+          <a:ext cx="0" cy="0"/>
+          <a:chOff x="0" y="0"/>
+          <a:chExt cx="0" cy="0"/>
+        </a:xfrm>
+      </p:grpSpPr>
+      <p:sp>
+        <p:nvSpPr>
+          <p:cNvPr id="2" name="ヘッダー プレースホルダー 1"/>
+          <p:cNvSpPr>
+            <a:spLocks noGrp="1"/>
+          </p:cNvSpPr>
+          <p:nvPr>
+            <p:ph type="hdr" sz="quarter"/>
+          </p:nvPr>
+        </p:nvSpPr>
+        <p:spPr>
+          <a:xfrm>
+            <a:off x="0" y="0"/>
+            <a:ext cx="2971800" cy="458788"/>
+          </a:xfrm>
+          <a:prstGeom prst="rect">
+            <a:avLst/>
+          </a:prstGeom>
+        </p:spPr>
+        <p:txBody>
+          <a:bodyPr vert="horz" lIns="91440" tIns="45720" rIns="91440" bIns="45720" rtlCol="0"/>
+          <a:lstStyle>
+            <a:lvl1pPr algn="l">
+              <a:defRPr sz="1200"/>
+            </a:lvl1pPr>
+          </a:lstStyle>
+          <a:p>
+            <a:endParaRPr kumimoji="1" lang="ja-JP" altLang="en-US"/>
+          </a:p>
+        </p:txBody>
+      </p:sp>
+      <p:sp>
+        <p:nvSpPr>
+          <p:cNvPr id="3" name="日付プレースホルダー 2"/>
+          <p:cNvSpPr>
+            <a:spLocks noGrp="1"/>
+          </p:cNvSpPr>
+          <p:nvPr>
+            <p:ph type="dt" idx="1"/>
+          </p:nvPr>
+        </p:nvSpPr>
+        <p:spPr>
+          <a:xfrm>
+            <a:off x="3884613" y="0"/>
+            <a:ext cx="2971800" cy="458788"/>
+          </a:xfrm>
+          <a:prstGeom prst="rect">
+            <a:avLst/>
+          </a:prstGeom>
+        </p:spPr>
+        <p:txBody>
+          <a:bodyPr vert="horz" lIns="91440" tIns="45720" rIns="91440" bIns="45720" rtlCol="0"/>
+          <a:lstStyle>
+            <a:lvl1pPr algn="r">
+              <a:defRPr sz="1200"/>
+            </a:lvl1pPr>
+          </a:lstStyle>
+          <a:p>
+            <a:fld id="{CA970258-1A10-C646-8FB8-BF2FF6412671}" type="datetimeFigureOut">
+              <a:rPr kumimoji="1" lang="ja-JP" altLang="en-US" smtClean="0"/>
+              <a:t>2021/7/9</a:t>
+            </a:fld>
+            <a:endParaRPr kumimoji="1" lang="ja-JP" altLang="en-US"/>
+          </a:p>
+        </p:txBody>
+      </p:sp>
+      <p:sp>
+        <p:nvSpPr>
+          <p:cNvPr id="4" name="スライド イメージ プレースホルダー 3"/>
+          <p:cNvSpPr>
+            <a:spLocks noGrp="1" noRot="1" noChangeAspect="1"/>
+          </p:cNvSpPr>
+          <p:nvPr>
+            <p:ph type="sldImg" idx="2"/>
+          </p:nvPr>
+        </p:nvSpPr>
+        <p:spPr>
+          <a:xfrm>
+            <a:off x="685800" y="1143000"/>
+            <a:ext cx="5486400" cy="3086100"/>
+          </a:xfrm>
+          <a:prstGeom prst="rect">
+            <a:avLst/>
+          </a:prstGeom>
+          <a:noFill/>
+          <a:ln w="12700">
+            <a:solidFill>
+              <a:prstClr val="black"/>
+            </a:solidFill>
+          </a:ln>
+        </p:spPr>
+        <p:txBody>
+          <a:bodyPr vert="horz" lIns="91440" tIns="45720" rIns="91440" bIns="45720" rtlCol="0" anchor="ctr"/>
+          <a:lstStyle/>
+          <a:p>
+            <a:endParaRPr lang="ja-JP" altLang="en-US"/>
+          </a:p>
+        </p:txBody>
+      </p:sp>
+      <p:sp>
+        <p:nvSpPr>
+          <p:cNvPr id="5" name="ノート プレースホルダー 4"/>
+          <p:cNvSpPr>
+            <a:spLocks noGrp="1"/>
+          </p:cNvSpPr>
+          <p:nvPr>
+            <p:ph type="body" sz="quarter" idx="3"/>
+          </p:nvPr>
+        </p:nvSpPr>
+        <p:spPr>
+          <a:xfrm>
+            <a:off x="685800" y="4400550"/>
+            <a:ext cx="5486400" cy="3600450"/>
+          </a:xfrm>
+          <a:prstGeom prst="rect">
+            <a:avLst/>
+          </a:prstGeom>
+        </p:spPr>
+        <p:txBody>
+          <a:bodyPr vert="horz" lIns="91440" tIns="45720" rIns="91440" bIns="45720" rtlCol="0"/>
+          <a:lstStyle/>
+          <a:p>
+            <a:pPr lvl="0"/>
+            <a:r>
+              <a:rPr kumimoji="1" lang="ja-JP" altLang="en-US"/>
+              <a:t>マスター テキストの書式設定</a:t>
+            </a:r>
+          </a:p>
+          <a:p>
+            <a:pPr lvl="1"/>
+            <a:r>
+              <a:rPr kumimoji="1" lang="ja-JP" altLang="en-US"/>
+              <a:t>第 </a:t>
+            </a:r>
+            <a:r>
+              <a:rPr kumimoji="1" lang="en-US" altLang="ja-JP"/>
+              <a:t>2 </a:t>
+            </a:r>
+            <a:r>
+              <a:rPr kumimoji="1" lang="ja-JP" altLang="en-US"/>
+              <a:t>レベル</a:t>
+            </a:r>
+          </a:p>
+          <a:p>
+            <a:pPr lvl="2"/>
+            <a:r>
+              <a:rPr kumimoji="1" lang="ja-JP" altLang="en-US"/>
+              <a:t>第 </a:t>
+            </a:r>
+            <a:r>
+              <a:rPr kumimoji="1" lang="en-US" altLang="ja-JP"/>
+              <a:t>3 </a:t>
+            </a:r>
+            <a:r>
+              <a:rPr kumimoji="1" lang="ja-JP" altLang="en-US"/>
+              <a:t>レベル</a:t>
+            </a:r>
+          </a:p>
+          <a:p>
+            <a:pPr lvl="3"/>
+            <a:r>
+              <a:rPr kumimoji="1" lang="ja-JP" altLang="en-US"/>
+              <a:t>第 </a:t>
+            </a:r>
+            <a:r>
+              <a:rPr kumimoji="1" lang="en-US" altLang="ja-JP"/>
+              <a:t>4 </a:t>
+            </a:r>
+            <a:r>
+              <a:rPr kumimoji="1" lang="ja-JP" altLang="en-US"/>
+              <a:t>レベル</a:t>
+            </a:r>
+          </a:p>
+          <a:p>
+            <a:pPr lvl="4"/>
+            <a:r>
+              <a:rPr kumimoji="1" lang="ja-JP" altLang="en-US"/>
+              <a:t>第 </a:t>
+            </a:r>
+            <a:r>
+              <a:rPr kumimoji="1" lang="en-US" altLang="ja-JP"/>
+              <a:t>5 </a:t>
+            </a:r>
+            <a:r>
+              <a:rPr kumimoji="1" lang="ja-JP" altLang="en-US"/>
+              <a:t>レベル</a:t>
+            </a:r>
+          </a:p>
+        </p:txBody>
+      </p:sp>
+      <p:sp>
+        <p:nvSpPr>
+          <p:cNvPr id="6" name="フッター プレースホルダー 5"/>
+          <p:cNvSpPr>
+            <a:spLocks noGrp="1"/>
+          </p:cNvSpPr>
+          <p:nvPr>
+            <p:ph type="ftr" sz="quarter" idx="4"/>
+          </p:nvPr>
+        </p:nvSpPr>
+        <p:spPr>
+          <a:xfrm>
+            <a:off x="0" y="8685213"/>
+            <a:ext cx="2971800" cy="458787"/>
+          </a:xfrm>
+          <a:prstGeom prst="rect">
+            <a:avLst/>
+          </a:prstGeom>
+        </p:spPr>
+        <p:txBody>
+          <a:bodyPr vert="horz" lIns="91440" tIns="45720" rIns="91440" bIns="45720" rtlCol="0" anchor="b"/>
+          <a:lstStyle>
+            <a:lvl1pPr algn="l">
+              <a:defRPr sz="1200"/>
+            </a:lvl1pPr>
+          </a:lstStyle>
+          <a:p>
+            <a:endParaRPr kumimoji="1" lang="ja-JP" altLang="en-US"/>
+          </a:p>
+        </p:txBody>
+      </p:sp>
+      <p:sp>
+        <p:nvSpPr>
+          <p:cNvPr id="7" name="スライド番号プレースホルダー 6"/>
+          <p:cNvSpPr>
+            <a:spLocks noGrp="1"/>
+          </p:cNvSpPr>
+          <p:nvPr>
+            <p:ph type="sldNum" sz="quarter" idx="5"/>
+          </p:nvPr>
+        </p:nvSpPr>
+        <p:spPr>
+          <a:xfrm>
+            <a:off x="3884613" y="8685213"/>
+            <a:ext cx="2971800" cy="458787"/>
+          </a:xfrm>
+          <a:prstGeom prst="rect">
+            <a:avLst/>
+          </a:prstGeom>
+        </p:spPr>
+        <p:txBody>
+          <a:bodyPr vert="horz" lIns="91440" tIns="45720" rIns="91440" bIns="45720" rtlCol="0" anchor="b"/>
+          <a:lstStyle>
+            <a:lvl1pPr algn="r">
+              <a:defRPr sz="1200"/>
+            </a:lvl1pPr>
+          </a:lstStyle>
+          <a:p>
+            <a:fld id="{E73035C4-D6BF-F142-86ED-84A3E046DE73}" type="slidenum">
+              <a:rPr kumimoji="1" lang="ja-JP" altLang="en-US" smtClean="0"/>
+              <a:t>‹#›</a:t>
+            </a:fld>
+            <a:endParaRPr kumimoji="1" lang="ja-JP" altLang="en-US"/>
+          </a:p>
+        </p:txBody>
+      </p:sp>
+    </p:spTree>
+    <p:extLst>
+      <p:ext uri="{BB962C8B-B14F-4D97-AF65-F5344CB8AC3E}">
+        <p14:creationId xmlns:p14="http://schemas.microsoft.com/office/powerpoint/2010/main" val="3600498967"/>
+      </p:ext>
+    </p:extLst>
+  </p:cSld>
+  <p:clrMap bg1="lt1" tx1="dk1" bg2="lt2" tx2="dk2" accent1="accent1" accent2="accent2" accent3="accent3" accent4="accent4" accent5="accent5" accent6="accent6" hlink="hlink" folHlink="folHlink"/>
+  <p:notesStyle>
+    <a:lvl1pPr marL="0" algn="l" defTabSz="914400" rtl="0" eaLnBrk="1" latinLnBrk="0" hangingPunct="1">
+      <a:defRPr kumimoji="1" sz="1200" kern="1200">
+        <a:solidFill>
+          <a:schemeClr val="tx1"/>
+        </a:solidFill>
+        <a:latin typeface="+mn-lt"/>
+        <a:ea typeface="+mn-ea"/>
+        <a:cs typeface="+mn-cs"/>
+      </a:defRPr>
+    </a:lvl1pPr>
+    <a:lvl2pPr marL="457200" algn="l" defTabSz="914400" rtl="0" eaLnBrk="1" latinLnBrk="0" hangingPunct="1">
+      <a:defRPr kumimoji="1" sz="1200" kern="1200">
+        <a:solidFill>
+          <a:schemeClr val="tx1"/>
+        </a:solidFill>
+        <a:latin typeface="+mn-lt"/>
+        <a:ea typeface="+mn-ea"/>
+        <a:cs typeface="+mn-cs"/>
+      </a:defRPr>
+    </a:lvl2pPr>
+    <a:lvl3pPr marL="914400" algn="l" defTabSz="914400" rtl="0" eaLnBrk="1" latinLnBrk="0" hangingPunct="1">
+      <a:defRPr kumimoji="1" sz="1200" kern="1200">
+        <a:solidFill>
+          <a:schemeClr val="tx1"/>
+        </a:solidFill>
+        <a:latin typeface="+mn-lt"/>
+        <a:ea typeface="+mn-ea"/>
+        <a:cs typeface="+mn-cs"/>
+      </a:defRPr>
+    </a:lvl3pPr>
+    <a:lvl4pPr marL="1371600" algn="l" defTabSz="914400" rtl="0" eaLnBrk="1" latinLnBrk="0" hangingPunct="1">
+      <a:defRPr kumimoji="1" sz="1200" kern="1200">
+        <a:solidFill>
+          <a:schemeClr val="tx1"/>
+        </a:solidFill>
+        <a:latin typeface="+mn-lt"/>
+        <a:ea typeface="+mn-ea"/>
+        <a:cs typeface="+mn-cs"/>
+      </a:defRPr>
+    </a:lvl4pPr>
+    <a:lvl5pPr marL="1828800" algn="l" defTabSz="914400" rtl="0" eaLnBrk="1" latinLnBrk="0" hangingPunct="1">
+      <a:defRPr kumimoji="1" sz="1200" kern="1200">
+        <a:solidFill>
+          <a:schemeClr val="tx1"/>
+        </a:solidFill>
+        <a:latin typeface="+mn-lt"/>
+        <a:ea typeface="+mn-ea"/>
+        <a:cs typeface="+mn-cs"/>
+      </a:defRPr>
+    </a:lvl5pPr>
+    <a:lvl6pPr marL="2286000" algn="l" defTabSz="914400" rtl="0" eaLnBrk="1" latinLnBrk="0" hangingPunct="1">
+      <a:defRPr kumimoji="1" sz="1200" kern="1200">
+        <a:solidFill>
+          <a:schemeClr val="tx1"/>
+        </a:solidFill>
+        <a:latin typeface="+mn-lt"/>
+        <a:ea typeface="+mn-ea"/>
+        <a:cs typeface="+mn-cs"/>
+      </a:defRPr>
+    </a:lvl6pPr>
+    <a:lvl7pPr marL="2743200" algn="l" defTabSz="914400" rtl="0" eaLnBrk="1" latinLnBrk="0" hangingPunct="1">
+      <a:defRPr kumimoji="1" sz="1200" kern="1200">
+        <a:solidFill>
+          <a:schemeClr val="tx1"/>
+        </a:solidFill>
+        <a:latin typeface="+mn-lt"/>
+        <a:ea typeface="+mn-ea"/>
+        <a:cs typeface="+mn-cs"/>
+      </a:defRPr>
+    </a:lvl7pPr>
+    <a:lvl8pPr marL="3200400" algn="l" defTabSz="914400" rtl="0" eaLnBrk="1" latinLnBrk="0" hangingPunct="1">
+      <a:defRPr kumimoji="1" sz="1200" kern="1200">
+        <a:solidFill>
+          <a:schemeClr val="tx1"/>
+        </a:solidFill>
+        <a:latin typeface="+mn-lt"/>
+        <a:ea typeface="+mn-ea"/>
+        <a:cs typeface="+mn-cs"/>
+      </a:defRPr>
+    </a:lvl8pPr>
+    <a:lvl9pPr marL="3657600" algn="l" defTabSz="914400" rtl="0" eaLnBrk="1" latinLnBrk="0" hangingPunct="1">
+      <a:defRPr kumimoji="1" sz="1200" kern="1200">
+        <a:solidFill>
+          <a:schemeClr val="tx1"/>
+        </a:solidFill>
+        <a:latin typeface="+mn-lt"/>
+        <a:ea typeface="+mn-ea"/>
+        <a:cs typeface="+mn-cs"/>
+      </a:defRPr>
+    </a:lvl9pPr>
+  </p:notesStyle>
+</p:notesMaster>
+</file>
+
+<file path=ppt/notesSlides/notesSlide1.xml><?xml version="1.0" encoding="utf-8"?>
+<p:notes xmlns:a="http://schemas.openxmlformats.org/drawingml/2006/main" xmlns:r="http://schemas.openxmlformats.org/officeDocument/2006/relationships" xmlns:p="http://schemas.openxmlformats.org/presentationml/2006/main">
+  <p:cSld>
+    <p:spTree>
+      <p:nvGrpSpPr>
+        <p:cNvPr id="1" name=""/>
+        <p:cNvGrpSpPr/>
+        <p:nvPr/>
+      </p:nvGrpSpPr>
+      <p:grpSpPr>
+        <a:xfrm>
+          <a:off x="0" y="0"/>
+          <a:ext cx="0" cy="0"/>
+          <a:chOff x="0" y="0"/>
+          <a:chExt cx="0" cy="0"/>
+        </a:xfrm>
+      </p:grpSpPr>
+      <p:sp>
+        <p:nvSpPr>
+          <p:cNvPr id="2" name="スライド イメージ プレースホルダー 1"/>
+          <p:cNvSpPr>
+            <a:spLocks noGrp="1" noRot="1" noChangeAspect="1"/>
+          </p:cNvSpPr>
+          <p:nvPr>
+            <p:ph type="sldImg"/>
+          </p:nvPr>
+        </p:nvSpPr>
+        <p:spPr/>
+      </p:sp>
+      <p:sp>
+        <p:nvSpPr>
+          <p:cNvPr id="3" name="ノート プレースホルダー 2"/>
+          <p:cNvSpPr>
+            <a:spLocks noGrp="1"/>
+          </p:cNvSpPr>
+          <p:nvPr>
+            <p:ph type="body" idx="1"/>
+          </p:nvPr>
+        </p:nvSpPr>
+        <p:spPr/>
+        <p:txBody>
+          <a:bodyPr/>
+          <a:lstStyle/>
+          <a:p>
+            <a:endParaRPr kumimoji="1" lang="ja-JP" altLang="en-US"/>
+          </a:p>
+        </p:txBody>
+      </p:sp>
+      <p:sp>
+        <p:nvSpPr>
+          <p:cNvPr id="4" name="スライド番号プレースホルダー 3"/>
+          <p:cNvSpPr>
+            <a:spLocks noGrp="1"/>
+          </p:cNvSpPr>
+          <p:nvPr>
+            <p:ph type="sldNum" sz="quarter" idx="5"/>
+          </p:nvPr>
+        </p:nvSpPr>
+        <p:spPr/>
+        <p:txBody>
+          <a:bodyPr/>
+          <a:lstStyle/>
+          <a:p>
+            <a:fld id="{E73035C4-D6BF-F142-86ED-84A3E046DE73}" type="slidenum">
+              <a:rPr kumimoji="1" lang="ja-JP" altLang="en-US" smtClean="0"/>
+              <a:t>2</a:t>
+            </a:fld>
+            <a:endParaRPr kumimoji="1" lang="ja-JP" altLang="en-US"/>
+          </a:p>
+        </p:txBody>
+      </p:sp>
+    </p:spTree>
+    <p:extLst>
+      <p:ext uri="{BB962C8B-B14F-4D97-AF65-F5344CB8AC3E}">
+        <p14:creationId xmlns:p14="http://schemas.microsoft.com/office/powerpoint/2010/main" val="2156853188"/>
+      </p:ext>
+    </p:extLst>
+  </p:cSld>
+  <p:clrMapOvr>
+    <a:masterClrMapping/>
+  </p:clrMapOvr>
+</p:notes>
 </file>
 
 <file path=ppt/slideLayouts/slideLayout1.xml><?xml version="1.0" encoding="utf-8"?>
@@ -4289,6 +4763,2244 @@
 </p:sld>
 </file>
 
+<file path=ppt/slides/slide2.xml><?xml version="1.0" encoding="utf-8"?>
+<p:sld xmlns:a="http://schemas.openxmlformats.org/drawingml/2006/main" xmlns:r="http://schemas.openxmlformats.org/officeDocument/2006/relationships" xmlns:p="http://schemas.openxmlformats.org/presentationml/2006/main">
+  <p:cSld>
+    <p:spTree>
+      <p:nvGrpSpPr>
+        <p:cNvPr id="1" name=""/>
+        <p:cNvGrpSpPr/>
+        <p:nvPr/>
+      </p:nvGrpSpPr>
+      <p:grpSpPr>
+        <a:xfrm>
+          <a:off x="0" y="0"/>
+          <a:ext cx="0" cy="0"/>
+          <a:chOff x="0" y="0"/>
+          <a:chExt cx="0" cy="0"/>
+        </a:xfrm>
+      </p:grpSpPr>
+      <p:sp>
+        <p:nvSpPr>
+          <p:cNvPr id="4" name="正方形/長方形 3">
+            <a:extLst>
+              <a:ext uri="{FF2B5EF4-FFF2-40B4-BE49-F238E27FC236}">
+                <a16:creationId xmlns:a16="http://schemas.microsoft.com/office/drawing/2014/main" id="{CEA37269-60B0-AC40-B2C4-EFDE97C233D8}"/>
+              </a:ext>
+            </a:extLst>
+          </p:cNvPr>
+          <p:cNvSpPr/>
+          <p:nvPr/>
+        </p:nvSpPr>
+        <p:spPr>
+          <a:xfrm>
+            <a:off x="2399251" y="607701"/>
+            <a:ext cx="3130477" cy="1237262"/>
+          </a:xfrm>
+          <a:prstGeom prst="rect">
+            <a:avLst/>
+          </a:prstGeom>
+          <a:noFill/>
+          <a:ln w="28575">
+            <a:solidFill>
+              <a:schemeClr val="tx1"/>
+            </a:solidFill>
+          </a:ln>
+        </p:spPr>
+        <p:style>
+          <a:lnRef idx="2">
+            <a:schemeClr val="accent1">
+              <a:shade val="50000"/>
+            </a:schemeClr>
+          </a:lnRef>
+          <a:fillRef idx="1">
+            <a:schemeClr val="accent1"/>
+          </a:fillRef>
+          <a:effectRef idx="0">
+            <a:schemeClr val="accent1"/>
+          </a:effectRef>
+          <a:fontRef idx="minor">
+            <a:schemeClr val="lt1"/>
+          </a:fontRef>
+        </p:style>
+        <p:txBody>
+          <a:bodyPr rtlCol="0" anchor="ctr"/>
+          <a:lstStyle/>
+          <a:p>
+            <a:pPr algn="r"/>
+            <a:endParaRPr kumimoji="1" lang="ja-JP" altLang="en-US"/>
+          </a:p>
+        </p:txBody>
+      </p:sp>
+      <p:sp>
+        <p:nvSpPr>
+          <p:cNvPr id="12" name="テキスト ボックス 11">
+            <a:extLst>
+              <a:ext uri="{FF2B5EF4-FFF2-40B4-BE49-F238E27FC236}">
+                <a16:creationId xmlns:a16="http://schemas.microsoft.com/office/drawing/2014/main" id="{45E55EFA-4D47-EF44-8DBC-07C56949663B}"/>
+              </a:ext>
+            </a:extLst>
+          </p:cNvPr>
+          <p:cNvSpPr txBox="1"/>
+          <p:nvPr/>
+        </p:nvSpPr>
+        <p:spPr>
+          <a:xfrm>
+            <a:off x="6515976" y="971358"/>
+            <a:ext cx="2985113" cy="584775"/>
+          </a:xfrm>
+          <a:prstGeom prst="rect">
+            <a:avLst/>
+          </a:prstGeom>
+          <a:noFill/>
+        </p:spPr>
+        <p:txBody>
+          <a:bodyPr wrap="none" rtlCol="0">
+            <a:spAutoFit/>
+          </a:bodyPr>
+          <a:lstStyle/>
+          <a:p>
+            <a:endParaRPr lang="en-US" altLang="ja-JP" sz="1600" dirty="0"/>
+          </a:p>
+          <a:p>
+            <a:r>
+              <a:rPr lang="en-US" altLang="ja-JP" sz="1600" dirty="0" err="1"/>
+              <a:t>wsize</a:t>
+            </a:r>
+            <a:r>
+              <a:rPr lang="en-US" altLang="ja-JP" sz="1600" dirty="0"/>
+              <a:t> = </a:t>
+            </a:r>
+            <a:r>
+              <a:rPr lang="en-US" altLang="ja-JP" sz="1600" dirty="0" err="1"/>
+              <a:t>SSL_read</a:t>
+            </a:r>
+            <a:r>
+              <a:rPr lang="en-US" altLang="ja-JP" sz="1600" dirty="0"/>
+              <a:t>(msg, </a:t>
+            </a:r>
+            <a:r>
+              <a:rPr lang="en-US" altLang="ja-JP" sz="1600" dirty="0" err="1"/>
+              <a:t>rsize</a:t>
+            </a:r>
+            <a:r>
+              <a:rPr lang="en-US" altLang="ja-JP" sz="1600" dirty="0"/>
+              <a:t>)</a:t>
+            </a:r>
+          </a:p>
+        </p:txBody>
+      </p:sp>
+      <p:sp>
+        <p:nvSpPr>
+          <p:cNvPr id="13" name="テキスト ボックス 12">
+            <a:extLst>
+              <a:ext uri="{FF2B5EF4-FFF2-40B4-BE49-F238E27FC236}">
+                <a16:creationId xmlns:a16="http://schemas.microsoft.com/office/drawing/2014/main" id="{17848185-05C0-4748-87B6-39F13BAE1CBB}"/>
+              </a:ext>
+            </a:extLst>
+          </p:cNvPr>
+          <p:cNvSpPr txBox="1"/>
+          <p:nvPr/>
+        </p:nvSpPr>
+        <p:spPr>
+          <a:xfrm>
+            <a:off x="2659316" y="1226332"/>
+            <a:ext cx="2385589" cy="338554"/>
+          </a:xfrm>
+          <a:prstGeom prst="rect">
+            <a:avLst/>
+          </a:prstGeom>
+          <a:noFill/>
+        </p:spPr>
+        <p:txBody>
+          <a:bodyPr wrap="none" rtlCol="0">
+            <a:spAutoFit/>
+          </a:bodyPr>
+          <a:lstStyle/>
+          <a:p>
+            <a:pPr algn="r"/>
+            <a:r>
+              <a:rPr lang="en-US" altLang="ja-JP" sz="1600" dirty="0" err="1"/>
+              <a:t>SSL_write</a:t>
+            </a:r>
+            <a:r>
+              <a:rPr lang="en-US" altLang="ja-JP" sz="1600" dirty="0"/>
+              <a:t>(msg, </a:t>
+            </a:r>
+            <a:r>
+              <a:rPr lang="en-US" altLang="ja-JP" sz="1600" dirty="0" err="1"/>
+              <a:t>wsize</a:t>
+            </a:r>
+            <a:r>
+              <a:rPr lang="en-US" altLang="ja-JP" sz="1600" dirty="0"/>
+              <a:t>);</a:t>
+            </a:r>
+            <a:endParaRPr kumimoji="1" lang="en-US" altLang="ja-JP" sz="1600" dirty="0"/>
+          </a:p>
+        </p:txBody>
+      </p:sp>
+      <p:sp>
+        <p:nvSpPr>
+          <p:cNvPr id="14" name="テキスト ボックス 13">
+            <a:extLst>
+              <a:ext uri="{FF2B5EF4-FFF2-40B4-BE49-F238E27FC236}">
+                <a16:creationId xmlns:a16="http://schemas.microsoft.com/office/drawing/2014/main" id="{C1BC8E4D-0917-D449-9C87-007A7F4A0832}"/>
+              </a:ext>
+            </a:extLst>
+          </p:cNvPr>
+          <p:cNvSpPr txBox="1"/>
+          <p:nvPr/>
+        </p:nvSpPr>
+        <p:spPr>
+          <a:xfrm>
+            <a:off x="2631893" y="173513"/>
+            <a:ext cx="2236510" cy="400110"/>
+          </a:xfrm>
+          <a:prstGeom prst="rect">
+            <a:avLst/>
+          </a:prstGeom>
+          <a:noFill/>
+        </p:spPr>
+        <p:txBody>
+          <a:bodyPr wrap="none" rtlCol="0">
+            <a:spAutoFit/>
+          </a:bodyPr>
+          <a:lstStyle/>
+          <a:p>
+            <a:r>
+              <a:rPr kumimoji="1" lang="ja-JP" altLang="en-US" sz="2000"/>
+              <a:t>メッセージ送信側</a:t>
+            </a:r>
+          </a:p>
+        </p:txBody>
+      </p:sp>
+      <p:sp>
+        <p:nvSpPr>
+          <p:cNvPr id="15" name="テキスト ボックス 14">
+            <a:extLst>
+              <a:ext uri="{FF2B5EF4-FFF2-40B4-BE49-F238E27FC236}">
+                <a16:creationId xmlns:a16="http://schemas.microsoft.com/office/drawing/2014/main" id="{DA8C505F-0DA8-9C49-A968-F05BFAEE9262}"/>
+              </a:ext>
+            </a:extLst>
+          </p:cNvPr>
+          <p:cNvSpPr txBox="1"/>
+          <p:nvPr/>
+        </p:nvSpPr>
+        <p:spPr>
+          <a:xfrm>
+            <a:off x="7361173" y="145148"/>
+            <a:ext cx="2236510" cy="400110"/>
+          </a:xfrm>
+          <a:prstGeom prst="rect">
+            <a:avLst/>
+          </a:prstGeom>
+          <a:noFill/>
+        </p:spPr>
+        <p:txBody>
+          <a:bodyPr wrap="none" rtlCol="0">
+            <a:spAutoFit/>
+          </a:bodyPr>
+          <a:lstStyle/>
+          <a:p>
+            <a:r>
+              <a:rPr kumimoji="1" lang="ja-JP" altLang="en-US" sz="2000"/>
+              <a:t>メッセージ受信側</a:t>
+            </a:r>
+          </a:p>
+        </p:txBody>
+      </p:sp>
+      <p:sp>
+        <p:nvSpPr>
+          <p:cNvPr id="16" name="正方形/長方形 15">
+            <a:extLst>
+              <a:ext uri="{FF2B5EF4-FFF2-40B4-BE49-F238E27FC236}">
+                <a16:creationId xmlns:a16="http://schemas.microsoft.com/office/drawing/2014/main" id="{28E4675F-7AE0-9F4E-B955-B997365C2342}"/>
+              </a:ext>
+            </a:extLst>
+          </p:cNvPr>
+          <p:cNvSpPr/>
+          <p:nvPr/>
+        </p:nvSpPr>
+        <p:spPr>
+          <a:xfrm>
+            <a:off x="6370612" y="573623"/>
+            <a:ext cx="3130477" cy="1237262"/>
+          </a:xfrm>
+          <a:prstGeom prst="rect">
+            <a:avLst/>
+          </a:prstGeom>
+          <a:noFill/>
+          <a:ln w="28575">
+            <a:solidFill>
+              <a:schemeClr val="tx1"/>
+            </a:solidFill>
+          </a:ln>
+        </p:spPr>
+        <p:style>
+          <a:lnRef idx="2">
+            <a:schemeClr val="accent1">
+              <a:shade val="50000"/>
+            </a:schemeClr>
+          </a:lnRef>
+          <a:fillRef idx="1">
+            <a:schemeClr val="accent1"/>
+          </a:fillRef>
+          <a:effectRef idx="0">
+            <a:schemeClr val="accent1"/>
+          </a:effectRef>
+          <a:fontRef idx="minor">
+            <a:schemeClr val="lt1"/>
+          </a:fontRef>
+        </p:style>
+        <p:txBody>
+          <a:bodyPr rtlCol="0" anchor="ctr"/>
+          <a:lstStyle/>
+          <a:p>
+            <a:pPr algn="r"/>
+            <a:endParaRPr kumimoji="1" lang="ja-JP" altLang="en-US"/>
+          </a:p>
+        </p:txBody>
+      </p:sp>
+      <p:sp>
+        <p:nvSpPr>
+          <p:cNvPr id="17" name="正方形/長方形 16">
+            <a:extLst>
+              <a:ext uri="{FF2B5EF4-FFF2-40B4-BE49-F238E27FC236}">
+                <a16:creationId xmlns:a16="http://schemas.microsoft.com/office/drawing/2014/main" id="{7BDE5ED8-871E-7D43-A3EE-46BB47AABB1F}"/>
+              </a:ext>
+            </a:extLst>
+          </p:cNvPr>
+          <p:cNvSpPr/>
+          <p:nvPr/>
+        </p:nvSpPr>
+        <p:spPr>
+          <a:xfrm>
+            <a:off x="3470387" y="2416276"/>
+            <a:ext cx="1471709" cy="367023"/>
+          </a:xfrm>
+          <a:prstGeom prst="rect">
+            <a:avLst/>
+          </a:prstGeom>
+          <a:noFill/>
+          <a:ln w="28575">
+            <a:solidFill>
+              <a:schemeClr val="tx1"/>
+            </a:solidFill>
+          </a:ln>
+        </p:spPr>
+        <p:style>
+          <a:lnRef idx="2">
+            <a:schemeClr val="accent1">
+              <a:shade val="50000"/>
+            </a:schemeClr>
+          </a:lnRef>
+          <a:fillRef idx="1">
+            <a:schemeClr val="accent1"/>
+          </a:fillRef>
+          <a:effectRef idx="0">
+            <a:schemeClr val="accent1"/>
+          </a:effectRef>
+          <a:fontRef idx="minor">
+            <a:schemeClr val="lt1"/>
+          </a:fontRef>
+        </p:style>
+        <p:txBody>
+          <a:bodyPr rtlCol="0" anchor="ctr"/>
+          <a:lstStyle/>
+          <a:p>
+            <a:pPr algn="r"/>
+            <a:endParaRPr kumimoji="1" lang="ja-JP" altLang="en-US"/>
+          </a:p>
+        </p:txBody>
+      </p:sp>
+      <p:sp>
+        <p:nvSpPr>
+          <p:cNvPr id="19" name="正方形/長方形 18">
+            <a:extLst>
+              <a:ext uri="{FF2B5EF4-FFF2-40B4-BE49-F238E27FC236}">
+                <a16:creationId xmlns:a16="http://schemas.microsoft.com/office/drawing/2014/main" id="{766126A7-8D34-384E-8555-A3E3E1FB7390}"/>
+              </a:ext>
+            </a:extLst>
+          </p:cNvPr>
+          <p:cNvSpPr/>
+          <p:nvPr/>
+        </p:nvSpPr>
+        <p:spPr>
+          <a:xfrm>
+            <a:off x="7478960" y="2416276"/>
+            <a:ext cx="1471709" cy="367023"/>
+          </a:xfrm>
+          <a:prstGeom prst="rect">
+            <a:avLst/>
+          </a:prstGeom>
+          <a:noFill/>
+          <a:ln w="28575">
+            <a:solidFill>
+              <a:schemeClr val="tx1"/>
+            </a:solidFill>
+          </a:ln>
+        </p:spPr>
+        <p:style>
+          <a:lnRef idx="2">
+            <a:schemeClr val="accent1">
+              <a:shade val="50000"/>
+            </a:schemeClr>
+          </a:lnRef>
+          <a:fillRef idx="1">
+            <a:schemeClr val="accent1"/>
+          </a:fillRef>
+          <a:effectRef idx="0">
+            <a:schemeClr val="accent1"/>
+          </a:effectRef>
+          <a:fontRef idx="minor">
+            <a:schemeClr val="lt1"/>
+          </a:fontRef>
+        </p:style>
+        <p:txBody>
+          <a:bodyPr rtlCol="0" anchor="ctr"/>
+          <a:lstStyle/>
+          <a:p>
+            <a:pPr algn="r"/>
+            <a:endParaRPr kumimoji="1" lang="ja-JP" altLang="en-US"/>
+          </a:p>
+        </p:txBody>
+      </p:sp>
+      <p:cxnSp>
+        <p:nvCxnSpPr>
+          <p:cNvPr id="21" name="直線コネクタ 20">
+            <a:extLst>
+              <a:ext uri="{FF2B5EF4-FFF2-40B4-BE49-F238E27FC236}">
+                <a16:creationId xmlns:a16="http://schemas.microsoft.com/office/drawing/2014/main" id="{C0D8F92B-D74E-C748-93EA-8725A59A780F}"/>
+              </a:ext>
+            </a:extLst>
+          </p:cNvPr>
+          <p:cNvCxnSpPr>
+            <a:cxnSpLocks/>
+          </p:cNvCxnSpPr>
+          <p:nvPr/>
+        </p:nvCxnSpPr>
+        <p:spPr>
+          <a:xfrm flipH="1">
+            <a:off x="4110293" y="1559307"/>
+            <a:ext cx="1" cy="851390"/>
+          </a:xfrm>
+          <a:prstGeom prst="line">
+            <a:avLst/>
+          </a:prstGeom>
+          <a:ln>
+            <a:solidFill>
+              <a:schemeClr val="tx1"/>
+            </a:solidFill>
+            <a:headEnd type="none" w="med" len="med"/>
+            <a:tailEnd type="arrow" w="med" len="med"/>
+          </a:ln>
+        </p:spPr>
+        <p:style>
+          <a:lnRef idx="1">
+            <a:schemeClr val="accent1"/>
+          </a:lnRef>
+          <a:fillRef idx="0">
+            <a:schemeClr val="accent1"/>
+          </a:fillRef>
+          <a:effectRef idx="0">
+            <a:schemeClr val="accent1"/>
+          </a:effectRef>
+          <a:fontRef idx="minor">
+            <a:schemeClr val="tx1"/>
+          </a:fontRef>
+        </p:style>
+      </p:cxnSp>
+      <p:cxnSp>
+        <p:nvCxnSpPr>
+          <p:cNvPr id="22" name="直線コネクタ 21">
+            <a:extLst>
+              <a:ext uri="{FF2B5EF4-FFF2-40B4-BE49-F238E27FC236}">
+                <a16:creationId xmlns:a16="http://schemas.microsoft.com/office/drawing/2014/main" id="{9FD4AE35-D3B4-3C49-B812-1DB4DC9CCBAF}"/>
+              </a:ext>
+            </a:extLst>
+          </p:cNvPr>
+          <p:cNvCxnSpPr>
+            <a:cxnSpLocks/>
+          </p:cNvCxnSpPr>
+          <p:nvPr/>
+        </p:nvCxnSpPr>
+        <p:spPr>
+          <a:xfrm flipH="1" flipV="1">
+            <a:off x="8554996" y="1569036"/>
+            <a:ext cx="1" cy="851390"/>
+          </a:xfrm>
+          <a:prstGeom prst="line">
+            <a:avLst/>
+          </a:prstGeom>
+          <a:ln>
+            <a:solidFill>
+              <a:schemeClr val="tx1"/>
+            </a:solidFill>
+            <a:headEnd type="none" w="med" len="med"/>
+            <a:tailEnd type="arrow" w="med" len="med"/>
+          </a:ln>
+        </p:spPr>
+        <p:style>
+          <a:lnRef idx="1">
+            <a:schemeClr val="accent1"/>
+          </a:lnRef>
+          <a:fillRef idx="0">
+            <a:schemeClr val="accent1"/>
+          </a:fillRef>
+          <a:effectRef idx="0">
+            <a:schemeClr val="accent1"/>
+          </a:effectRef>
+          <a:fontRef idx="minor">
+            <a:schemeClr val="tx1"/>
+          </a:fontRef>
+        </p:style>
+      </p:cxnSp>
+      <p:cxnSp>
+        <p:nvCxnSpPr>
+          <p:cNvPr id="23" name="直線コネクタ 22">
+            <a:extLst>
+              <a:ext uri="{FF2B5EF4-FFF2-40B4-BE49-F238E27FC236}">
+                <a16:creationId xmlns:a16="http://schemas.microsoft.com/office/drawing/2014/main" id="{C57868D1-6322-924E-9F68-BC0E9F6E07D8}"/>
+              </a:ext>
+            </a:extLst>
+          </p:cNvPr>
+          <p:cNvCxnSpPr>
+            <a:cxnSpLocks/>
+          </p:cNvCxnSpPr>
+          <p:nvPr/>
+        </p:nvCxnSpPr>
+        <p:spPr>
+          <a:xfrm flipH="1" flipV="1">
+            <a:off x="3470387" y="2951808"/>
+            <a:ext cx="1471710" cy="1"/>
+          </a:xfrm>
+          <a:prstGeom prst="line">
+            <a:avLst/>
+          </a:prstGeom>
+          <a:ln>
+            <a:solidFill>
+              <a:schemeClr val="tx1"/>
+            </a:solidFill>
+            <a:headEnd type="arrow" w="med" len="med"/>
+            <a:tailEnd type="arrow" w="med" len="med"/>
+          </a:ln>
+        </p:spPr>
+        <p:style>
+          <a:lnRef idx="1">
+            <a:schemeClr val="accent1"/>
+          </a:lnRef>
+          <a:fillRef idx="0">
+            <a:schemeClr val="accent1"/>
+          </a:fillRef>
+          <a:effectRef idx="0">
+            <a:schemeClr val="accent1"/>
+          </a:effectRef>
+          <a:fontRef idx="minor">
+            <a:schemeClr val="tx1"/>
+          </a:fontRef>
+        </p:style>
+      </p:cxnSp>
+      <p:sp>
+        <p:nvSpPr>
+          <p:cNvPr id="26" name="テキスト ボックス 25">
+            <a:extLst>
+              <a:ext uri="{FF2B5EF4-FFF2-40B4-BE49-F238E27FC236}">
+                <a16:creationId xmlns:a16="http://schemas.microsoft.com/office/drawing/2014/main" id="{5DB6EF29-A736-5C43-936F-080A82CB442D}"/>
+              </a:ext>
+            </a:extLst>
+          </p:cNvPr>
+          <p:cNvSpPr txBox="1"/>
+          <p:nvPr/>
+        </p:nvSpPr>
+        <p:spPr>
+          <a:xfrm>
+            <a:off x="3964489" y="2935652"/>
+            <a:ext cx="646331" cy="307777"/>
+          </a:xfrm>
+          <a:prstGeom prst="rect">
+            <a:avLst/>
+          </a:prstGeom>
+          <a:noFill/>
+        </p:spPr>
+        <p:txBody>
+          <a:bodyPr wrap="none" rtlCol="0">
+            <a:spAutoFit/>
+          </a:bodyPr>
+          <a:lstStyle/>
+          <a:p>
+            <a:r>
+              <a:rPr kumimoji="1" lang="en-US" altLang="ja-JP" sz="1400" dirty="0" err="1"/>
+              <a:t>wsize</a:t>
+            </a:r>
+            <a:endParaRPr kumimoji="1" lang="ja-JP" altLang="en-US" sz="1400"/>
+          </a:p>
+        </p:txBody>
+      </p:sp>
+      <p:sp>
+        <p:nvSpPr>
+          <p:cNvPr id="27" name="テキスト ボックス 26">
+            <a:extLst>
+              <a:ext uri="{FF2B5EF4-FFF2-40B4-BE49-F238E27FC236}">
+                <a16:creationId xmlns:a16="http://schemas.microsoft.com/office/drawing/2014/main" id="{34D7E0AB-F4DD-6844-975E-734E34633A94}"/>
+              </a:ext>
+            </a:extLst>
+          </p:cNvPr>
+          <p:cNvSpPr txBox="1"/>
+          <p:nvPr/>
+        </p:nvSpPr>
+        <p:spPr>
+          <a:xfrm>
+            <a:off x="7010421" y="654653"/>
+            <a:ext cx="1986441" cy="307777"/>
+          </a:xfrm>
+          <a:prstGeom prst="rect">
+            <a:avLst/>
+          </a:prstGeom>
+          <a:noFill/>
+        </p:spPr>
+        <p:txBody>
+          <a:bodyPr wrap="none" rtlCol="0">
+            <a:spAutoFit/>
+          </a:bodyPr>
+          <a:lstStyle/>
+          <a:p>
+            <a:r>
+              <a:rPr kumimoji="1" lang="en-US" altLang="ja-JP" sz="1400" u="sng" dirty="0" err="1"/>
+              <a:t>wsize</a:t>
+            </a:r>
+            <a:r>
+              <a:rPr kumimoji="1" lang="en-US" altLang="ja-JP" sz="1400" u="sng" dirty="0"/>
+              <a:t> &lt;= </a:t>
+            </a:r>
+            <a:r>
+              <a:rPr kumimoji="1" lang="en-US" altLang="ja-JP" sz="1400" u="sng" dirty="0" err="1"/>
+              <a:t>rsize</a:t>
+            </a:r>
+            <a:r>
+              <a:rPr kumimoji="1" lang="en-US" altLang="ja-JP" sz="1400" u="sng" dirty="0"/>
+              <a:t> </a:t>
+            </a:r>
+            <a:r>
+              <a:rPr kumimoji="1" lang="ja-JP" altLang="en-US" sz="1400" u="sng"/>
+              <a:t>を指定</a:t>
+            </a:r>
+          </a:p>
+        </p:txBody>
+      </p:sp>
+      <p:cxnSp>
+        <p:nvCxnSpPr>
+          <p:cNvPr id="28" name="直線コネクタ 27">
+            <a:extLst>
+              <a:ext uri="{FF2B5EF4-FFF2-40B4-BE49-F238E27FC236}">
+                <a16:creationId xmlns:a16="http://schemas.microsoft.com/office/drawing/2014/main" id="{F227EB3D-74A4-EF4F-B725-DAC289EAABE0}"/>
+              </a:ext>
+            </a:extLst>
+          </p:cNvPr>
+          <p:cNvCxnSpPr>
+            <a:cxnSpLocks/>
+          </p:cNvCxnSpPr>
+          <p:nvPr/>
+        </p:nvCxnSpPr>
+        <p:spPr>
+          <a:xfrm flipH="1" flipV="1">
+            <a:off x="7468201" y="2947937"/>
+            <a:ext cx="1471710" cy="1"/>
+          </a:xfrm>
+          <a:prstGeom prst="line">
+            <a:avLst/>
+          </a:prstGeom>
+          <a:ln>
+            <a:solidFill>
+              <a:schemeClr val="tx1"/>
+            </a:solidFill>
+            <a:headEnd type="arrow" w="med" len="med"/>
+            <a:tailEnd type="arrow" w="med" len="med"/>
+          </a:ln>
+        </p:spPr>
+        <p:style>
+          <a:lnRef idx="1">
+            <a:schemeClr val="accent1"/>
+          </a:lnRef>
+          <a:fillRef idx="0">
+            <a:schemeClr val="accent1"/>
+          </a:fillRef>
+          <a:effectRef idx="0">
+            <a:schemeClr val="accent1"/>
+          </a:effectRef>
+          <a:fontRef idx="minor">
+            <a:schemeClr val="tx1"/>
+          </a:fontRef>
+        </p:style>
+      </p:cxnSp>
+      <p:sp>
+        <p:nvSpPr>
+          <p:cNvPr id="29" name="テキスト ボックス 28">
+            <a:extLst>
+              <a:ext uri="{FF2B5EF4-FFF2-40B4-BE49-F238E27FC236}">
+                <a16:creationId xmlns:a16="http://schemas.microsoft.com/office/drawing/2014/main" id="{BDB657A1-6231-304F-BE61-DA2B35804520}"/>
+              </a:ext>
+            </a:extLst>
+          </p:cNvPr>
+          <p:cNvSpPr txBox="1"/>
+          <p:nvPr/>
+        </p:nvSpPr>
+        <p:spPr>
+          <a:xfrm>
+            <a:off x="7962303" y="2931781"/>
+            <a:ext cx="646331" cy="307777"/>
+          </a:xfrm>
+          <a:prstGeom prst="rect">
+            <a:avLst/>
+          </a:prstGeom>
+          <a:noFill/>
+        </p:spPr>
+        <p:txBody>
+          <a:bodyPr wrap="none" rtlCol="0">
+            <a:spAutoFit/>
+          </a:bodyPr>
+          <a:lstStyle/>
+          <a:p>
+            <a:r>
+              <a:rPr kumimoji="1" lang="en-US" altLang="ja-JP" sz="1400" dirty="0" err="1"/>
+              <a:t>wsize</a:t>
+            </a:r>
+            <a:endParaRPr kumimoji="1" lang="ja-JP" altLang="en-US" sz="1400"/>
+          </a:p>
+        </p:txBody>
+      </p:sp>
+      <p:cxnSp>
+        <p:nvCxnSpPr>
+          <p:cNvPr id="30" name="直線コネクタ 29">
+            <a:extLst>
+              <a:ext uri="{FF2B5EF4-FFF2-40B4-BE49-F238E27FC236}">
+                <a16:creationId xmlns:a16="http://schemas.microsoft.com/office/drawing/2014/main" id="{5BA1EF53-31EC-2846-BAFB-261FE4A9CB26}"/>
+              </a:ext>
+            </a:extLst>
+          </p:cNvPr>
+          <p:cNvCxnSpPr>
+            <a:cxnSpLocks/>
+          </p:cNvCxnSpPr>
+          <p:nvPr/>
+        </p:nvCxnSpPr>
+        <p:spPr>
+          <a:xfrm flipH="1">
+            <a:off x="4997814" y="2599788"/>
+            <a:ext cx="2427356" cy="1"/>
+          </a:xfrm>
+          <a:prstGeom prst="line">
+            <a:avLst/>
+          </a:prstGeom>
+          <a:ln w="12700">
+            <a:solidFill>
+              <a:schemeClr val="tx1"/>
+            </a:solidFill>
+            <a:prstDash val="dash"/>
+            <a:headEnd type="arrow" w="med" len="med"/>
+            <a:tailEnd type="none" w="med" len="med"/>
+          </a:ln>
+        </p:spPr>
+        <p:style>
+          <a:lnRef idx="1">
+            <a:schemeClr val="accent1"/>
+          </a:lnRef>
+          <a:fillRef idx="0">
+            <a:schemeClr val="accent1"/>
+          </a:fillRef>
+          <a:effectRef idx="0">
+            <a:schemeClr val="accent1"/>
+          </a:effectRef>
+          <a:fontRef idx="minor">
+            <a:schemeClr val="tx1"/>
+          </a:fontRef>
+        </p:style>
+      </p:cxnSp>
+      <p:sp>
+        <p:nvSpPr>
+          <p:cNvPr id="32" name="テキスト ボックス 31">
+            <a:extLst>
+              <a:ext uri="{FF2B5EF4-FFF2-40B4-BE49-F238E27FC236}">
+                <a16:creationId xmlns:a16="http://schemas.microsoft.com/office/drawing/2014/main" id="{B9BD81D7-0565-4A45-8EEB-8C9C275185D1}"/>
+              </a:ext>
+            </a:extLst>
+          </p:cNvPr>
+          <p:cNvSpPr txBox="1"/>
+          <p:nvPr/>
+        </p:nvSpPr>
+        <p:spPr>
+          <a:xfrm>
+            <a:off x="3964489" y="2445898"/>
+            <a:ext cx="527709" cy="307777"/>
+          </a:xfrm>
+          <a:prstGeom prst="rect">
+            <a:avLst/>
+          </a:prstGeom>
+          <a:noFill/>
+        </p:spPr>
+        <p:txBody>
+          <a:bodyPr wrap="none" rtlCol="0">
+            <a:spAutoFit/>
+          </a:bodyPr>
+          <a:lstStyle/>
+          <a:p>
+            <a:r>
+              <a:rPr kumimoji="1" lang="en-US" altLang="ja-JP" sz="1400" dirty="0"/>
+              <a:t>msg</a:t>
+            </a:r>
+            <a:endParaRPr kumimoji="1" lang="ja-JP" altLang="en-US" sz="1400"/>
+          </a:p>
+        </p:txBody>
+      </p:sp>
+      <p:sp>
+        <p:nvSpPr>
+          <p:cNvPr id="33" name="テキスト ボックス 32">
+            <a:extLst>
+              <a:ext uri="{FF2B5EF4-FFF2-40B4-BE49-F238E27FC236}">
+                <a16:creationId xmlns:a16="http://schemas.microsoft.com/office/drawing/2014/main" id="{57C2D0F0-F693-2E46-8C13-9EB7F6C7E856}"/>
+              </a:ext>
+            </a:extLst>
+          </p:cNvPr>
+          <p:cNvSpPr txBox="1"/>
+          <p:nvPr/>
+        </p:nvSpPr>
+        <p:spPr>
+          <a:xfrm>
+            <a:off x="7973061" y="2476213"/>
+            <a:ext cx="527709" cy="307777"/>
+          </a:xfrm>
+          <a:prstGeom prst="rect">
+            <a:avLst/>
+          </a:prstGeom>
+          <a:noFill/>
+        </p:spPr>
+        <p:txBody>
+          <a:bodyPr wrap="none" rtlCol="0">
+            <a:spAutoFit/>
+          </a:bodyPr>
+          <a:lstStyle/>
+          <a:p>
+            <a:r>
+              <a:rPr kumimoji="1" lang="en-US" altLang="ja-JP" sz="1400" dirty="0"/>
+              <a:t>msg</a:t>
+            </a:r>
+            <a:endParaRPr kumimoji="1" lang="ja-JP" altLang="en-US" sz="1400"/>
+          </a:p>
+        </p:txBody>
+      </p:sp>
+      <p:cxnSp>
+        <p:nvCxnSpPr>
+          <p:cNvPr id="34" name="直線コネクタ 33">
+            <a:extLst>
+              <a:ext uri="{FF2B5EF4-FFF2-40B4-BE49-F238E27FC236}">
+                <a16:creationId xmlns:a16="http://schemas.microsoft.com/office/drawing/2014/main" id="{EF15C814-949B-E441-88D9-DDCEA6632436}"/>
+              </a:ext>
+            </a:extLst>
+          </p:cNvPr>
+          <p:cNvCxnSpPr>
+            <a:cxnSpLocks/>
+          </p:cNvCxnSpPr>
+          <p:nvPr/>
+        </p:nvCxnSpPr>
+        <p:spPr>
+          <a:xfrm>
+            <a:off x="8756725" y="896052"/>
+            <a:ext cx="273399" cy="385872"/>
+          </a:xfrm>
+          <a:prstGeom prst="line">
+            <a:avLst/>
+          </a:prstGeom>
+          <a:ln>
+            <a:solidFill>
+              <a:schemeClr val="tx1"/>
+            </a:solidFill>
+            <a:headEnd type="none" w="med" len="med"/>
+            <a:tailEnd type="arrow" w="med" len="med"/>
+          </a:ln>
+        </p:spPr>
+        <p:style>
+          <a:lnRef idx="1">
+            <a:schemeClr val="accent1"/>
+          </a:lnRef>
+          <a:fillRef idx="0">
+            <a:schemeClr val="accent1"/>
+          </a:fillRef>
+          <a:effectRef idx="0">
+            <a:schemeClr val="accent1"/>
+          </a:effectRef>
+          <a:fontRef idx="minor">
+            <a:schemeClr val="tx1"/>
+          </a:fontRef>
+        </p:style>
+      </p:cxnSp>
+      <p:sp>
+        <p:nvSpPr>
+          <p:cNvPr id="38" name="正方形/長方形 37">
+            <a:extLst>
+              <a:ext uri="{FF2B5EF4-FFF2-40B4-BE49-F238E27FC236}">
+                <a16:creationId xmlns:a16="http://schemas.microsoft.com/office/drawing/2014/main" id="{3A6E7194-1CFB-FE49-8FD9-585857BE6FA7}"/>
+              </a:ext>
+            </a:extLst>
+          </p:cNvPr>
+          <p:cNvSpPr/>
+          <p:nvPr/>
+        </p:nvSpPr>
+        <p:spPr>
+          <a:xfrm>
+            <a:off x="2369821" y="4221274"/>
+            <a:ext cx="3130477" cy="1237262"/>
+          </a:xfrm>
+          <a:prstGeom prst="rect">
+            <a:avLst/>
+          </a:prstGeom>
+          <a:noFill/>
+          <a:ln w="28575">
+            <a:solidFill>
+              <a:schemeClr val="tx1"/>
+            </a:solidFill>
+          </a:ln>
+        </p:spPr>
+        <p:style>
+          <a:lnRef idx="2">
+            <a:schemeClr val="accent1">
+              <a:shade val="50000"/>
+            </a:schemeClr>
+          </a:lnRef>
+          <a:fillRef idx="1">
+            <a:schemeClr val="accent1"/>
+          </a:fillRef>
+          <a:effectRef idx="0">
+            <a:schemeClr val="accent1"/>
+          </a:effectRef>
+          <a:fontRef idx="minor">
+            <a:schemeClr val="lt1"/>
+          </a:fontRef>
+        </p:style>
+        <p:txBody>
+          <a:bodyPr rtlCol="0" anchor="ctr"/>
+          <a:lstStyle/>
+          <a:p>
+            <a:pPr algn="r"/>
+            <a:endParaRPr kumimoji="1" lang="ja-JP" altLang="en-US"/>
+          </a:p>
+        </p:txBody>
+      </p:sp>
+      <p:sp>
+        <p:nvSpPr>
+          <p:cNvPr id="39" name="テキスト ボックス 38">
+            <a:extLst>
+              <a:ext uri="{FF2B5EF4-FFF2-40B4-BE49-F238E27FC236}">
+                <a16:creationId xmlns:a16="http://schemas.microsoft.com/office/drawing/2014/main" id="{18FE4B63-B11E-454A-8D33-BE5C1F48EF2B}"/>
+              </a:ext>
+            </a:extLst>
+          </p:cNvPr>
+          <p:cNvSpPr txBox="1"/>
+          <p:nvPr/>
+        </p:nvSpPr>
+        <p:spPr>
+          <a:xfrm>
+            <a:off x="6394867" y="4921254"/>
+            <a:ext cx="3953326" cy="338554"/>
+          </a:xfrm>
+          <a:prstGeom prst="rect">
+            <a:avLst/>
+          </a:prstGeom>
+          <a:noFill/>
+        </p:spPr>
+        <p:txBody>
+          <a:bodyPr wrap="none" rtlCol="0">
+            <a:spAutoFit/>
+          </a:bodyPr>
+          <a:lstStyle/>
+          <a:p>
+            <a:r>
+              <a:rPr lang="en-US" altLang="ja-JP" sz="1600" dirty="0"/>
+              <a:t>Max or Fraction = </a:t>
+            </a:r>
+            <a:r>
+              <a:rPr lang="en-US" altLang="ja-JP" sz="1600" dirty="0" err="1"/>
+              <a:t>SSL_read</a:t>
+            </a:r>
+            <a:r>
+              <a:rPr lang="en-US" altLang="ja-JP" sz="1600" dirty="0"/>
+              <a:t>(msg, </a:t>
+            </a:r>
+            <a:r>
+              <a:rPr lang="en-US" altLang="ja-JP" sz="1600" dirty="0" err="1"/>
+              <a:t>rsize</a:t>
+            </a:r>
+            <a:r>
+              <a:rPr lang="en-US" altLang="ja-JP" sz="1600" dirty="0"/>
+              <a:t>)</a:t>
+            </a:r>
+          </a:p>
+        </p:txBody>
+      </p:sp>
+      <p:sp>
+        <p:nvSpPr>
+          <p:cNvPr id="40" name="テキスト ボックス 39">
+            <a:extLst>
+              <a:ext uri="{FF2B5EF4-FFF2-40B4-BE49-F238E27FC236}">
+                <a16:creationId xmlns:a16="http://schemas.microsoft.com/office/drawing/2014/main" id="{DAC24153-E7D7-5F48-836D-19561FC4B482}"/>
+              </a:ext>
+            </a:extLst>
+          </p:cNvPr>
+          <p:cNvSpPr txBox="1"/>
+          <p:nvPr/>
+        </p:nvSpPr>
+        <p:spPr>
+          <a:xfrm>
+            <a:off x="2685991" y="4839905"/>
+            <a:ext cx="2329484" cy="338554"/>
+          </a:xfrm>
+          <a:prstGeom prst="rect">
+            <a:avLst/>
+          </a:prstGeom>
+          <a:noFill/>
+        </p:spPr>
+        <p:txBody>
+          <a:bodyPr wrap="none" rtlCol="0">
+            <a:spAutoFit/>
+          </a:bodyPr>
+          <a:lstStyle/>
+          <a:p>
+            <a:pPr algn="r"/>
+            <a:r>
+              <a:rPr lang="en-US" altLang="ja-JP" sz="1600" dirty="0" err="1"/>
+              <a:t>SSL_write</a:t>
+            </a:r>
+            <a:r>
+              <a:rPr lang="en-US" altLang="ja-JP" sz="1600" dirty="0"/>
+              <a:t>(msg, large);</a:t>
+            </a:r>
+            <a:endParaRPr kumimoji="1" lang="en-US" altLang="ja-JP" sz="1600" dirty="0"/>
+          </a:p>
+        </p:txBody>
+      </p:sp>
+      <p:sp>
+        <p:nvSpPr>
+          <p:cNvPr id="41" name="テキスト ボックス 40">
+            <a:extLst>
+              <a:ext uri="{FF2B5EF4-FFF2-40B4-BE49-F238E27FC236}">
+                <a16:creationId xmlns:a16="http://schemas.microsoft.com/office/drawing/2014/main" id="{23F4FBA3-83C3-E646-AB3F-7D65169A9C6A}"/>
+              </a:ext>
+            </a:extLst>
+          </p:cNvPr>
+          <p:cNvSpPr txBox="1"/>
+          <p:nvPr/>
+        </p:nvSpPr>
+        <p:spPr>
+          <a:xfrm>
+            <a:off x="2602463" y="3787086"/>
+            <a:ext cx="2236510" cy="400110"/>
+          </a:xfrm>
+          <a:prstGeom prst="rect">
+            <a:avLst/>
+          </a:prstGeom>
+          <a:noFill/>
+        </p:spPr>
+        <p:txBody>
+          <a:bodyPr wrap="none" rtlCol="0">
+            <a:spAutoFit/>
+          </a:bodyPr>
+          <a:lstStyle/>
+          <a:p>
+            <a:r>
+              <a:rPr kumimoji="1" lang="ja-JP" altLang="en-US" sz="2000"/>
+              <a:t>メッセージ送信側</a:t>
+            </a:r>
+          </a:p>
+        </p:txBody>
+      </p:sp>
+      <p:sp>
+        <p:nvSpPr>
+          <p:cNvPr id="42" name="テキスト ボックス 41">
+            <a:extLst>
+              <a:ext uri="{FF2B5EF4-FFF2-40B4-BE49-F238E27FC236}">
+                <a16:creationId xmlns:a16="http://schemas.microsoft.com/office/drawing/2014/main" id="{A6B67EA3-AD52-C84F-875D-92203F4D8CA8}"/>
+              </a:ext>
+            </a:extLst>
+          </p:cNvPr>
+          <p:cNvSpPr txBox="1"/>
+          <p:nvPr/>
+        </p:nvSpPr>
+        <p:spPr>
+          <a:xfrm>
+            <a:off x="7331743" y="3758721"/>
+            <a:ext cx="2236510" cy="400110"/>
+          </a:xfrm>
+          <a:prstGeom prst="rect">
+            <a:avLst/>
+          </a:prstGeom>
+          <a:noFill/>
+        </p:spPr>
+        <p:txBody>
+          <a:bodyPr wrap="none" rtlCol="0">
+            <a:spAutoFit/>
+          </a:bodyPr>
+          <a:lstStyle/>
+          <a:p>
+            <a:r>
+              <a:rPr kumimoji="1" lang="ja-JP" altLang="en-US" sz="2000"/>
+              <a:t>メッセージ受信側</a:t>
+            </a:r>
+          </a:p>
+        </p:txBody>
+      </p:sp>
+      <p:sp>
+        <p:nvSpPr>
+          <p:cNvPr id="43" name="正方形/長方形 42">
+            <a:extLst>
+              <a:ext uri="{FF2B5EF4-FFF2-40B4-BE49-F238E27FC236}">
+                <a16:creationId xmlns:a16="http://schemas.microsoft.com/office/drawing/2014/main" id="{89C1857E-3269-8F45-A9B5-E0F4F0EC74F5}"/>
+              </a:ext>
+            </a:extLst>
+          </p:cNvPr>
+          <p:cNvSpPr/>
+          <p:nvPr/>
+        </p:nvSpPr>
+        <p:spPr>
+          <a:xfrm>
+            <a:off x="6341182" y="4187196"/>
+            <a:ext cx="4405707" cy="1237262"/>
+          </a:xfrm>
+          <a:prstGeom prst="rect">
+            <a:avLst/>
+          </a:prstGeom>
+          <a:noFill/>
+          <a:ln w="28575">
+            <a:solidFill>
+              <a:schemeClr val="tx1"/>
+            </a:solidFill>
+          </a:ln>
+        </p:spPr>
+        <p:style>
+          <a:lnRef idx="2">
+            <a:schemeClr val="accent1">
+              <a:shade val="50000"/>
+            </a:schemeClr>
+          </a:lnRef>
+          <a:fillRef idx="1">
+            <a:schemeClr val="accent1"/>
+          </a:fillRef>
+          <a:effectRef idx="0">
+            <a:schemeClr val="accent1"/>
+          </a:effectRef>
+          <a:fontRef idx="minor">
+            <a:schemeClr val="lt1"/>
+          </a:fontRef>
+        </p:style>
+        <p:txBody>
+          <a:bodyPr rtlCol="0" anchor="ctr"/>
+          <a:lstStyle/>
+          <a:p>
+            <a:pPr algn="r"/>
+            <a:endParaRPr kumimoji="1" lang="ja-JP" altLang="en-US"/>
+          </a:p>
+        </p:txBody>
+      </p:sp>
+      <p:sp>
+        <p:nvSpPr>
+          <p:cNvPr id="44" name="正方形/長方形 43">
+            <a:extLst>
+              <a:ext uri="{FF2B5EF4-FFF2-40B4-BE49-F238E27FC236}">
+                <a16:creationId xmlns:a16="http://schemas.microsoft.com/office/drawing/2014/main" id="{8D8BEBD0-F476-9041-89C7-B59B68E636AB}"/>
+              </a:ext>
+            </a:extLst>
+          </p:cNvPr>
+          <p:cNvSpPr/>
+          <p:nvPr/>
+        </p:nvSpPr>
+        <p:spPr>
+          <a:xfrm>
+            <a:off x="3440957" y="6029849"/>
+            <a:ext cx="1471709" cy="367023"/>
+          </a:xfrm>
+          <a:prstGeom prst="rect">
+            <a:avLst/>
+          </a:prstGeom>
+          <a:noFill/>
+          <a:ln w="28575">
+            <a:solidFill>
+              <a:schemeClr val="tx1"/>
+            </a:solidFill>
+          </a:ln>
+        </p:spPr>
+        <p:style>
+          <a:lnRef idx="2">
+            <a:schemeClr val="accent1">
+              <a:shade val="50000"/>
+            </a:schemeClr>
+          </a:lnRef>
+          <a:fillRef idx="1">
+            <a:schemeClr val="accent1"/>
+          </a:fillRef>
+          <a:effectRef idx="0">
+            <a:schemeClr val="accent1"/>
+          </a:effectRef>
+          <a:fontRef idx="minor">
+            <a:schemeClr val="lt1"/>
+          </a:fontRef>
+        </p:style>
+        <p:txBody>
+          <a:bodyPr rtlCol="0" anchor="ctr"/>
+          <a:lstStyle/>
+          <a:p>
+            <a:pPr algn="r"/>
+            <a:endParaRPr kumimoji="1" lang="ja-JP" altLang="en-US"/>
+          </a:p>
+        </p:txBody>
+      </p:sp>
+      <p:sp>
+        <p:nvSpPr>
+          <p:cNvPr id="45" name="正方形/長方形 44">
+            <a:extLst>
+              <a:ext uri="{FF2B5EF4-FFF2-40B4-BE49-F238E27FC236}">
+                <a16:creationId xmlns:a16="http://schemas.microsoft.com/office/drawing/2014/main" id="{082550AD-C3F2-E846-953B-B943C66A0BD1}"/>
+              </a:ext>
+            </a:extLst>
+          </p:cNvPr>
+          <p:cNvSpPr/>
+          <p:nvPr/>
+        </p:nvSpPr>
+        <p:spPr>
+          <a:xfrm>
+            <a:off x="7783019" y="6029849"/>
+            <a:ext cx="1471709" cy="367023"/>
+          </a:xfrm>
+          <a:prstGeom prst="rect">
+            <a:avLst/>
+          </a:prstGeom>
+          <a:noFill/>
+          <a:ln w="28575">
+            <a:solidFill>
+              <a:schemeClr val="tx1"/>
+            </a:solidFill>
+          </a:ln>
+        </p:spPr>
+        <p:style>
+          <a:lnRef idx="2">
+            <a:schemeClr val="accent1">
+              <a:shade val="50000"/>
+            </a:schemeClr>
+          </a:lnRef>
+          <a:fillRef idx="1">
+            <a:schemeClr val="accent1"/>
+          </a:fillRef>
+          <a:effectRef idx="0">
+            <a:schemeClr val="accent1"/>
+          </a:effectRef>
+          <a:fontRef idx="minor">
+            <a:schemeClr val="lt1"/>
+          </a:fontRef>
+        </p:style>
+        <p:txBody>
+          <a:bodyPr rtlCol="0" anchor="ctr"/>
+          <a:lstStyle/>
+          <a:p>
+            <a:pPr algn="r"/>
+            <a:endParaRPr kumimoji="1" lang="ja-JP" altLang="en-US"/>
+          </a:p>
+        </p:txBody>
+      </p:sp>
+      <p:cxnSp>
+        <p:nvCxnSpPr>
+          <p:cNvPr id="46" name="直線コネクタ 45">
+            <a:extLst>
+              <a:ext uri="{FF2B5EF4-FFF2-40B4-BE49-F238E27FC236}">
+                <a16:creationId xmlns:a16="http://schemas.microsoft.com/office/drawing/2014/main" id="{43333C10-BEA2-AB45-BA63-FB2F89189BA5}"/>
+              </a:ext>
+            </a:extLst>
+          </p:cNvPr>
+          <p:cNvCxnSpPr>
+            <a:cxnSpLocks/>
+          </p:cNvCxnSpPr>
+          <p:nvPr/>
+        </p:nvCxnSpPr>
+        <p:spPr>
+          <a:xfrm flipH="1">
+            <a:off x="4080864" y="5172880"/>
+            <a:ext cx="1" cy="646389"/>
+          </a:xfrm>
+          <a:prstGeom prst="line">
+            <a:avLst/>
+          </a:prstGeom>
+          <a:ln>
+            <a:solidFill>
+              <a:schemeClr val="tx1"/>
+            </a:solidFill>
+            <a:headEnd type="none" w="med" len="med"/>
+            <a:tailEnd type="arrow" w="med" len="med"/>
+          </a:ln>
+        </p:spPr>
+        <p:style>
+          <a:lnRef idx="1">
+            <a:schemeClr val="accent1"/>
+          </a:lnRef>
+          <a:fillRef idx="0">
+            <a:schemeClr val="accent1"/>
+          </a:fillRef>
+          <a:effectRef idx="0">
+            <a:schemeClr val="accent1"/>
+          </a:effectRef>
+          <a:fontRef idx="minor">
+            <a:schemeClr val="tx1"/>
+          </a:fontRef>
+        </p:style>
+      </p:cxnSp>
+      <p:cxnSp>
+        <p:nvCxnSpPr>
+          <p:cNvPr id="47" name="直線コネクタ 46">
+            <a:extLst>
+              <a:ext uri="{FF2B5EF4-FFF2-40B4-BE49-F238E27FC236}">
+                <a16:creationId xmlns:a16="http://schemas.microsoft.com/office/drawing/2014/main" id="{CFDACF4A-3F01-2040-9934-37DCF99A8123}"/>
+              </a:ext>
+            </a:extLst>
+          </p:cNvPr>
+          <p:cNvCxnSpPr>
+            <a:cxnSpLocks/>
+          </p:cNvCxnSpPr>
+          <p:nvPr/>
+        </p:nvCxnSpPr>
+        <p:spPr>
+          <a:xfrm flipH="1" flipV="1">
+            <a:off x="8525566" y="5182609"/>
+            <a:ext cx="1" cy="851390"/>
+          </a:xfrm>
+          <a:prstGeom prst="line">
+            <a:avLst/>
+          </a:prstGeom>
+          <a:ln>
+            <a:solidFill>
+              <a:schemeClr val="tx1"/>
+            </a:solidFill>
+            <a:headEnd type="none" w="med" len="med"/>
+            <a:tailEnd type="arrow" w="med" len="med"/>
+          </a:ln>
+        </p:spPr>
+        <p:style>
+          <a:lnRef idx="1">
+            <a:schemeClr val="accent1"/>
+          </a:lnRef>
+          <a:fillRef idx="0">
+            <a:schemeClr val="accent1"/>
+          </a:fillRef>
+          <a:effectRef idx="0">
+            <a:schemeClr val="accent1"/>
+          </a:effectRef>
+          <a:fontRef idx="minor">
+            <a:schemeClr val="tx1"/>
+          </a:fontRef>
+        </p:style>
+      </p:cxnSp>
+      <p:cxnSp>
+        <p:nvCxnSpPr>
+          <p:cNvPr id="48" name="直線コネクタ 47">
+            <a:extLst>
+              <a:ext uri="{FF2B5EF4-FFF2-40B4-BE49-F238E27FC236}">
+                <a16:creationId xmlns:a16="http://schemas.microsoft.com/office/drawing/2014/main" id="{D392707C-D896-5D48-9C64-36E970003834}"/>
+              </a:ext>
+            </a:extLst>
+          </p:cNvPr>
+          <p:cNvCxnSpPr>
+            <a:cxnSpLocks/>
+          </p:cNvCxnSpPr>
+          <p:nvPr/>
+        </p:nvCxnSpPr>
+        <p:spPr>
+          <a:xfrm flipH="1" flipV="1">
+            <a:off x="3440957" y="6565381"/>
+            <a:ext cx="1471710" cy="1"/>
+          </a:xfrm>
+          <a:prstGeom prst="line">
+            <a:avLst/>
+          </a:prstGeom>
+          <a:ln>
+            <a:solidFill>
+              <a:schemeClr val="tx1"/>
+            </a:solidFill>
+            <a:headEnd type="arrow" w="med" len="med"/>
+            <a:tailEnd type="arrow" w="med" len="med"/>
+          </a:ln>
+        </p:spPr>
+        <p:style>
+          <a:lnRef idx="1">
+            <a:schemeClr val="accent1"/>
+          </a:lnRef>
+          <a:fillRef idx="0">
+            <a:schemeClr val="accent1"/>
+          </a:fillRef>
+          <a:effectRef idx="0">
+            <a:schemeClr val="accent1"/>
+          </a:effectRef>
+          <a:fontRef idx="minor">
+            <a:schemeClr val="tx1"/>
+          </a:fontRef>
+        </p:style>
+      </p:cxnSp>
+      <p:sp>
+        <p:nvSpPr>
+          <p:cNvPr id="50" name="テキスト ボックス 49">
+            <a:extLst>
+              <a:ext uri="{FF2B5EF4-FFF2-40B4-BE49-F238E27FC236}">
+                <a16:creationId xmlns:a16="http://schemas.microsoft.com/office/drawing/2014/main" id="{79FB4FC0-4708-624E-9E74-A57EA5AC703B}"/>
+              </a:ext>
+            </a:extLst>
+          </p:cNvPr>
+          <p:cNvSpPr txBox="1"/>
+          <p:nvPr/>
+        </p:nvSpPr>
+        <p:spPr>
+          <a:xfrm>
+            <a:off x="7233158" y="4288010"/>
+            <a:ext cx="2433680" cy="307777"/>
+          </a:xfrm>
+          <a:prstGeom prst="rect">
+            <a:avLst/>
+          </a:prstGeom>
+          <a:noFill/>
+        </p:spPr>
+        <p:txBody>
+          <a:bodyPr wrap="none" rtlCol="0">
+            <a:spAutoFit/>
+          </a:bodyPr>
+          <a:lstStyle/>
+          <a:p>
+            <a:r>
+              <a:rPr kumimoji="1" lang="en-US" altLang="ja-JP" sz="1400" u="sng" dirty="0"/>
+              <a:t>Max rec size &lt; </a:t>
+            </a:r>
+            <a:r>
+              <a:rPr kumimoji="1" lang="en-US" altLang="ja-JP" sz="1400" u="sng" dirty="0" err="1"/>
+              <a:t>rsize</a:t>
+            </a:r>
+            <a:r>
+              <a:rPr kumimoji="1" lang="en-US" altLang="ja-JP" sz="1400" u="sng" dirty="0"/>
+              <a:t> </a:t>
+            </a:r>
+            <a:r>
+              <a:rPr kumimoji="1" lang="ja-JP" altLang="en-US" sz="1400" u="sng"/>
+              <a:t>を指定</a:t>
+            </a:r>
+          </a:p>
+        </p:txBody>
+      </p:sp>
+      <p:cxnSp>
+        <p:nvCxnSpPr>
+          <p:cNvPr id="51" name="直線コネクタ 50">
+            <a:extLst>
+              <a:ext uri="{FF2B5EF4-FFF2-40B4-BE49-F238E27FC236}">
+                <a16:creationId xmlns:a16="http://schemas.microsoft.com/office/drawing/2014/main" id="{9DC1C3B7-C261-384F-8E63-5B3D73AA7A4A}"/>
+              </a:ext>
+            </a:extLst>
+          </p:cNvPr>
+          <p:cNvCxnSpPr>
+            <a:cxnSpLocks/>
+          </p:cNvCxnSpPr>
+          <p:nvPr/>
+        </p:nvCxnSpPr>
+        <p:spPr>
+          <a:xfrm flipH="1" flipV="1">
+            <a:off x="7772260" y="6561510"/>
+            <a:ext cx="1471710" cy="1"/>
+          </a:xfrm>
+          <a:prstGeom prst="line">
+            <a:avLst/>
+          </a:prstGeom>
+          <a:ln>
+            <a:solidFill>
+              <a:schemeClr val="tx1"/>
+            </a:solidFill>
+            <a:headEnd type="arrow" w="med" len="med"/>
+            <a:tailEnd type="arrow" w="med" len="med"/>
+          </a:ln>
+        </p:spPr>
+        <p:style>
+          <a:lnRef idx="1">
+            <a:schemeClr val="accent1"/>
+          </a:lnRef>
+          <a:fillRef idx="0">
+            <a:schemeClr val="accent1"/>
+          </a:fillRef>
+          <a:effectRef idx="0">
+            <a:schemeClr val="accent1"/>
+          </a:effectRef>
+          <a:fontRef idx="minor">
+            <a:schemeClr val="tx1"/>
+          </a:fontRef>
+        </p:style>
+      </p:cxnSp>
+      <p:sp>
+        <p:nvSpPr>
+          <p:cNvPr id="52" name="テキスト ボックス 51">
+            <a:extLst>
+              <a:ext uri="{FF2B5EF4-FFF2-40B4-BE49-F238E27FC236}">
+                <a16:creationId xmlns:a16="http://schemas.microsoft.com/office/drawing/2014/main" id="{2F4DD796-5463-964E-996D-3A7970285A5D}"/>
+              </a:ext>
+            </a:extLst>
+          </p:cNvPr>
+          <p:cNvSpPr txBox="1"/>
+          <p:nvPr/>
+        </p:nvSpPr>
+        <p:spPr>
+          <a:xfrm>
+            <a:off x="7787071" y="6606183"/>
+            <a:ext cx="2637092" cy="307777"/>
+          </a:xfrm>
+          <a:prstGeom prst="rect">
+            <a:avLst/>
+          </a:prstGeom>
+          <a:noFill/>
+        </p:spPr>
+        <p:txBody>
+          <a:bodyPr wrap="square" rtlCol="0">
+            <a:spAutoFit/>
+          </a:bodyPr>
+          <a:lstStyle/>
+          <a:p>
+            <a:r>
+              <a:rPr lang="en-US" altLang="ja-JP" sz="1400" dirty="0"/>
+              <a:t>Max rec size</a:t>
+            </a:r>
+            <a:r>
+              <a:rPr kumimoji="1" lang="en-US" altLang="ja-JP" sz="1400" dirty="0"/>
+              <a:t> / Fraction</a:t>
+            </a:r>
+            <a:endParaRPr kumimoji="1" lang="ja-JP" altLang="en-US" sz="1400"/>
+          </a:p>
+        </p:txBody>
+      </p:sp>
+      <p:cxnSp>
+        <p:nvCxnSpPr>
+          <p:cNvPr id="53" name="直線コネクタ 52">
+            <a:extLst>
+              <a:ext uri="{FF2B5EF4-FFF2-40B4-BE49-F238E27FC236}">
+                <a16:creationId xmlns:a16="http://schemas.microsoft.com/office/drawing/2014/main" id="{AB9096D4-2993-2940-B629-7E4D9DF7D7D0}"/>
+              </a:ext>
+            </a:extLst>
+          </p:cNvPr>
+          <p:cNvCxnSpPr>
+            <a:cxnSpLocks/>
+          </p:cNvCxnSpPr>
+          <p:nvPr/>
+        </p:nvCxnSpPr>
+        <p:spPr>
+          <a:xfrm flipH="1">
+            <a:off x="6154118" y="6230313"/>
+            <a:ext cx="1461693" cy="30312"/>
+          </a:xfrm>
+          <a:prstGeom prst="line">
+            <a:avLst/>
+          </a:prstGeom>
+          <a:ln w="12700">
+            <a:solidFill>
+              <a:schemeClr val="tx1"/>
+            </a:solidFill>
+            <a:prstDash val="dash"/>
+            <a:headEnd type="arrow" w="med" len="med"/>
+            <a:tailEnd type="none" w="med" len="med"/>
+          </a:ln>
+        </p:spPr>
+        <p:style>
+          <a:lnRef idx="1">
+            <a:schemeClr val="accent1"/>
+          </a:lnRef>
+          <a:fillRef idx="0">
+            <a:schemeClr val="accent1"/>
+          </a:fillRef>
+          <a:effectRef idx="0">
+            <a:schemeClr val="accent1"/>
+          </a:effectRef>
+          <a:fontRef idx="minor">
+            <a:schemeClr val="tx1"/>
+          </a:fontRef>
+        </p:style>
+      </p:cxnSp>
+      <p:cxnSp>
+        <p:nvCxnSpPr>
+          <p:cNvPr id="56" name="直線コネクタ 55">
+            <a:extLst>
+              <a:ext uri="{FF2B5EF4-FFF2-40B4-BE49-F238E27FC236}">
+                <a16:creationId xmlns:a16="http://schemas.microsoft.com/office/drawing/2014/main" id="{4A1EE3B3-D37E-4045-A964-E0F94D402FCA}"/>
+              </a:ext>
+            </a:extLst>
+          </p:cNvPr>
+          <p:cNvCxnSpPr>
+            <a:cxnSpLocks/>
+          </p:cNvCxnSpPr>
+          <p:nvPr/>
+        </p:nvCxnSpPr>
+        <p:spPr>
+          <a:xfrm>
+            <a:off x="9531673" y="4517072"/>
+            <a:ext cx="273399" cy="385872"/>
+          </a:xfrm>
+          <a:prstGeom prst="line">
+            <a:avLst/>
+          </a:prstGeom>
+          <a:ln>
+            <a:solidFill>
+              <a:schemeClr val="tx1"/>
+            </a:solidFill>
+            <a:headEnd type="none" w="med" len="med"/>
+            <a:tailEnd type="arrow" w="med" len="med"/>
+          </a:ln>
+        </p:spPr>
+        <p:style>
+          <a:lnRef idx="1">
+            <a:schemeClr val="accent1"/>
+          </a:lnRef>
+          <a:fillRef idx="0">
+            <a:schemeClr val="accent1"/>
+          </a:fillRef>
+          <a:effectRef idx="0">
+            <a:schemeClr val="accent1"/>
+          </a:effectRef>
+          <a:fontRef idx="minor">
+            <a:schemeClr val="tx1"/>
+          </a:fontRef>
+        </p:style>
+      </p:cxnSp>
+      <p:sp>
+        <p:nvSpPr>
+          <p:cNvPr id="57" name="正方形/長方形 56">
+            <a:extLst>
+              <a:ext uri="{FF2B5EF4-FFF2-40B4-BE49-F238E27FC236}">
+                <a16:creationId xmlns:a16="http://schemas.microsoft.com/office/drawing/2014/main" id="{8BE183E3-2565-4A44-AC48-F3AF611FAFC8}"/>
+              </a:ext>
+            </a:extLst>
+          </p:cNvPr>
+          <p:cNvSpPr/>
+          <p:nvPr/>
+        </p:nvSpPr>
+        <p:spPr>
+          <a:xfrm>
+            <a:off x="947867" y="6033999"/>
+            <a:ext cx="1471709" cy="367023"/>
+          </a:xfrm>
+          <a:prstGeom prst="rect">
+            <a:avLst/>
+          </a:prstGeom>
+          <a:noFill/>
+          <a:ln w="28575">
+            <a:solidFill>
+              <a:schemeClr val="tx1"/>
+            </a:solidFill>
+          </a:ln>
+        </p:spPr>
+        <p:style>
+          <a:lnRef idx="2">
+            <a:schemeClr val="accent1">
+              <a:shade val="50000"/>
+            </a:schemeClr>
+          </a:lnRef>
+          <a:fillRef idx="1">
+            <a:schemeClr val="accent1"/>
+          </a:fillRef>
+          <a:effectRef idx="0">
+            <a:schemeClr val="accent1"/>
+          </a:effectRef>
+          <a:fontRef idx="minor">
+            <a:schemeClr val="lt1"/>
+          </a:fontRef>
+        </p:style>
+        <p:txBody>
+          <a:bodyPr rtlCol="0" anchor="ctr"/>
+          <a:lstStyle/>
+          <a:p>
+            <a:pPr algn="r"/>
+            <a:endParaRPr kumimoji="1" lang="ja-JP" altLang="en-US"/>
+          </a:p>
+        </p:txBody>
+      </p:sp>
+      <p:cxnSp>
+        <p:nvCxnSpPr>
+          <p:cNvPr id="58" name="直線コネクタ 57">
+            <a:extLst>
+              <a:ext uri="{FF2B5EF4-FFF2-40B4-BE49-F238E27FC236}">
+                <a16:creationId xmlns:a16="http://schemas.microsoft.com/office/drawing/2014/main" id="{1ED56542-FB30-CA46-A5FC-7427D124E9C4}"/>
+              </a:ext>
+            </a:extLst>
+          </p:cNvPr>
+          <p:cNvCxnSpPr>
+            <a:cxnSpLocks/>
+          </p:cNvCxnSpPr>
+          <p:nvPr/>
+        </p:nvCxnSpPr>
+        <p:spPr>
+          <a:xfrm flipH="1" flipV="1">
+            <a:off x="947867" y="6569531"/>
+            <a:ext cx="1471710" cy="1"/>
+          </a:xfrm>
+          <a:prstGeom prst="line">
+            <a:avLst/>
+          </a:prstGeom>
+          <a:ln>
+            <a:solidFill>
+              <a:schemeClr val="tx1"/>
+            </a:solidFill>
+            <a:headEnd type="arrow" w="med" len="med"/>
+            <a:tailEnd type="arrow" w="med" len="med"/>
+          </a:ln>
+        </p:spPr>
+        <p:style>
+          <a:lnRef idx="1">
+            <a:schemeClr val="accent1"/>
+          </a:lnRef>
+          <a:fillRef idx="0">
+            <a:schemeClr val="accent1"/>
+          </a:fillRef>
+          <a:effectRef idx="0">
+            <a:schemeClr val="accent1"/>
+          </a:effectRef>
+          <a:fontRef idx="minor">
+            <a:schemeClr val="tx1"/>
+          </a:fontRef>
+        </p:style>
+      </p:cxnSp>
+      <p:sp>
+        <p:nvSpPr>
+          <p:cNvPr id="59" name="テキスト ボックス 58">
+            <a:extLst>
+              <a:ext uri="{FF2B5EF4-FFF2-40B4-BE49-F238E27FC236}">
+                <a16:creationId xmlns:a16="http://schemas.microsoft.com/office/drawing/2014/main" id="{01CE8E2D-8DD3-9547-A1FC-4DC5AE1D218D}"/>
+              </a:ext>
+            </a:extLst>
+          </p:cNvPr>
+          <p:cNvSpPr txBox="1"/>
+          <p:nvPr/>
+        </p:nvSpPr>
+        <p:spPr>
+          <a:xfrm>
+            <a:off x="2786789" y="5665381"/>
+            <a:ext cx="596638" cy="307777"/>
+          </a:xfrm>
+          <a:prstGeom prst="rect">
+            <a:avLst/>
+          </a:prstGeom>
+          <a:noFill/>
+        </p:spPr>
+        <p:txBody>
+          <a:bodyPr wrap="none" rtlCol="0">
+            <a:spAutoFit/>
+          </a:bodyPr>
+          <a:lstStyle/>
+          <a:p>
+            <a:r>
+              <a:rPr kumimoji="1" lang="en-US" altLang="ja-JP" sz="1400" dirty="0"/>
+              <a:t>large</a:t>
+            </a:r>
+            <a:endParaRPr kumimoji="1" lang="ja-JP" altLang="en-US" sz="1400"/>
+          </a:p>
+        </p:txBody>
+      </p:sp>
+      <p:sp>
+        <p:nvSpPr>
+          <p:cNvPr id="61" name="正方形/長方形 60">
+            <a:extLst>
+              <a:ext uri="{FF2B5EF4-FFF2-40B4-BE49-F238E27FC236}">
+                <a16:creationId xmlns:a16="http://schemas.microsoft.com/office/drawing/2014/main" id="{12058BEA-7497-C34D-8481-A1F46B26DFAF}"/>
+              </a:ext>
+            </a:extLst>
+          </p:cNvPr>
+          <p:cNvSpPr/>
+          <p:nvPr/>
+        </p:nvSpPr>
+        <p:spPr>
+          <a:xfrm>
+            <a:off x="5103110" y="6032499"/>
+            <a:ext cx="617988" cy="367023"/>
+          </a:xfrm>
+          <a:prstGeom prst="rect">
+            <a:avLst/>
+          </a:prstGeom>
+          <a:noFill/>
+          <a:ln w="28575">
+            <a:solidFill>
+              <a:schemeClr val="tx1"/>
+            </a:solidFill>
+          </a:ln>
+        </p:spPr>
+        <p:style>
+          <a:lnRef idx="2">
+            <a:schemeClr val="accent1">
+              <a:shade val="50000"/>
+            </a:schemeClr>
+          </a:lnRef>
+          <a:fillRef idx="1">
+            <a:schemeClr val="accent1"/>
+          </a:fillRef>
+          <a:effectRef idx="0">
+            <a:schemeClr val="accent1"/>
+          </a:effectRef>
+          <a:fontRef idx="minor">
+            <a:schemeClr val="lt1"/>
+          </a:fontRef>
+        </p:style>
+        <p:txBody>
+          <a:bodyPr rtlCol="0" anchor="ctr"/>
+          <a:lstStyle/>
+          <a:p>
+            <a:pPr algn="r"/>
+            <a:endParaRPr kumimoji="1" lang="ja-JP" altLang="en-US"/>
+          </a:p>
+        </p:txBody>
+      </p:sp>
+      <p:cxnSp>
+        <p:nvCxnSpPr>
+          <p:cNvPr id="63" name="直線コネクタ 62">
+            <a:extLst>
+              <a:ext uri="{FF2B5EF4-FFF2-40B4-BE49-F238E27FC236}">
+                <a16:creationId xmlns:a16="http://schemas.microsoft.com/office/drawing/2014/main" id="{77E33F9F-9D90-524E-A102-158E93AA9A12}"/>
+              </a:ext>
+            </a:extLst>
+          </p:cNvPr>
+          <p:cNvCxnSpPr>
+            <a:cxnSpLocks/>
+          </p:cNvCxnSpPr>
+          <p:nvPr/>
+        </p:nvCxnSpPr>
+        <p:spPr>
+          <a:xfrm flipH="1" flipV="1">
+            <a:off x="2537915" y="6213359"/>
+            <a:ext cx="777146" cy="1"/>
+          </a:xfrm>
+          <a:prstGeom prst="line">
+            <a:avLst/>
+          </a:prstGeom>
+          <a:ln w="12700">
+            <a:solidFill>
+              <a:schemeClr val="tx1"/>
+            </a:solidFill>
+            <a:prstDash val="dash"/>
+            <a:headEnd type="none" w="med" len="med"/>
+            <a:tailEnd type="none" w="med" len="med"/>
+          </a:ln>
+        </p:spPr>
+        <p:style>
+          <a:lnRef idx="1">
+            <a:schemeClr val="accent1"/>
+          </a:lnRef>
+          <a:fillRef idx="0">
+            <a:schemeClr val="accent1"/>
+          </a:fillRef>
+          <a:effectRef idx="0">
+            <a:schemeClr val="accent1"/>
+          </a:effectRef>
+          <a:fontRef idx="minor">
+            <a:schemeClr val="tx1"/>
+          </a:fontRef>
+        </p:style>
+      </p:cxnSp>
+      <p:sp>
+        <p:nvSpPr>
+          <p:cNvPr id="65" name="テキスト ボックス 64">
+            <a:extLst>
+              <a:ext uri="{FF2B5EF4-FFF2-40B4-BE49-F238E27FC236}">
+                <a16:creationId xmlns:a16="http://schemas.microsoft.com/office/drawing/2014/main" id="{B1AC98FA-E454-0443-B118-4853D63F8E5C}"/>
+              </a:ext>
+            </a:extLst>
+          </p:cNvPr>
+          <p:cNvSpPr txBox="1"/>
+          <p:nvPr/>
+        </p:nvSpPr>
+        <p:spPr>
+          <a:xfrm>
+            <a:off x="5083876" y="6471098"/>
+            <a:ext cx="867545" cy="307777"/>
+          </a:xfrm>
+          <a:prstGeom prst="rect">
+            <a:avLst/>
+          </a:prstGeom>
+          <a:noFill/>
+        </p:spPr>
+        <p:txBody>
+          <a:bodyPr wrap="none" rtlCol="0">
+            <a:spAutoFit/>
+          </a:bodyPr>
+          <a:lstStyle/>
+          <a:p>
+            <a:r>
+              <a:rPr kumimoji="1" lang="en-US" altLang="ja-JP" sz="1400" dirty="0"/>
+              <a:t>Fraction</a:t>
+            </a:r>
+            <a:endParaRPr kumimoji="1" lang="ja-JP" altLang="en-US" sz="1400"/>
+          </a:p>
+        </p:txBody>
+      </p:sp>
+      <p:sp>
+        <p:nvSpPr>
+          <p:cNvPr id="66" name="テキスト ボックス 65">
+            <a:extLst>
+              <a:ext uri="{FF2B5EF4-FFF2-40B4-BE49-F238E27FC236}">
+                <a16:creationId xmlns:a16="http://schemas.microsoft.com/office/drawing/2014/main" id="{82998430-F8E8-8047-B41F-D4439E42BAC2}"/>
+              </a:ext>
+            </a:extLst>
+          </p:cNvPr>
+          <p:cNvSpPr txBox="1"/>
+          <p:nvPr/>
+        </p:nvSpPr>
+        <p:spPr>
+          <a:xfrm>
+            <a:off x="1072015" y="6599074"/>
+            <a:ext cx="1223412" cy="307777"/>
+          </a:xfrm>
+          <a:prstGeom prst="rect">
+            <a:avLst/>
+          </a:prstGeom>
+          <a:noFill/>
+        </p:spPr>
+        <p:txBody>
+          <a:bodyPr wrap="none" rtlCol="0">
+            <a:spAutoFit/>
+          </a:bodyPr>
+          <a:lstStyle/>
+          <a:p>
+            <a:r>
+              <a:rPr kumimoji="1" lang="en-US" altLang="ja-JP" sz="1400" dirty="0"/>
+              <a:t>Max rec size</a:t>
+            </a:r>
+            <a:endParaRPr kumimoji="1" lang="ja-JP" altLang="en-US" sz="1400"/>
+          </a:p>
+        </p:txBody>
+      </p:sp>
+      <p:sp>
+        <p:nvSpPr>
+          <p:cNvPr id="67" name="テキスト ボックス 66">
+            <a:extLst>
+              <a:ext uri="{FF2B5EF4-FFF2-40B4-BE49-F238E27FC236}">
+                <a16:creationId xmlns:a16="http://schemas.microsoft.com/office/drawing/2014/main" id="{9CAFCB96-37B7-5B48-A717-73CDE83DC837}"/>
+              </a:ext>
+            </a:extLst>
+          </p:cNvPr>
+          <p:cNvSpPr txBox="1"/>
+          <p:nvPr/>
+        </p:nvSpPr>
+        <p:spPr>
+          <a:xfrm>
+            <a:off x="3603527" y="6595583"/>
+            <a:ext cx="1223412" cy="307777"/>
+          </a:xfrm>
+          <a:prstGeom prst="rect">
+            <a:avLst/>
+          </a:prstGeom>
+          <a:noFill/>
+        </p:spPr>
+        <p:txBody>
+          <a:bodyPr wrap="none" rtlCol="0">
+            <a:spAutoFit/>
+          </a:bodyPr>
+          <a:lstStyle/>
+          <a:p>
+            <a:r>
+              <a:rPr kumimoji="1" lang="en-US" altLang="ja-JP" sz="1400" dirty="0"/>
+              <a:t>Max rec size</a:t>
+            </a:r>
+            <a:endParaRPr kumimoji="1" lang="ja-JP" altLang="en-US" sz="1400"/>
+          </a:p>
+        </p:txBody>
+      </p:sp>
+      <p:cxnSp>
+        <p:nvCxnSpPr>
+          <p:cNvPr id="69" name="直線コネクタ 68">
+            <a:extLst>
+              <a:ext uri="{FF2B5EF4-FFF2-40B4-BE49-F238E27FC236}">
+                <a16:creationId xmlns:a16="http://schemas.microsoft.com/office/drawing/2014/main" id="{DC6584FD-3187-3442-9C2F-29232D93B965}"/>
+              </a:ext>
+            </a:extLst>
+          </p:cNvPr>
+          <p:cNvCxnSpPr>
+            <a:cxnSpLocks/>
+          </p:cNvCxnSpPr>
+          <p:nvPr/>
+        </p:nvCxnSpPr>
+        <p:spPr>
+          <a:xfrm flipH="1">
+            <a:off x="947867" y="5900665"/>
+            <a:ext cx="4773231" cy="1"/>
+          </a:xfrm>
+          <a:prstGeom prst="line">
+            <a:avLst/>
+          </a:prstGeom>
+          <a:ln w="12700">
+            <a:solidFill>
+              <a:schemeClr val="tx1"/>
+            </a:solidFill>
+            <a:prstDash val="dash"/>
+            <a:headEnd type="arrow" w="med" len="med"/>
+            <a:tailEnd type="arrow" w="med" len="med"/>
+          </a:ln>
+        </p:spPr>
+        <p:style>
+          <a:lnRef idx="1">
+            <a:schemeClr val="accent1"/>
+          </a:lnRef>
+          <a:fillRef idx="0">
+            <a:schemeClr val="accent1"/>
+          </a:fillRef>
+          <a:effectRef idx="0">
+            <a:schemeClr val="accent1"/>
+          </a:effectRef>
+          <a:fontRef idx="minor">
+            <a:schemeClr val="tx1"/>
+          </a:fontRef>
+        </p:style>
+      </p:cxnSp>
+      <p:cxnSp>
+        <p:nvCxnSpPr>
+          <p:cNvPr id="71" name="直線コネクタ 70">
+            <a:extLst>
+              <a:ext uri="{FF2B5EF4-FFF2-40B4-BE49-F238E27FC236}">
+                <a16:creationId xmlns:a16="http://schemas.microsoft.com/office/drawing/2014/main" id="{D9D005DE-41FA-C146-B77D-896979DF7622}"/>
+              </a:ext>
+            </a:extLst>
+          </p:cNvPr>
+          <p:cNvCxnSpPr>
+            <a:cxnSpLocks/>
+          </p:cNvCxnSpPr>
+          <p:nvPr/>
+        </p:nvCxnSpPr>
+        <p:spPr>
+          <a:xfrm flipH="1" flipV="1">
+            <a:off x="8709494" y="5182609"/>
+            <a:ext cx="1" cy="851390"/>
+          </a:xfrm>
+          <a:prstGeom prst="line">
+            <a:avLst/>
+          </a:prstGeom>
+          <a:ln>
+            <a:solidFill>
+              <a:schemeClr val="tx1"/>
+            </a:solidFill>
+            <a:headEnd type="none" w="med" len="med"/>
+            <a:tailEnd type="arrow" w="med" len="med"/>
+          </a:ln>
+        </p:spPr>
+        <p:style>
+          <a:lnRef idx="1">
+            <a:schemeClr val="accent1"/>
+          </a:lnRef>
+          <a:fillRef idx="0">
+            <a:schemeClr val="accent1"/>
+          </a:fillRef>
+          <a:effectRef idx="0">
+            <a:schemeClr val="accent1"/>
+          </a:effectRef>
+          <a:fontRef idx="minor">
+            <a:schemeClr val="tx1"/>
+          </a:fontRef>
+        </p:style>
+      </p:cxnSp>
+      <p:cxnSp>
+        <p:nvCxnSpPr>
+          <p:cNvPr id="72" name="直線コネクタ 71">
+            <a:extLst>
+              <a:ext uri="{FF2B5EF4-FFF2-40B4-BE49-F238E27FC236}">
+                <a16:creationId xmlns:a16="http://schemas.microsoft.com/office/drawing/2014/main" id="{27C220C0-78AB-6E4C-96D8-EA121FCF540E}"/>
+              </a:ext>
+            </a:extLst>
+          </p:cNvPr>
+          <p:cNvCxnSpPr>
+            <a:cxnSpLocks/>
+          </p:cNvCxnSpPr>
+          <p:nvPr/>
+        </p:nvCxnSpPr>
+        <p:spPr>
+          <a:xfrm flipH="1" flipV="1">
+            <a:off x="8893423" y="5208074"/>
+            <a:ext cx="1" cy="851390"/>
+          </a:xfrm>
+          <a:prstGeom prst="line">
+            <a:avLst/>
+          </a:prstGeom>
+          <a:ln>
+            <a:solidFill>
+              <a:schemeClr val="tx1"/>
+            </a:solidFill>
+            <a:headEnd type="none" w="med" len="med"/>
+            <a:tailEnd type="arrow" w="med" len="med"/>
+          </a:ln>
+        </p:spPr>
+        <p:style>
+          <a:lnRef idx="1">
+            <a:schemeClr val="accent1"/>
+          </a:lnRef>
+          <a:fillRef idx="0">
+            <a:schemeClr val="accent1"/>
+          </a:fillRef>
+          <a:effectRef idx="0">
+            <a:schemeClr val="accent1"/>
+          </a:effectRef>
+          <a:fontRef idx="minor">
+            <a:schemeClr val="tx1"/>
+          </a:fontRef>
+        </p:style>
+      </p:cxnSp>
+      <p:sp>
+        <p:nvSpPr>
+          <p:cNvPr id="73" name="テキスト ボックス 72">
+            <a:extLst>
+              <a:ext uri="{FF2B5EF4-FFF2-40B4-BE49-F238E27FC236}">
+                <a16:creationId xmlns:a16="http://schemas.microsoft.com/office/drawing/2014/main" id="{EF961907-DD18-BF41-8598-3752304C2C58}"/>
+              </a:ext>
+            </a:extLst>
+          </p:cNvPr>
+          <p:cNvSpPr txBox="1"/>
+          <p:nvPr/>
+        </p:nvSpPr>
+        <p:spPr>
+          <a:xfrm>
+            <a:off x="4084308" y="5483734"/>
+            <a:ext cx="2967479" cy="307777"/>
+          </a:xfrm>
+          <a:prstGeom prst="rect">
+            <a:avLst/>
+          </a:prstGeom>
+          <a:noFill/>
+        </p:spPr>
+        <p:txBody>
+          <a:bodyPr wrap="none" rtlCol="0">
+            <a:spAutoFit/>
+          </a:bodyPr>
+          <a:lstStyle/>
+          <a:p>
+            <a:r>
+              <a:rPr kumimoji="1" lang="en-US" altLang="ja-JP" sz="1400" dirty="0"/>
+              <a:t>1</a:t>
+            </a:r>
+            <a:r>
+              <a:rPr kumimoji="1" lang="ja-JP" altLang="en-US" sz="1400"/>
+              <a:t>回の</a:t>
+            </a:r>
+            <a:r>
+              <a:rPr kumimoji="1" lang="en-US" altLang="ja-JP" sz="1400" dirty="0" err="1"/>
+              <a:t>SSL_wirte</a:t>
+            </a:r>
+            <a:r>
+              <a:rPr kumimoji="1" lang="en-US" altLang="ja-JP" sz="1400" dirty="0"/>
+              <a:t> </a:t>
+            </a:r>
+            <a:r>
+              <a:rPr kumimoji="1" lang="ja-JP" altLang="en-US" sz="1400"/>
+              <a:t>で複数のレコード</a:t>
+            </a:r>
+            <a:endParaRPr kumimoji="1" lang="en-US" altLang="ja-JP" sz="1400" dirty="0"/>
+          </a:p>
+        </p:txBody>
+      </p:sp>
+      <p:sp>
+        <p:nvSpPr>
+          <p:cNvPr id="74" name="テキスト ボックス 73">
+            <a:extLst>
+              <a:ext uri="{FF2B5EF4-FFF2-40B4-BE49-F238E27FC236}">
+                <a16:creationId xmlns:a16="http://schemas.microsoft.com/office/drawing/2014/main" id="{A57381CA-2D48-9E4C-8D6E-28D325687876}"/>
+              </a:ext>
+            </a:extLst>
+          </p:cNvPr>
+          <p:cNvSpPr txBox="1"/>
+          <p:nvPr/>
+        </p:nvSpPr>
+        <p:spPr>
+          <a:xfrm>
+            <a:off x="8867019" y="5541412"/>
+            <a:ext cx="2513830" cy="307777"/>
+          </a:xfrm>
+          <a:prstGeom prst="rect">
+            <a:avLst/>
+          </a:prstGeom>
+          <a:noFill/>
+        </p:spPr>
+        <p:txBody>
+          <a:bodyPr wrap="none" rtlCol="0">
+            <a:spAutoFit/>
+          </a:bodyPr>
+          <a:lstStyle/>
+          <a:p>
+            <a:r>
+              <a:rPr kumimoji="1" lang="en-US" altLang="ja-JP" sz="1400" dirty="0"/>
+              <a:t>1</a:t>
+            </a:r>
+            <a:r>
+              <a:rPr kumimoji="1" lang="ja-JP" altLang="en-US" sz="1400"/>
+              <a:t>回の</a:t>
+            </a:r>
+            <a:r>
+              <a:rPr kumimoji="1" lang="en-US" altLang="ja-JP" sz="1400" dirty="0" err="1"/>
+              <a:t>SSL_read</a:t>
+            </a:r>
+            <a:r>
+              <a:rPr kumimoji="1" lang="ja-JP" altLang="en-US" sz="1400"/>
+              <a:t>で１レコード</a:t>
+            </a:r>
+            <a:endParaRPr kumimoji="1" lang="en-US" altLang="ja-JP" sz="1400" dirty="0"/>
+          </a:p>
+        </p:txBody>
+      </p:sp>
+      <p:sp>
+        <p:nvSpPr>
+          <p:cNvPr id="76" name="円弧 75">
+            <a:extLst>
+              <a:ext uri="{FF2B5EF4-FFF2-40B4-BE49-F238E27FC236}">
+                <a16:creationId xmlns:a16="http://schemas.microsoft.com/office/drawing/2014/main" id="{7CB20B64-B26C-2940-AA19-7CBC51824E49}"/>
+              </a:ext>
+            </a:extLst>
+          </p:cNvPr>
+          <p:cNvSpPr/>
+          <p:nvPr/>
+        </p:nvSpPr>
+        <p:spPr>
+          <a:xfrm flipV="1">
+            <a:off x="10051111" y="4854002"/>
+            <a:ext cx="226142" cy="490497"/>
+          </a:xfrm>
+          <a:prstGeom prst="arc">
+            <a:avLst>
+              <a:gd name="adj1" fmla="val 13601338"/>
+              <a:gd name="adj2" fmla="val 7039140"/>
+            </a:avLst>
+          </a:prstGeom>
+          <a:ln>
+            <a:solidFill>
+              <a:schemeClr val="tx1"/>
+            </a:solidFill>
+            <a:headEnd type="none" w="med" len="med"/>
+            <a:tailEnd type="arrow" w="med" len="med"/>
+          </a:ln>
+        </p:spPr>
+        <p:style>
+          <a:lnRef idx="1">
+            <a:schemeClr val="accent1"/>
+          </a:lnRef>
+          <a:fillRef idx="0">
+            <a:schemeClr val="accent1"/>
+          </a:fillRef>
+          <a:effectRef idx="0">
+            <a:schemeClr val="accent1"/>
+          </a:effectRef>
+          <a:fontRef idx="minor">
+            <a:schemeClr val="tx1"/>
+          </a:fontRef>
+        </p:style>
+        <p:txBody>
+          <a:bodyPr rtlCol="0" anchor="ctr"/>
+          <a:lstStyle/>
+          <a:p>
+            <a:pPr algn="ctr"/>
+            <a:endParaRPr kumimoji="1" lang="ja-JP" altLang="en-US"/>
+          </a:p>
+        </p:txBody>
+      </p:sp>
+    </p:spTree>
+    <p:extLst>
+      <p:ext uri="{BB962C8B-B14F-4D97-AF65-F5344CB8AC3E}">
+        <p14:creationId xmlns:p14="http://schemas.microsoft.com/office/powerpoint/2010/main" val="1491672620"/>
+      </p:ext>
+    </p:extLst>
+  </p:cSld>
+  <p:clrMapOvr>
+    <a:masterClrMapping/>
+  </p:clrMapOvr>
+</p:sld>
+</file>
+
 <file path=ppt/theme/theme1.xml><?xml version="1.0" encoding="utf-8"?>
 <a:theme xmlns:a="http://schemas.openxmlformats.org/drawingml/2006/main" name="Office テーマ">
   <a:themeElements>
@@ -4582,4 +7294,299 @@
     </a:ext>
   </a:extLst>
 </a:theme>
+</file>
+
+<file path=ppt/theme/theme2.xml><?xml version="1.0" encoding="utf-8"?>
+<a:theme xmlns:a="http://schemas.openxmlformats.org/drawingml/2006/main" name="Office テーマ">
+  <a:themeElements>
+    <a:clrScheme name="Office">
+      <a:dk1>
+        <a:sysClr val="windowText" lastClr="000000"/>
+      </a:dk1>
+      <a:lt1>
+        <a:sysClr val="window" lastClr="FFFFFF"/>
+      </a:lt1>
+      <a:dk2>
+        <a:srgbClr val="44546A"/>
+      </a:dk2>
+      <a:lt2>
+        <a:srgbClr val="E7E6E6"/>
+      </a:lt2>
+      <a:accent1>
+        <a:srgbClr val="4472C4"/>
+      </a:accent1>
+      <a:accent2>
+        <a:srgbClr val="ED7D31"/>
+      </a:accent2>
+      <a:accent3>
+        <a:srgbClr val="A5A5A5"/>
+      </a:accent3>
+      <a:accent4>
+        <a:srgbClr val="FFC000"/>
+      </a:accent4>
+      <a:accent5>
+        <a:srgbClr val="5B9BD5"/>
+      </a:accent5>
+      <a:accent6>
+        <a:srgbClr val="70AD47"/>
+      </a:accent6>
+      <a:hlink>
+        <a:srgbClr val="0563C1"/>
+      </a:hlink>
+      <a:folHlink>
+        <a:srgbClr val="954F72"/>
+      </a:folHlink>
+    </a:clrScheme>
+    <a:fontScheme name="Office">
+      <a:majorFont>
+        <a:latin typeface="游ゴシック Light" panose="020F0302020204030204"/>
+        <a:ea typeface=""/>
+        <a:cs typeface=""/>
+        <a:font script="Jpan" typeface="游ゴシック Light"/>
+        <a:font script="Hang" typeface="맑은 고딕"/>
+        <a:font script="Hans" typeface="等线 Light"/>
+        <a:font script="Hant" typeface="新細明體"/>
+        <a:font script="Arab" typeface="Times New Roman"/>
+        <a:font script="Hebr" typeface="Times New Roman"/>
+        <a:font script="Thai" typeface="Angsana New"/>
+        <a:font script="Ethi" typeface="Nyala"/>
+        <a:font script="Beng" typeface="Vrinda"/>
+        <a:font script="Gujr" typeface="Shruti"/>
+        <a:font script="Khmr" typeface="MoolBoran"/>
+        <a:font script="Knda" typeface="Tunga"/>
+        <a:font script="Guru" typeface="Raavi"/>
+        <a:font script="Cans" typeface="Euphemia"/>
+        <a:font script="Cher" typeface="Plantagenet Cherokee"/>
+        <a:font script="Yiii" typeface="Microsoft Yi Baiti"/>
+        <a:font script="Tibt" typeface="Microsoft Himalaya"/>
+        <a:font script="Thaa" typeface="MV Boli"/>
+        <a:font script="Deva" typeface="Mangal"/>
+        <a:font script="Telu" typeface="Gautami"/>
+        <a:font script="Taml" typeface="Latha"/>
+        <a:font script="Syrc" typeface="Estrangelo Edessa"/>
+        <a:font script="Orya" typeface="Kalinga"/>
+        <a:font script="Mlym" typeface="Kartika"/>
+        <a:font script="Laoo" typeface="DokChampa"/>
+        <a:font script="Sinh" typeface="Iskoola Pota"/>
+        <a:font script="Mong" typeface="Mongolian Baiti"/>
+        <a:font script="Viet" typeface="Times New Roman"/>
+        <a:font script="Uigh" typeface="Microsoft Uighur"/>
+        <a:font script="Geor" typeface="Sylfaen"/>
+        <a:font script="Armn" typeface="Arial"/>
+        <a:font script="Bugi" typeface="Leelawadee UI"/>
+        <a:font script="Bopo" typeface="Microsoft JhengHei"/>
+        <a:font script="Java" typeface="Javanese Text"/>
+        <a:font script="Lisu" typeface="Segoe UI"/>
+        <a:font script="Mymr" typeface="Myanmar Text"/>
+        <a:font script="Nkoo" typeface="Ebrima"/>
+        <a:font script="Olck" typeface="Nirmala UI"/>
+        <a:font script="Osma" typeface="Ebrima"/>
+        <a:font script="Phag" typeface="Phagspa"/>
+        <a:font script="Syrn" typeface="Estrangelo Edessa"/>
+        <a:font script="Syrj" typeface="Estrangelo Edessa"/>
+        <a:font script="Syre" typeface="Estrangelo Edessa"/>
+        <a:font script="Sora" typeface="Nirmala UI"/>
+        <a:font script="Tale" typeface="Microsoft Tai Le"/>
+        <a:font script="Talu" typeface="Microsoft New Tai Lue"/>
+        <a:font script="Tfng" typeface="Ebrima"/>
+      </a:majorFont>
+      <a:minorFont>
+        <a:latin typeface="游ゴシック" panose="020F0502020204030204"/>
+        <a:ea typeface=""/>
+        <a:cs typeface=""/>
+        <a:font script="Jpan" typeface="游ゴシック"/>
+        <a:font script="Hang" typeface="맑은 고딕"/>
+        <a:font script="Hans" typeface="等线"/>
+        <a:font script="Hant" typeface="新細明體"/>
+        <a:font script="Arab" typeface="Arial"/>
+        <a:font script="Hebr" typeface="Arial"/>
+        <a:font script="Thai" typeface="Cordia New"/>
+        <a:font script="Ethi" typeface="Nyala"/>
+        <a:font script="Beng" typeface="Vrinda"/>
+        <a:font script="Gujr" typeface="Shruti"/>
+        <a:font script="Khmr" typeface="DaunPenh"/>
+        <a:font script="Knda" typeface="Tunga"/>
+        <a:font script="Guru" typeface="Raavi"/>
+        <a:font script="Cans" typeface="Euphemia"/>
+        <a:font script="Cher" typeface="Plantagenet Cherokee"/>
+        <a:font script="Yiii" typeface="Microsoft Yi Baiti"/>
+        <a:font script="Tibt" typeface="Microsoft Himalaya"/>
+        <a:font script="Thaa" typeface="MV Boli"/>
+        <a:font script="Deva" typeface="Mangal"/>
+        <a:font script="Telu" typeface="Gautami"/>
+        <a:font script="Taml" typeface="Latha"/>
+        <a:font script="Syrc" typeface="Estrangelo Edessa"/>
+        <a:font script="Orya" typeface="Kalinga"/>
+        <a:font script="Mlym" typeface="Kartika"/>
+        <a:font script="Laoo" typeface="DokChampa"/>
+        <a:font script="Sinh" typeface="Iskoola Pota"/>
+        <a:font script="Mong" typeface="Mongolian Baiti"/>
+        <a:font script="Viet" typeface="Arial"/>
+        <a:font script="Uigh" typeface="Microsoft Uighur"/>
+        <a:font script="Geor" typeface="Sylfaen"/>
+        <a:font script="Armn" typeface="Arial"/>
+        <a:font script="Bugi" typeface="Leelawadee UI"/>
+        <a:font script="Bopo" typeface="Microsoft JhengHei"/>
+        <a:font script="Java" typeface="Javanese Text"/>
+        <a:font script="Lisu" typeface="Segoe UI"/>
+        <a:font script="Mymr" typeface="Myanmar Text"/>
+        <a:font script="Nkoo" typeface="Ebrima"/>
+        <a:font script="Olck" typeface="Nirmala UI"/>
+        <a:font script="Osma" typeface="Ebrima"/>
+        <a:font script="Phag" typeface="Phagspa"/>
+        <a:font script="Syrn" typeface="Estrangelo Edessa"/>
+        <a:font script="Syrj" typeface="Estrangelo Edessa"/>
+        <a:font script="Syre" typeface="Estrangelo Edessa"/>
+        <a:font script="Sora" typeface="Nirmala UI"/>
+        <a:font script="Tale" typeface="Microsoft Tai Le"/>
+        <a:font script="Talu" typeface="Microsoft New Tai Lue"/>
+        <a:font script="Tfng" typeface="Ebrima"/>
+      </a:minorFont>
+    </a:fontScheme>
+    <a:fmtScheme name="Office">
+      <a:fillStyleLst>
+        <a:solidFill>
+          <a:schemeClr val="phClr"/>
+        </a:solidFill>
+        <a:gradFill rotWithShape="1">
+          <a:gsLst>
+            <a:gs pos="0">
+              <a:schemeClr val="phClr">
+                <a:lumMod val="110000"/>
+                <a:satMod val="105000"/>
+                <a:tint val="67000"/>
+              </a:schemeClr>
+            </a:gs>
+            <a:gs pos="50000">
+              <a:schemeClr val="phClr">
+                <a:lumMod val="105000"/>
+                <a:satMod val="103000"/>
+                <a:tint val="73000"/>
+              </a:schemeClr>
+            </a:gs>
+            <a:gs pos="100000">
+              <a:schemeClr val="phClr">
+                <a:lumMod val="105000"/>
+                <a:satMod val="109000"/>
+                <a:tint val="81000"/>
+              </a:schemeClr>
+            </a:gs>
+          </a:gsLst>
+          <a:lin ang="5400000" scaled="0"/>
+        </a:gradFill>
+        <a:gradFill rotWithShape="1">
+          <a:gsLst>
+            <a:gs pos="0">
+              <a:schemeClr val="phClr">
+                <a:satMod val="103000"/>
+                <a:lumMod val="102000"/>
+                <a:tint val="94000"/>
+              </a:schemeClr>
+            </a:gs>
+            <a:gs pos="50000">
+              <a:schemeClr val="phClr">
+                <a:satMod val="110000"/>
+                <a:lumMod val="100000"/>
+                <a:shade val="100000"/>
+              </a:schemeClr>
+            </a:gs>
+            <a:gs pos="100000">
+              <a:schemeClr val="phClr">
+                <a:lumMod val="99000"/>
+                <a:satMod val="120000"/>
+                <a:shade val="78000"/>
+              </a:schemeClr>
+            </a:gs>
+          </a:gsLst>
+          <a:lin ang="5400000" scaled="0"/>
+        </a:gradFill>
+      </a:fillStyleLst>
+      <a:lnStyleLst>
+        <a:ln w="6350" cap="flat" cmpd="sng" algn="ctr">
+          <a:solidFill>
+            <a:schemeClr val="phClr"/>
+          </a:solidFill>
+          <a:prstDash val="solid"/>
+          <a:miter lim="800000"/>
+        </a:ln>
+        <a:ln w="12700" cap="flat" cmpd="sng" algn="ctr">
+          <a:solidFill>
+            <a:schemeClr val="phClr"/>
+          </a:solidFill>
+          <a:prstDash val="solid"/>
+          <a:miter lim="800000"/>
+        </a:ln>
+        <a:ln w="19050" cap="flat" cmpd="sng" algn="ctr">
+          <a:solidFill>
+            <a:schemeClr val="phClr"/>
+          </a:solidFill>
+          <a:prstDash val="solid"/>
+          <a:miter lim="800000"/>
+        </a:ln>
+      </a:lnStyleLst>
+      <a:effectStyleLst>
+        <a:effectStyle>
+          <a:effectLst/>
+        </a:effectStyle>
+        <a:effectStyle>
+          <a:effectLst/>
+        </a:effectStyle>
+        <a:effectStyle>
+          <a:effectLst>
+            <a:outerShdw blurRad="57150" dist="19050" dir="5400000" algn="ctr" rotWithShape="0">
+              <a:srgbClr val="000000">
+                <a:alpha val="63000"/>
+              </a:srgbClr>
+            </a:outerShdw>
+          </a:effectLst>
+        </a:effectStyle>
+      </a:effectStyleLst>
+      <a:bgFillStyleLst>
+        <a:solidFill>
+          <a:schemeClr val="phClr"/>
+        </a:solidFill>
+        <a:solidFill>
+          <a:schemeClr val="phClr">
+            <a:tint val="95000"/>
+            <a:satMod val="170000"/>
+          </a:schemeClr>
+        </a:solidFill>
+        <a:gradFill rotWithShape="1">
+          <a:gsLst>
+            <a:gs pos="0">
+              <a:schemeClr val="phClr">
+                <a:tint val="93000"/>
+                <a:satMod val="150000"/>
+                <a:shade val="98000"/>
+                <a:lumMod val="102000"/>
+              </a:schemeClr>
+            </a:gs>
+            <a:gs pos="50000">
+              <a:schemeClr val="phClr">
+                <a:tint val="98000"/>
+                <a:satMod val="130000"/>
+                <a:shade val="90000"/>
+                <a:lumMod val="103000"/>
+              </a:schemeClr>
+            </a:gs>
+            <a:gs pos="100000">
+              <a:schemeClr val="phClr">
+                <a:shade val="63000"/>
+                <a:satMod val="120000"/>
+              </a:schemeClr>
+            </a:gs>
+          </a:gsLst>
+          <a:lin ang="5400000" scaled="0"/>
+        </a:gradFill>
+      </a:bgFillStyleLst>
+    </a:fmtScheme>
+  </a:themeElements>
+  <a:objectDefaults/>
+  <a:extraClrSchemeLst/>
+  <a:extLst>
+    <a:ext uri="{05A4C25C-085E-4340-85A3-A5531E510DB2}">
+      <thm15:themeFamily xmlns:thm15="http://schemas.microsoft.com/office/thememl/2012/main" name="Office Theme" id="{62F939B6-93AF-4DB8-9C6B-D6C7DFDC589F}" vid="{4A3C46E8-61CC-4603-A589-7422A47A8E4A}"/>
+    </a:ext>
+  </a:extLst>
+</a:theme>
 </file>
--- a/Part2.Programming/Chapter6.TLSProtocol/Chapter6.Fig.pptx
+++ b/Part2.Programming/Chapter6.TLSProtocol/Chapter6.Fig.pptx
@@ -5,11 +5,14 @@
     <p:sldMasterId id="2147483648" r:id="rId1"/>
   </p:sldMasterIdLst>
   <p:notesMasterIdLst>
-    <p:notesMasterId r:id="rId4"/>
+    <p:notesMasterId r:id="rId7"/>
   </p:notesMasterIdLst>
   <p:sldIdLst>
     <p:sldId id="256" r:id="rId2"/>
     <p:sldId id="257" r:id="rId3"/>
+    <p:sldId id="258" r:id="rId4"/>
+    <p:sldId id="260" r:id="rId5"/>
+    <p:sldId id="259" r:id="rId6"/>
   </p:sldIdLst>
   <p:sldSz cx="12192000" cy="6858000"/>
   <p:notesSz cx="6858000" cy="9144000"/>
@@ -198,7 +201,7 @@
           <a:p>
             <a:fld id="{CA970258-1A10-C646-8FB8-BF2FF6412671}" type="datetimeFigureOut">
               <a:rPr kumimoji="1" lang="ja-JP" altLang="en-US" smtClean="0"/>
-              <a:t>2021/7/9</a:t>
+              <a:t>2021/7/17</a:t>
             </a:fld>
             <a:endParaRPr kumimoji="1" lang="ja-JP" altLang="en-US"/>
           </a:p>
@@ -581,6 +584,90 @@
 </p:notes>
 </file>
 
+<file path=ppt/notesSlides/notesSlide2.xml><?xml version="1.0" encoding="utf-8"?>
+<p:notes xmlns:a="http://schemas.openxmlformats.org/drawingml/2006/main" xmlns:r="http://schemas.openxmlformats.org/officeDocument/2006/relationships" xmlns:p="http://schemas.openxmlformats.org/presentationml/2006/main">
+  <p:cSld>
+    <p:spTree>
+      <p:nvGrpSpPr>
+        <p:cNvPr id="1" name=""/>
+        <p:cNvGrpSpPr/>
+        <p:nvPr/>
+      </p:nvGrpSpPr>
+      <p:grpSpPr>
+        <a:xfrm>
+          <a:off x="0" y="0"/>
+          <a:ext cx="0" cy="0"/>
+          <a:chOff x="0" y="0"/>
+          <a:chExt cx="0" cy="0"/>
+        </a:xfrm>
+      </p:grpSpPr>
+      <p:sp>
+        <p:nvSpPr>
+          <p:cNvPr id="2" name="スライド イメージ プレースホルダー 1"/>
+          <p:cNvSpPr>
+            <a:spLocks noGrp="1" noRot="1" noChangeAspect="1"/>
+          </p:cNvSpPr>
+          <p:nvPr>
+            <p:ph type="sldImg"/>
+          </p:nvPr>
+        </p:nvSpPr>
+        <p:spPr/>
+      </p:sp>
+      <p:sp>
+        <p:nvSpPr>
+          <p:cNvPr id="3" name="ノート プレースホルダー 2"/>
+          <p:cNvSpPr>
+            <a:spLocks noGrp="1"/>
+          </p:cNvSpPr>
+          <p:nvPr>
+            <p:ph type="body" idx="1"/>
+          </p:nvPr>
+        </p:nvSpPr>
+        <p:spPr/>
+        <p:txBody>
+          <a:bodyPr/>
+          <a:lstStyle/>
+          <a:p>
+            <a:endParaRPr kumimoji="1" lang="ja-JP" altLang="en-US"/>
+          </a:p>
+        </p:txBody>
+      </p:sp>
+      <p:sp>
+        <p:nvSpPr>
+          <p:cNvPr id="4" name="スライド番号プレースホルダー 3"/>
+          <p:cNvSpPr>
+            <a:spLocks noGrp="1"/>
+          </p:cNvSpPr>
+          <p:nvPr>
+            <p:ph type="sldNum" sz="quarter" idx="5"/>
+          </p:nvPr>
+        </p:nvSpPr>
+        <p:spPr/>
+        <p:txBody>
+          <a:bodyPr/>
+          <a:lstStyle/>
+          <a:p>
+            <a:fld id="{E73035C4-D6BF-F142-86ED-84A3E046DE73}" type="slidenum">
+              <a:rPr kumimoji="1" lang="ja-JP" altLang="en-US" smtClean="0"/>
+              <a:t>4</a:t>
+            </a:fld>
+            <a:endParaRPr kumimoji="1" lang="ja-JP" altLang="en-US"/>
+          </a:p>
+        </p:txBody>
+      </p:sp>
+    </p:spTree>
+    <p:extLst>
+      <p:ext uri="{BB962C8B-B14F-4D97-AF65-F5344CB8AC3E}">
+        <p14:creationId xmlns:p14="http://schemas.microsoft.com/office/powerpoint/2010/main" val="1545400067"/>
+      </p:ext>
+    </p:extLst>
+  </p:cSld>
+  <p:clrMapOvr>
+    <a:masterClrMapping/>
+  </p:clrMapOvr>
+</p:notes>
+</file>
+
 <file path=ppt/slideLayouts/slideLayout1.xml><?xml version="1.0" encoding="utf-8"?>
 <p:sldLayout xmlns:a="http://schemas.openxmlformats.org/drawingml/2006/main" xmlns:r="http://schemas.openxmlformats.org/officeDocument/2006/relationships" xmlns:p="http://schemas.openxmlformats.org/presentationml/2006/main" type="title" preserve="1">
   <p:cSld name="タイトル スライド">
@@ -728,7 +815,7 @@
           <a:p>
             <a:fld id="{9C3E4AF2-F0A1-8A44-B0AA-5F5FE5B01928}" type="datetimeFigureOut">
               <a:rPr kumimoji="1" lang="ja-JP" altLang="en-US" smtClean="0"/>
-              <a:t>2021/7/9</a:t>
+              <a:t>2021/7/17</a:t>
             </a:fld>
             <a:endParaRPr kumimoji="1" lang="ja-JP" altLang="en-US"/>
           </a:p>
@@ -958,7 +1045,7 @@
           <a:p>
             <a:fld id="{9C3E4AF2-F0A1-8A44-B0AA-5F5FE5B01928}" type="datetimeFigureOut">
               <a:rPr kumimoji="1" lang="ja-JP" altLang="en-US" smtClean="0"/>
-              <a:t>2021/7/9</a:t>
+              <a:t>2021/7/17</a:t>
             </a:fld>
             <a:endParaRPr kumimoji="1" lang="ja-JP" altLang="en-US"/>
           </a:p>
@@ -1198,7 +1285,7 @@
           <a:p>
             <a:fld id="{9C3E4AF2-F0A1-8A44-B0AA-5F5FE5B01928}" type="datetimeFigureOut">
               <a:rPr kumimoji="1" lang="ja-JP" altLang="en-US" smtClean="0"/>
-              <a:t>2021/7/9</a:t>
+              <a:t>2021/7/17</a:t>
             </a:fld>
             <a:endParaRPr kumimoji="1" lang="ja-JP" altLang="en-US"/>
           </a:p>
@@ -1428,7 +1515,7 @@
           <a:p>
             <a:fld id="{9C3E4AF2-F0A1-8A44-B0AA-5F5FE5B01928}" type="datetimeFigureOut">
               <a:rPr kumimoji="1" lang="ja-JP" altLang="en-US" smtClean="0"/>
-              <a:t>2021/7/9</a:t>
+              <a:t>2021/7/17</a:t>
             </a:fld>
             <a:endParaRPr kumimoji="1" lang="ja-JP" altLang="en-US"/>
           </a:p>
@@ -1703,7 +1790,7 @@
           <a:p>
             <a:fld id="{9C3E4AF2-F0A1-8A44-B0AA-5F5FE5B01928}" type="datetimeFigureOut">
               <a:rPr kumimoji="1" lang="ja-JP" altLang="en-US" smtClean="0"/>
-              <a:t>2021/7/9</a:t>
+              <a:t>2021/7/17</a:t>
             </a:fld>
             <a:endParaRPr kumimoji="1" lang="ja-JP" altLang="en-US"/>
           </a:p>
@@ -2032,7 +2119,7 @@
           <a:p>
             <a:fld id="{9C3E4AF2-F0A1-8A44-B0AA-5F5FE5B01928}" type="datetimeFigureOut">
               <a:rPr kumimoji="1" lang="ja-JP" altLang="en-US" smtClean="0"/>
-              <a:t>2021/7/9</a:t>
+              <a:t>2021/7/17</a:t>
             </a:fld>
             <a:endParaRPr kumimoji="1" lang="ja-JP" altLang="en-US"/>
           </a:p>
@@ -2508,7 +2595,7 @@
           <a:p>
             <a:fld id="{9C3E4AF2-F0A1-8A44-B0AA-5F5FE5B01928}" type="datetimeFigureOut">
               <a:rPr kumimoji="1" lang="ja-JP" altLang="en-US" smtClean="0"/>
-              <a:t>2021/7/9</a:t>
+              <a:t>2021/7/17</a:t>
             </a:fld>
             <a:endParaRPr kumimoji="1" lang="ja-JP" altLang="en-US"/>
           </a:p>
@@ -2649,7 +2736,7 @@
           <a:p>
             <a:fld id="{9C3E4AF2-F0A1-8A44-B0AA-5F5FE5B01928}" type="datetimeFigureOut">
               <a:rPr kumimoji="1" lang="ja-JP" altLang="en-US" smtClean="0"/>
-              <a:t>2021/7/9</a:t>
+              <a:t>2021/7/17</a:t>
             </a:fld>
             <a:endParaRPr kumimoji="1" lang="ja-JP" altLang="en-US"/>
           </a:p>
@@ -2762,7 +2849,7 @@
           <a:p>
             <a:fld id="{9C3E4AF2-F0A1-8A44-B0AA-5F5FE5B01928}" type="datetimeFigureOut">
               <a:rPr kumimoji="1" lang="ja-JP" altLang="en-US" smtClean="0"/>
-              <a:t>2021/7/9</a:t>
+              <a:t>2021/7/17</a:t>
             </a:fld>
             <a:endParaRPr kumimoji="1" lang="ja-JP" altLang="en-US"/>
           </a:p>
@@ -3105,7 +3192,7 @@
           <a:p>
             <a:fld id="{9C3E4AF2-F0A1-8A44-B0AA-5F5FE5B01928}" type="datetimeFigureOut">
               <a:rPr kumimoji="1" lang="ja-JP" altLang="en-US" smtClean="0"/>
-              <a:t>2021/7/9</a:t>
+              <a:t>2021/7/17</a:t>
             </a:fld>
             <a:endParaRPr kumimoji="1" lang="ja-JP" altLang="en-US"/>
           </a:p>
@@ -3393,7 +3480,7 @@
           <a:p>
             <a:fld id="{9C3E4AF2-F0A1-8A44-B0AA-5F5FE5B01928}" type="datetimeFigureOut">
               <a:rPr kumimoji="1" lang="ja-JP" altLang="en-US" smtClean="0"/>
-              <a:t>2021/7/9</a:t>
+              <a:t>2021/7/17</a:t>
             </a:fld>
             <a:endParaRPr kumimoji="1" lang="ja-JP" altLang="en-US"/>
           </a:p>
@@ -3666,7 +3753,7 @@
           <a:p>
             <a:fld id="{9C3E4AF2-F0A1-8A44-B0AA-5F5FE5B01928}" type="datetimeFigureOut">
               <a:rPr kumimoji="1" lang="ja-JP" altLang="en-US" smtClean="0"/>
-              <a:t>2021/7/9</a:t>
+              <a:t>2021/7/17</a:t>
             </a:fld>
             <a:endParaRPr kumimoji="1" lang="ja-JP" altLang="en-US"/>
           </a:p>
@@ -4569,7 +4656,15 @@
             <a:pPr algn="r"/>
             <a:r>
               <a:rPr lang="en-US" altLang="ja-JP" sz="1600" dirty="0" err="1"/>
-              <a:t>SSL_accept</a:t>
+              <a:t>SSL_connect</a:t>
+            </a:r>
+            <a:endParaRPr lang="en-US" altLang="ja-JP" sz="1600" dirty="0"/>
+          </a:p>
+          <a:p>
+            <a:pPr algn="r"/>
+            <a:r>
+              <a:rPr lang="en-US" altLang="ja-JP" sz="1600" dirty="0" err="1"/>
+              <a:t>SSL_write</a:t>
             </a:r>
             <a:endParaRPr lang="en-US" altLang="ja-JP" sz="1600" dirty="0"/>
           </a:p>
@@ -4578,14 +4673,6 @@
             <a:r>
               <a:rPr lang="en-US" altLang="ja-JP" sz="1600" dirty="0" err="1"/>
               <a:t>SSL_read</a:t>
-            </a:r>
-            <a:endParaRPr lang="en-US" altLang="ja-JP" sz="1600" dirty="0"/>
-          </a:p>
-          <a:p>
-            <a:pPr algn="r"/>
-            <a:r>
-              <a:rPr lang="en-US" altLang="ja-JP" sz="1600" dirty="0" err="1"/>
-              <a:t>SSL_write</a:t>
             </a:r>
             <a:endParaRPr kumimoji="1" lang="en-US" altLang="ja-JP" sz="1600" dirty="0"/>
           </a:p>
@@ -4794,7 +4881,7 @@
         </p:nvSpPr>
         <p:spPr>
           <a:xfrm>
-            <a:off x="2399251" y="607701"/>
+            <a:off x="2313190" y="1877103"/>
             <a:ext cx="3130477" cy="1237262"/>
           </a:xfrm>
           <a:prstGeom prst="rect">
@@ -4846,7 +4933,7 @@
         </p:nvSpPr>
         <p:spPr>
           <a:xfrm>
-            <a:off x="6515976" y="971358"/>
+            <a:off x="6429915" y="2240760"/>
             <a:ext cx="2985113" cy="584775"/>
           </a:xfrm>
           <a:prstGeom prst="rect">
@@ -4904,7 +4991,7 @@
         </p:nvSpPr>
         <p:spPr>
           <a:xfrm>
-            <a:off x="2659316" y="1226332"/>
+            <a:off x="2573255" y="2495734"/>
             <a:ext cx="2385589" cy="338554"/>
           </a:xfrm>
           <a:prstGeom prst="rect">
@@ -4953,7 +5040,7 @@
         </p:nvSpPr>
         <p:spPr>
           <a:xfrm>
-            <a:off x="2631893" y="173513"/>
+            <a:off x="2545832" y="1442915"/>
             <a:ext cx="2236510" cy="400110"/>
           </a:xfrm>
           <a:prstGeom prst="rect">
@@ -4988,7 +5075,7 @@
         </p:nvSpPr>
         <p:spPr>
           <a:xfrm>
-            <a:off x="7361173" y="145148"/>
+            <a:off x="7275112" y="1414550"/>
             <a:ext cx="2236510" cy="400110"/>
           </a:xfrm>
           <a:prstGeom prst="rect">
@@ -5023,7 +5110,7 @@
         </p:nvSpPr>
         <p:spPr>
           <a:xfrm>
-            <a:off x="6370612" y="573623"/>
+            <a:off x="6284551" y="1843025"/>
             <a:ext cx="3130477" cy="1237262"/>
           </a:xfrm>
           <a:prstGeom prst="rect">
@@ -5075,7 +5162,7 @@
         </p:nvSpPr>
         <p:spPr>
           <a:xfrm>
-            <a:off x="3470387" y="2416276"/>
+            <a:off x="3384326" y="3685678"/>
             <a:ext cx="1471709" cy="367023"/>
           </a:xfrm>
           <a:prstGeom prst="rect">
@@ -5127,7 +5214,7 @@
         </p:nvSpPr>
         <p:spPr>
           <a:xfrm>
-            <a:off x="7478960" y="2416276"/>
+            <a:off x="7392899" y="3685678"/>
             <a:ext cx="1471709" cy="367023"/>
           </a:xfrm>
           <a:prstGeom prst="rect">
@@ -5181,7 +5268,7 @@
         </p:nvCxnSpPr>
         <p:spPr>
           <a:xfrm flipH="1">
-            <a:off x="4110293" y="1559307"/>
+            <a:off x="4024232" y="2828709"/>
             <a:ext cx="1" cy="851390"/>
           </a:xfrm>
           <a:prstGeom prst="line">
@@ -5226,7 +5313,7 @@
         </p:nvCxnSpPr>
         <p:spPr>
           <a:xfrm flipH="1" flipV="1">
-            <a:off x="8554996" y="1569036"/>
+            <a:off x="8468935" y="2838438"/>
             <a:ext cx="1" cy="851390"/>
           </a:xfrm>
           <a:prstGeom prst="line">
@@ -5271,7 +5358,7 @@
         </p:nvCxnSpPr>
         <p:spPr>
           <a:xfrm flipH="1" flipV="1">
-            <a:off x="3470387" y="2951808"/>
+            <a:off x="3384326" y="4221210"/>
             <a:ext cx="1471710" cy="1"/>
           </a:xfrm>
           <a:prstGeom prst="line">
@@ -5314,7 +5401,7 @@
         </p:nvSpPr>
         <p:spPr>
           <a:xfrm>
-            <a:off x="3964489" y="2935652"/>
+            <a:off x="3878428" y="4205054"/>
             <a:ext cx="646331" cy="307777"/>
           </a:xfrm>
           <a:prstGeom prst="rect">
@@ -5350,7 +5437,7 @@
         </p:nvSpPr>
         <p:spPr>
           <a:xfrm>
-            <a:off x="7010421" y="654653"/>
+            <a:off x="6924360" y="1924055"/>
             <a:ext cx="1986441" cy="307777"/>
           </a:xfrm>
           <a:prstGeom prst="rect">
@@ -5403,7 +5490,7 @@
         </p:nvCxnSpPr>
         <p:spPr>
           <a:xfrm flipH="1" flipV="1">
-            <a:off x="7468201" y="2947937"/>
+            <a:off x="7382140" y="4217339"/>
             <a:ext cx="1471710" cy="1"/>
           </a:xfrm>
           <a:prstGeom prst="line">
@@ -5446,7 +5533,7 @@
         </p:nvSpPr>
         <p:spPr>
           <a:xfrm>
-            <a:off x="7962303" y="2931781"/>
+            <a:off x="7876242" y="4201183"/>
             <a:ext cx="646331" cy="307777"/>
           </a:xfrm>
           <a:prstGeom prst="rect">
@@ -5484,7 +5571,7 @@
         </p:nvCxnSpPr>
         <p:spPr>
           <a:xfrm flipH="1">
-            <a:off x="4997814" y="2599788"/>
+            <a:off x="4911753" y="3869190"/>
             <a:ext cx="2427356" cy="1"/>
           </a:xfrm>
           <a:prstGeom prst="line">
@@ -5528,7 +5615,7 @@
         </p:nvSpPr>
         <p:spPr>
           <a:xfrm>
-            <a:off x="3964489" y="2445898"/>
+            <a:off x="3878428" y="3715300"/>
             <a:ext cx="527709" cy="307777"/>
           </a:xfrm>
           <a:prstGeom prst="rect">
@@ -5564,7 +5651,7 @@
         </p:nvSpPr>
         <p:spPr>
           <a:xfrm>
-            <a:off x="7973061" y="2476213"/>
+            <a:off x="7887000" y="3745615"/>
             <a:ext cx="527709" cy="307777"/>
           </a:xfrm>
           <a:prstGeom prst="rect">
@@ -5602,7 +5689,7 @@
         </p:nvCxnSpPr>
         <p:spPr>
           <a:xfrm>
-            <a:off x="8756725" y="896052"/>
+            <a:off x="8670664" y="2165454"/>
             <a:ext cx="273399" cy="385872"/>
           </a:xfrm>
           <a:prstGeom prst="line">
@@ -5631,12 +5718,42 @@
           </a:fontRef>
         </p:style>
       </p:cxnSp>
-      <p:sp>
-        <p:nvSpPr>
-          <p:cNvPr id="38" name="正方形/長方形 37">
-            <a:extLst>
-              <a:ext uri="{FF2B5EF4-FFF2-40B4-BE49-F238E27FC236}">
-                <a16:creationId xmlns:a16="http://schemas.microsoft.com/office/drawing/2014/main" id="{3A6E7194-1CFB-FE49-8FD9-585857BE6FA7}"/>
+    </p:spTree>
+    <p:extLst>
+      <p:ext uri="{BB962C8B-B14F-4D97-AF65-F5344CB8AC3E}">
+        <p14:creationId xmlns:p14="http://schemas.microsoft.com/office/powerpoint/2010/main" val="1491672620"/>
+      </p:ext>
+    </p:extLst>
+  </p:cSld>
+  <p:clrMapOvr>
+    <a:masterClrMapping/>
+  </p:clrMapOvr>
+</p:sld>
+</file>
+
+<file path=ppt/slides/slide3.xml><?xml version="1.0" encoding="utf-8"?>
+<p:sld xmlns:a="http://schemas.openxmlformats.org/drawingml/2006/main" xmlns:r="http://schemas.openxmlformats.org/officeDocument/2006/relationships" xmlns:p="http://schemas.openxmlformats.org/presentationml/2006/main">
+  <p:cSld>
+    <p:spTree>
+      <p:nvGrpSpPr>
+        <p:cNvPr id="1" name=""/>
+        <p:cNvGrpSpPr/>
+        <p:nvPr/>
+      </p:nvGrpSpPr>
+      <p:grpSpPr>
+        <a:xfrm>
+          <a:off x="0" y="0"/>
+          <a:ext cx="0" cy="0"/>
+          <a:chOff x="0" y="0"/>
+          <a:chExt cx="0" cy="0"/>
+        </a:xfrm>
+      </p:grpSpPr>
+      <p:sp>
+        <p:nvSpPr>
+          <p:cNvPr id="2" name="正方形/長方形 1">
+            <a:extLst>
+              <a:ext uri="{FF2B5EF4-FFF2-40B4-BE49-F238E27FC236}">
+                <a16:creationId xmlns:a16="http://schemas.microsoft.com/office/drawing/2014/main" id="{AB93DB93-6D00-6D40-BDAD-5481F60D2464}"/>
               </a:ext>
             </a:extLst>
           </p:cNvPr>
@@ -5645,7 +5762,7 @@
         </p:nvSpPr>
         <p:spPr>
           <a:xfrm>
-            <a:off x="2369821" y="4221274"/>
+            <a:off x="2423610" y="2317171"/>
             <a:ext cx="3130477" cy="1237262"/>
           </a:xfrm>
           <a:prstGeom prst="rect">
@@ -5685,10 +5802,10 @@
       </p:sp>
       <p:sp>
         <p:nvSpPr>
-          <p:cNvPr id="39" name="テキスト ボックス 38">
-            <a:extLst>
-              <a:ext uri="{FF2B5EF4-FFF2-40B4-BE49-F238E27FC236}">
-                <a16:creationId xmlns:a16="http://schemas.microsoft.com/office/drawing/2014/main" id="{18FE4B63-B11E-454A-8D33-BE5C1F48EF2B}"/>
+          <p:cNvPr id="3" name="テキスト ボックス 2">
+            <a:extLst>
+              <a:ext uri="{FF2B5EF4-FFF2-40B4-BE49-F238E27FC236}">
+                <a16:creationId xmlns:a16="http://schemas.microsoft.com/office/drawing/2014/main" id="{60D3953A-3180-D642-BF32-22063153A96D}"/>
               </a:ext>
             </a:extLst>
           </p:cNvPr>
@@ -5697,7 +5814,7 @@
         </p:nvSpPr>
         <p:spPr>
           <a:xfrm>
-            <a:off x="6394867" y="4921254"/>
+            <a:off x="6448656" y="3017151"/>
             <a:ext cx="3953326" cy="338554"/>
           </a:xfrm>
           <a:prstGeom prst="rect">
@@ -5736,10 +5853,10 @@
       </p:sp>
       <p:sp>
         <p:nvSpPr>
-          <p:cNvPr id="40" name="テキスト ボックス 39">
-            <a:extLst>
-              <a:ext uri="{FF2B5EF4-FFF2-40B4-BE49-F238E27FC236}">
-                <a16:creationId xmlns:a16="http://schemas.microsoft.com/office/drawing/2014/main" id="{DAC24153-E7D7-5F48-836D-19561FC4B482}"/>
+          <p:cNvPr id="4" name="テキスト ボックス 3">
+            <a:extLst>
+              <a:ext uri="{FF2B5EF4-FFF2-40B4-BE49-F238E27FC236}">
+                <a16:creationId xmlns:a16="http://schemas.microsoft.com/office/drawing/2014/main" id="{17DF5476-2567-7147-B981-641DEA738C1F}"/>
               </a:ext>
             </a:extLst>
           </p:cNvPr>
@@ -5748,7 +5865,7 @@
         </p:nvSpPr>
         <p:spPr>
           <a:xfrm>
-            <a:off x="2685991" y="4839905"/>
+            <a:off x="2739780" y="2935802"/>
             <a:ext cx="2329484" cy="338554"/>
           </a:xfrm>
           <a:prstGeom prst="rect">
@@ -5777,10 +5894,10 @@
       </p:sp>
       <p:sp>
         <p:nvSpPr>
-          <p:cNvPr id="41" name="テキスト ボックス 40">
-            <a:extLst>
-              <a:ext uri="{FF2B5EF4-FFF2-40B4-BE49-F238E27FC236}">
-                <a16:creationId xmlns:a16="http://schemas.microsoft.com/office/drawing/2014/main" id="{23F4FBA3-83C3-E646-AB3F-7D65169A9C6A}"/>
+          <p:cNvPr id="5" name="テキスト ボックス 4">
+            <a:extLst>
+              <a:ext uri="{FF2B5EF4-FFF2-40B4-BE49-F238E27FC236}">
+                <a16:creationId xmlns:a16="http://schemas.microsoft.com/office/drawing/2014/main" id="{4EE465FB-D29A-1641-957E-FA9847A6641B}"/>
               </a:ext>
             </a:extLst>
           </p:cNvPr>
@@ -5789,7 +5906,7 @@
         </p:nvSpPr>
         <p:spPr>
           <a:xfrm>
-            <a:off x="2602463" y="3787086"/>
+            <a:off x="2656252" y="1882983"/>
             <a:ext cx="2236510" cy="400110"/>
           </a:xfrm>
           <a:prstGeom prst="rect">
@@ -5812,10 +5929,10 @@
       </p:sp>
       <p:sp>
         <p:nvSpPr>
-          <p:cNvPr id="42" name="テキスト ボックス 41">
-            <a:extLst>
-              <a:ext uri="{FF2B5EF4-FFF2-40B4-BE49-F238E27FC236}">
-                <a16:creationId xmlns:a16="http://schemas.microsoft.com/office/drawing/2014/main" id="{A6B67EA3-AD52-C84F-875D-92203F4D8CA8}"/>
+          <p:cNvPr id="6" name="テキスト ボックス 5">
+            <a:extLst>
+              <a:ext uri="{FF2B5EF4-FFF2-40B4-BE49-F238E27FC236}">
+                <a16:creationId xmlns:a16="http://schemas.microsoft.com/office/drawing/2014/main" id="{4FB9AD93-F897-3F40-806B-D4B87502ED1A}"/>
               </a:ext>
             </a:extLst>
           </p:cNvPr>
@@ -5824,7 +5941,7 @@
         </p:nvSpPr>
         <p:spPr>
           <a:xfrm>
-            <a:off x="7331743" y="3758721"/>
+            <a:off x="7385532" y="1854618"/>
             <a:ext cx="2236510" cy="400110"/>
           </a:xfrm>
           <a:prstGeom prst="rect">
@@ -5847,10 +5964,10 @@
       </p:sp>
       <p:sp>
         <p:nvSpPr>
-          <p:cNvPr id="43" name="正方形/長方形 42">
-            <a:extLst>
-              <a:ext uri="{FF2B5EF4-FFF2-40B4-BE49-F238E27FC236}">
-                <a16:creationId xmlns:a16="http://schemas.microsoft.com/office/drawing/2014/main" id="{89C1857E-3269-8F45-A9B5-E0F4F0EC74F5}"/>
+          <p:cNvPr id="7" name="正方形/長方形 6">
+            <a:extLst>
+              <a:ext uri="{FF2B5EF4-FFF2-40B4-BE49-F238E27FC236}">
+                <a16:creationId xmlns:a16="http://schemas.microsoft.com/office/drawing/2014/main" id="{24EB27DB-B703-4448-85E9-02E90FB32FDF}"/>
               </a:ext>
             </a:extLst>
           </p:cNvPr>
@@ -5859,7 +5976,7 @@
         </p:nvSpPr>
         <p:spPr>
           <a:xfrm>
-            <a:off x="6341182" y="4187196"/>
+            <a:off x="6394971" y="2283093"/>
             <a:ext cx="4405707" cy="1237262"/>
           </a:xfrm>
           <a:prstGeom prst="rect">
@@ -5899,10 +6016,10 @@
       </p:sp>
       <p:sp>
         <p:nvSpPr>
-          <p:cNvPr id="44" name="正方形/長方形 43">
-            <a:extLst>
-              <a:ext uri="{FF2B5EF4-FFF2-40B4-BE49-F238E27FC236}">
-                <a16:creationId xmlns:a16="http://schemas.microsoft.com/office/drawing/2014/main" id="{8D8BEBD0-F476-9041-89C7-B59B68E636AB}"/>
+          <p:cNvPr id="8" name="正方形/長方形 7">
+            <a:extLst>
+              <a:ext uri="{FF2B5EF4-FFF2-40B4-BE49-F238E27FC236}">
+                <a16:creationId xmlns:a16="http://schemas.microsoft.com/office/drawing/2014/main" id="{99437303-AC88-2142-90DE-BBCA0C778393}"/>
               </a:ext>
             </a:extLst>
           </p:cNvPr>
@@ -5911,7 +6028,7 @@
         </p:nvSpPr>
         <p:spPr>
           <a:xfrm>
-            <a:off x="3440957" y="6029849"/>
+            <a:off x="3494746" y="4125746"/>
             <a:ext cx="1471709" cy="367023"/>
           </a:xfrm>
           <a:prstGeom prst="rect">
@@ -5951,10 +6068,10 @@
       </p:sp>
       <p:sp>
         <p:nvSpPr>
-          <p:cNvPr id="45" name="正方形/長方形 44">
-            <a:extLst>
-              <a:ext uri="{FF2B5EF4-FFF2-40B4-BE49-F238E27FC236}">
-                <a16:creationId xmlns:a16="http://schemas.microsoft.com/office/drawing/2014/main" id="{082550AD-C3F2-E846-953B-B943C66A0BD1}"/>
+          <p:cNvPr id="9" name="正方形/長方形 8">
+            <a:extLst>
+              <a:ext uri="{FF2B5EF4-FFF2-40B4-BE49-F238E27FC236}">
+                <a16:creationId xmlns:a16="http://schemas.microsoft.com/office/drawing/2014/main" id="{774DF81C-FB77-C14C-AF05-98A18F98A16A}"/>
               </a:ext>
             </a:extLst>
           </p:cNvPr>
@@ -5963,7 +6080,7 @@
         </p:nvSpPr>
         <p:spPr>
           <a:xfrm>
-            <a:off x="7783019" y="6029849"/>
+            <a:off x="7836808" y="4125746"/>
             <a:ext cx="1471709" cy="367023"/>
           </a:xfrm>
           <a:prstGeom prst="rect">
@@ -6003,10 +6120,10 @@
       </p:sp>
       <p:cxnSp>
         <p:nvCxnSpPr>
-          <p:cNvPr id="46" name="直線コネクタ 45">
-            <a:extLst>
-              <a:ext uri="{FF2B5EF4-FFF2-40B4-BE49-F238E27FC236}">
-                <a16:creationId xmlns:a16="http://schemas.microsoft.com/office/drawing/2014/main" id="{43333C10-BEA2-AB45-BA63-FB2F89189BA5}"/>
+          <p:cNvPr id="10" name="直線コネクタ 9">
+            <a:extLst>
+              <a:ext uri="{FF2B5EF4-FFF2-40B4-BE49-F238E27FC236}">
+                <a16:creationId xmlns:a16="http://schemas.microsoft.com/office/drawing/2014/main" id="{AC7758FD-9407-BD49-A45B-AD4E6041CB8B}"/>
               </a:ext>
             </a:extLst>
           </p:cNvPr>
@@ -6017,7 +6134,7 @@
         </p:nvCxnSpPr>
         <p:spPr>
           <a:xfrm flipH="1">
-            <a:off x="4080864" y="5172880"/>
+            <a:off x="4134653" y="3268777"/>
             <a:ext cx="1" cy="646389"/>
           </a:xfrm>
           <a:prstGeom prst="line">
@@ -6048,10 +6165,10 @@
       </p:cxnSp>
       <p:cxnSp>
         <p:nvCxnSpPr>
-          <p:cNvPr id="47" name="直線コネクタ 46">
-            <a:extLst>
-              <a:ext uri="{FF2B5EF4-FFF2-40B4-BE49-F238E27FC236}">
-                <a16:creationId xmlns:a16="http://schemas.microsoft.com/office/drawing/2014/main" id="{CFDACF4A-3F01-2040-9934-37DCF99A8123}"/>
+          <p:cNvPr id="11" name="直線コネクタ 10">
+            <a:extLst>
+              <a:ext uri="{FF2B5EF4-FFF2-40B4-BE49-F238E27FC236}">
+                <a16:creationId xmlns:a16="http://schemas.microsoft.com/office/drawing/2014/main" id="{2BCBE312-9BDD-444D-84A3-1C2236509A9A}"/>
               </a:ext>
             </a:extLst>
           </p:cNvPr>
@@ -6062,7 +6179,7 @@
         </p:nvCxnSpPr>
         <p:spPr>
           <a:xfrm flipH="1" flipV="1">
-            <a:off x="8525566" y="5182609"/>
+            <a:off x="8579355" y="3278506"/>
             <a:ext cx="1" cy="851390"/>
           </a:xfrm>
           <a:prstGeom prst="line">
@@ -6093,10 +6210,10 @@
       </p:cxnSp>
       <p:cxnSp>
         <p:nvCxnSpPr>
-          <p:cNvPr id="48" name="直線コネクタ 47">
-            <a:extLst>
-              <a:ext uri="{FF2B5EF4-FFF2-40B4-BE49-F238E27FC236}">
-                <a16:creationId xmlns:a16="http://schemas.microsoft.com/office/drawing/2014/main" id="{D392707C-D896-5D48-9C64-36E970003834}"/>
+          <p:cNvPr id="12" name="直線コネクタ 11">
+            <a:extLst>
+              <a:ext uri="{FF2B5EF4-FFF2-40B4-BE49-F238E27FC236}">
+                <a16:creationId xmlns:a16="http://schemas.microsoft.com/office/drawing/2014/main" id="{B78AC6AF-AA81-6E4F-978B-4B67B12972D4}"/>
               </a:ext>
             </a:extLst>
           </p:cNvPr>
@@ -6107,7 +6224,7 @@
         </p:nvCxnSpPr>
         <p:spPr>
           <a:xfrm flipH="1" flipV="1">
-            <a:off x="3440957" y="6565381"/>
+            <a:off x="3494746" y="4661278"/>
             <a:ext cx="1471710" cy="1"/>
           </a:xfrm>
           <a:prstGeom prst="line">
@@ -6138,10 +6255,10 @@
       </p:cxnSp>
       <p:sp>
         <p:nvSpPr>
-          <p:cNvPr id="50" name="テキスト ボックス 49">
-            <a:extLst>
-              <a:ext uri="{FF2B5EF4-FFF2-40B4-BE49-F238E27FC236}">
-                <a16:creationId xmlns:a16="http://schemas.microsoft.com/office/drawing/2014/main" id="{79FB4FC0-4708-624E-9E74-A57EA5AC703B}"/>
+          <p:cNvPr id="13" name="テキスト ボックス 12">
+            <a:extLst>
+              <a:ext uri="{FF2B5EF4-FFF2-40B4-BE49-F238E27FC236}">
+                <a16:creationId xmlns:a16="http://schemas.microsoft.com/office/drawing/2014/main" id="{9A15187A-10DE-BD48-84D9-2E1DB2881217}"/>
               </a:ext>
             </a:extLst>
           </p:cNvPr>
@@ -6150,7 +6267,7 @@
         </p:nvSpPr>
         <p:spPr>
           <a:xfrm>
-            <a:off x="7233158" y="4288010"/>
+            <a:off x="7286947" y="2383907"/>
             <a:ext cx="2433680" cy="307777"/>
           </a:xfrm>
           <a:prstGeom prst="rect">
@@ -6185,10 +6302,10 @@
       </p:sp>
       <p:cxnSp>
         <p:nvCxnSpPr>
-          <p:cNvPr id="51" name="直線コネクタ 50">
-            <a:extLst>
-              <a:ext uri="{FF2B5EF4-FFF2-40B4-BE49-F238E27FC236}">
-                <a16:creationId xmlns:a16="http://schemas.microsoft.com/office/drawing/2014/main" id="{9DC1C3B7-C261-384F-8E63-5B3D73AA7A4A}"/>
+          <p:cNvPr id="14" name="直線コネクタ 13">
+            <a:extLst>
+              <a:ext uri="{FF2B5EF4-FFF2-40B4-BE49-F238E27FC236}">
+                <a16:creationId xmlns:a16="http://schemas.microsoft.com/office/drawing/2014/main" id="{F5C202AE-1113-2741-8E81-F96D6B9C740D}"/>
               </a:ext>
             </a:extLst>
           </p:cNvPr>
@@ -6199,7 +6316,7 @@
         </p:nvCxnSpPr>
         <p:spPr>
           <a:xfrm flipH="1" flipV="1">
-            <a:off x="7772260" y="6561510"/>
+            <a:off x="7826049" y="4657407"/>
             <a:ext cx="1471710" cy="1"/>
           </a:xfrm>
           <a:prstGeom prst="line">
@@ -6230,10 +6347,10 @@
       </p:cxnSp>
       <p:sp>
         <p:nvSpPr>
-          <p:cNvPr id="52" name="テキスト ボックス 51">
-            <a:extLst>
-              <a:ext uri="{FF2B5EF4-FFF2-40B4-BE49-F238E27FC236}">
-                <a16:creationId xmlns:a16="http://schemas.microsoft.com/office/drawing/2014/main" id="{2F4DD796-5463-964E-996D-3A7970285A5D}"/>
+          <p:cNvPr id="15" name="テキスト ボックス 14">
+            <a:extLst>
+              <a:ext uri="{FF2B5EF4-FFF2-40B4-BE49-F238E27FC236}">
+                <a16:creationId xmlns:a16="http://schemas.microsoft.com/office/drawing/2014/main" id="{61441846-1EF7-294A-A54C-2B2F6F7B6A27}"/>
               </a:ext>
             </a:extLst>
           </p:cNvPr>
@@ -6242,7 +6359,7 @@
         </p:nvSpPr>
         <p:spPr>
           <a:xfrm>
-            <a:off x="7787071" y="6606183"/>
+            <a:off x="7840860" y="4702080"/>
             <a:ext cx="2637092" cy="307777"/>
           </a:xfrm>
           <a:prstGeom prst="rect">
@@ -6270,10 +6387,10 @@
       </p:sp>
       <p:cxnSp>
         <p:nvCxnSpPr>
-          <p:cNvPr id="53" name="直線コネクタ 52">
-            <a:extLst>
-              <a:ext uri="{FF2B5EF4-FFF2-40B4-BE49-F238E27FC236}">
-                <a16:creationId xmlns:a16="http://schemas.microsoft.com/office/drawing/2014/main" id="{AB9096D4-2993-2940-B629-7E4D9DF7D7D0}"/>
+          <p:cNvPr id="16" name="直線コネクタ 15">
+            <a:extLst>
+              <a:ext uri="{FF2B5EF4-FFF2-40B4-BE49-F238E27FC236}">
+                <a16:creationId xmlns:a16="http://schemas.microsoft.com/office/drawing/2014/main" id="{2045FC87-00D2-894C-BCF7-EA9ED5935657}"/>
               </a:ext>
             </a:extLst>
           </p:cNvPr>
@@ -6284,7 +6401,7 @@
         </p:nvCxnSpPr>
         <p:spPr>
           <a:xfrm flipH="1">
-            <a:off x="6154118" y="6230313"/>
+            <a:off x="6207907" y="4326210"/>
             <a:ext cx="1461693" cy="30312"/>
           </a:xfrm>
           <a:prstGeom prst="line">
@@ -6316,10 +6433,10 @@
       </p:cxnSp>
       <p:cxnSp>
         <p:nvCxnSpPr>
-          <p:cNvPr id="56" name="直線コネクタ 55">
-            <a:extLst>
-              <a:ext uri="{FF2B5EF4-FFF2-40B4-BE49-F238E27FC236}">
-                <a16:creationId xmlns:a16="http://schemas.microsoft.com/office/drawing/2014/main" id="{4A1EE3B3-D37E-4045-A964-E0F94D402FCA}"/>
+          <p:cNvPr id="17" name="直線コネクタ 16">
+            <a:extLst>
+              <a:ext uri="{FF2B5EF4-FFF2-40B4-BE49-F238E27FC236}">
+                <a16:creationId xmlns:a16="http://schemas.microsoft.com/office/drawing/2014/main" id="{ECAA21AB-5213-E54E-A6B6-4D665DC2808D}"/>
               </a:ext>
             </a:extLst>
           </p:cNvPr>
@@ -6330,7 +6447,7 @@
         </p:nvCxnSpPr>
         <p:spPr>
           <a:xfrm>
-            <a:off x="9531673" y="4517072"/>
+            <a:off x="9585462" y="2612969"/>
             <a:ext cx="273399" cy="385872"/>
           </a:xfrm>
           <a:prstGeom prst="line">
@@ -6361,10 +6478,10 @@
       </p:cxnSp>
       <p:sp>
         <p:nvSpPr>
-          <p:cNvPr id="57" name="正方形/長方形 56">
-            <a:extLst>
-              <a:ext uri="{FF2B5EF4-FFF2-40B4-BE49-F238E27FC236}">
-                <a16:creationId xmlns:a16="http://schemas.microsoft.com/office/drawing/2014/main" id="{8BE183E3-2565-4A44-AC48-F3AF611FAFC8}"/>
+          <p:cNvPr id="18" name="正方形/長方形 17">
+            <a:extLst>
+              <a:ext uri="{FF2B5EF4-FFF2-40B4-BE49-F238E27FC236}">
+                <a16:creationId xmlns:a16="http://schemas.microsoft.com/office/drawing/2014/main" id="{1A65221B-D3A7-B842-947D-716EE4CAB58C}"/>
               </a:ext>
             </a:extLst>
           </p:cNvPr>
@@ -6373,7 +6490,7 @@
         </p:nvSpPr>
         <p:spPr>
           <a:xfrm>
-            <a:off x="947867" y="6033999"/>
+            <a:off x="1001656" y="4129896"/>
             <a:ext cx="1471709" cy="367023"/>
           </a:xfrm>
           <a:prstGeom prst="rect">
@@ -6413,10 +6530,10 @@
       </p:sp>
       <p:cxnSp>
         <p:nvCxnSpPr>
-          <p:cNvPr id="58" name="直線コネクタ 57">
-            <a:extLst>
-              <a:ext uri="{FF2B5EF4-FFF2-40B4-BE49-F238E27FC236}">
-                <a16:creationId xmlns:a16="http://schemas.microsoft.com/office/drawing/2014/main" id="{1ED56542-FB30-CA46-A5FC-7427D124E9C4}"/>
+          <p:cNvPr id="19" name="直線コネクタ 18">
+            <a:extLst>
+              <a:ext uri="{FF2B5EF4-FFF2-40B4-BE49-F238E27FC236}">
+                <a16:creationId xmlns:a16="http://schemas.microsoft.com/office/drawing/2014/main" id="{ED210E90-CB65-EA41-883E-FA38033232CD}"/>
               </a:ext>
             </a:extLst>
           </p:cNvPr>
@@ -6427,7 +6544,7 @@
         </p:nvCxnSpPr>
         <p:spPr>
           <a:xfrm flipH="1" flipV="1">
-            <a:off x="947867" y="6569531"/>
+            <a:off x="1001656" y="4665428"/>
             <a:ext cx="1471710" cy="1"/>
           </a:xfrm>
           <a:prstGeom prst="line">
@@ -6458,10 +6575,10 @@
       </p:cxnSp>
       <p:sp>
         <p:nvSpPr>
-          <p:cNvPr id="59" name="テキスト ボックス 58">
-            <a:extLst>
-              <a:ext uri="{FF2B5EF4-FFF2-40B4-BE49-F238E27FC236}">
-                <a16:creationId xmlns:a16="http://schemas.microsoft.com/office/drawing/2014/main" id="{01CE8E2D-8DD3-9547-A1FC-4DC5AE1D218D}"/>
+          <p:cNvPr id="20" name="テキスト ボックス 19">
+            <a:extLst>
+              <a:ext uri="{FF2B5EF4-FFF2-40B4-BE49-F238E27FC236}">
+                <a16:creationId xmlns:a16="http://schemas.microsoft.com/office/drawing/2014/main" id="{8401BA41-E284-EC4A-B39C-B6D022E97B58}"/>
               </a:ext>
             </a:extLst>
           </p:cNvPr>
@@ -6470,7 +6587,7 @@
         </p:nvSpPr>
         <p:spPr>
           <a:xfrm>
-            <a:off x="2786789" y="5665381"/>
+            <a:off x="2840578" y="3761278"/>
             <a:ext cx="596638" cy="307777"/>
           </a:xfrm>
           <a:prstGeom prst="rect">
@@ -6494,10 +6611,10 @@
       </p:sp>
       <p:sp>
         <p:nvSpPr>
-          <p:cNvPr id="61" name="正方形/長方形 60">
-            <a:extLst>
-              <a:ext uri="{FF2B5EF4-FFF2-40B4-BE49-F238E27FC236}">
-                <a16:creationId xmlns:a16="http://schemas.microsoft.com/office/drawing/2014/main" id="{12058BEA-7497-C34D-8481-A1F46B26DFAF}"/>
+          <p:cNvPr id="21" name="正方形/長方形 20">
+            <a:extLst>
+              <a:ext uri="{FF2B5EF4-FFF2-40B4-BE49-F238E27FC236}">
+                <a16:creationId xmlns:a16="http://schemas.microsoft.com/office/drawing/2014/main" id="{E9DF2B96-A062-B641-978E-A0F9DC5A46AF}"/>
               </a:ext>
             </a:extLst>
           </p:cNvPr>
@@ -6506,7 +6623,7 @@
         </p:nvSpPr>
         <p:spPr>
           <a:xfrm>
-            <a:off x="5103110" y="6032499"/>
+            <a:off x="5156899" y="4128396"/>
             <a:ext cx="617988" cy="367023"/>
           </a:xfrm>
           <a:prstGeom prst="rect">
@@ -6546,10 +6663,10 @@
       </p:sp>
       <p:cxnSp>
         <p:nvCxnSpPr>
-          <p:cNvPr id="63" name="直線コネクタ 62">
-            <a:extLst>
-              <a:ext uri="{FF2B5EF4-FFF2-40B4-BE49-F238E27FC236}">
-                <a16:creationId xmlns:a16="http://schemas.microsoft.com/office/drawing/2014/main" id="{77E33F9F-9D90-524E-A102-158E93AA9A12}"/>
+          <p:cNvPr id="22" name="直線コネクタ 21">
+            <a:extLst>
+              <a:ext uri="{FF2B5EF4-FFF2-40B4-BE49-F238E27FC236}">
+                <a16:creationId xmlns:a16="http://schemas.microsoft.com/office/drawing/2014/main" id="{B4165836-439C-844C-8A8F-5BEADE339882}"/>
               </a:ext>
             </a:extLst>
           </p:cNvPr>
@@ -6560,7 +6677,7 @@
         </p:nvCxnSpPr>
         <p:spPr>
           <a:xfrm flipH="1" flipV="1">
-            <a:off x="2537915" y="6213359"/>
+            <a:off x="2591704" y="4309256"/>
             <a:ext cx="777146" cy="1"/>
           </a:xfrm>
           <a:prstGeom prst="line">
@@ -6592,10 +6709,10 @@
       </p:cxnSp>
       <p:sp>
         <p:nvSpPr>
-          <p:cNvPr id="65" name="テキスト ボックス 64">
-            <a:extLst>
-              <a:ext uri="{FF2B5EF4-FFF2-40B4-BE49-F238E27FC236}">
-                <a16:creationId xmlns:a16="http://schemas.microsoft.com/office/drawing/2014/main" id="{B1AC98FA-E454-0443-B118-4853D63F8E5C}"/>
+          <p:cNvPr id="23" name="テキスト ボックス 22">
+            <a:extLst>
+              <a:ext uri="{FF2B5EF4-FFF2-40B4-BE49-F238E27FC236}">
+                <a16:creationId xmlns:a16="http://schemas.microsoft.com/office/drawing/2014/main" id="{8614A0EB-4A82-9C4D-941E-0A7AF0C03435}"/>
               </a:ext>
             </a:extLst>
           </p:cNvPr>
@@ -6604,7 +6721,7 @@
         </p:nvSpPr>
         <p:spPr>
           <a:xfrm>
-            <a:off x="5083876" y="6471098"/>
+            <a:off x="5137665" y="4566995"/>
             <a:ext cx="867545" cy="307777"/>
           </a:xfrm>
           <a:prstGeom prst="rect">
@@ -6628,10 +6745,10 @@
       </p:sp>
       <p:sp>
         <p:nvSpPr>
-          <p:cNvPr id="66" name="テキスト ボックス 65">
-            <a:extLst>
-              <a:ext uri="{FF2B5EF4-FFF2-40B4-BE49-F238E27FC236}">
-                <a16:creationId xmlns:a16="http://schemas.microsoft.com/office/drawing/2014/main" id="{82998430-F8E8-8047-B41F-D4439E42BAC2}"/>
+          <p:cNvPr id="24" name="テキスト ボックス 23">
+            <a:extLst>
+              <a:ext uri="{FF2B5EF4-FFF2-40B4-BE49-F238E27FC236}">
+                <a16:creationId xmlns:a16="http://schemas.microsoft.com/office/drawing/2014/main" id="{F63708FC-7255-D14A-BD47-9EB31747024A}"/>
               </a:ext>
             </a:extLst>
           </p:cNvPr>
@@ -6640,7 +6757,7 @@
         </p:nvSpPr>
         <p:spPr>
           <a:xfrm>
-            <a:off x="1072015" y="6599074"/>
+            <a:off x="1125804" y="4694971"/>
             <a:ext cx="1223412" cy="307777"/>
           </a:xfrm>
           <a:prstGeom prst="rect">
@@ -6664,10 +6781,10 @@
       </p:sp>
       <p:sp>
         <p:nvSpPr>
-          <p:cNvPr id="67" name="テキスト ボックス 66">
-            <a:extLst>
-              <a:ext uri="{FF2B5EF4-FFF2-40B4-BE49-F238E27FC236}">
-                <a16:creationId xmlns:a16="http://schemas.microsoft.com/office/drawing/2014/main" id="{9CAFCB96-37B7-5B48-A717-73CDE83DC837}"/>
+          <p:cNvPr id="25" name="テキスト ボックス 24">
+            <a:extLst>
+              <a:ext uri="{FF2B5EF4-FFF2-40B4-BE49-F238E27FC236}">
+                <a16:creationId xmlns:a16="http://schemas.microsoft.com/office/drawing/2014/main" id="{4A098FC3-F04C-7C4B-BE41-F3E3D5F964AB}"/>
               </a:ext>
             </a:extLst>
           </p:cNvPr>
@@ -6676,7 +6793,7 @@
         </p:nvSpPr>
         <p:spPr>
           <a:xfrm>
-            <a:off x="3603527" y="6595583"/>
+            <a:off x="3657316" y="4691480"/>
             <a:ext cx="1223412" cy="307777"/>
           </a:xfrm>
           <a:prstGeom prst="rect">
@@ -6700,10 +6817,10 @@
       </p:sp>
       <p:cxnSp>
         <p:nvCxnSpPr>
-          <p:cNvPr id="69" name="直線コネクタ 68">
-            <a:extLst>
-              <a:ext uri="{FF2B5EF4-FFF2-40B4-BE49-F238E27FC236}">
-                <a16:creationId xmlns:a16="http://schemas.microsoft.com/office/drawing/2014/main" id="{DC6584FD-3187-3442-9C2F-29232D93B965}"/>
+          <p:cNvPr id="26" name="直線コネクタ 25">
+            <a:extLst>
+              <a:ext uri="{FF2B5EF4-FFF2-40B4-BE49-F238E27FC236}">
+                <a16:creationId xmlns:a16="http://schemas.microsoft.com/office/drawing/2014/main" id="{D12BADEF-E885-9A46-8E88-205B7B6405C5}"/>
               </a:ext>
             </a:extLst>
           </p:cNvPr>
@@ -6714,7 +6831,7 @@
         </p:nvCxnSpPr>
         <p:spPr>
           <a:xfrm flipH="1">
-            <a:off x="947867" y="5900665"/>
+            <a:off x="1001656" y="3996562"/>
             <a:ext cx="4773231" cy="1"/>
           </a:xfrm>
           <a:prstGeom prst="line">
@@ -6746,10 +6863,10 @@
       </p:cxnSp>
       <p:cxnSp>
         <p:nvCxnSpPr>
-          <p:cNvPr id="71" name="直線コネクタ 70">
-            <a:extLst>
-              <a:ext uri="{FF2B5EF4-FFF2-40B4-BE49-F238E27FC236}">
-                <a16:creationId xmlns:a16="http://schemas.microsoft.com/office/drawing/2014/main" id="{D9D005DE-41FA-C146-B77D-896979DF7622}"/>
+          <p:cNvPr id="27" name="直線コネクタ 26">
+            <a:extLst>
+              <a:ext uri="{FF2B5EF4-FFF2-40B4-BE49-F238E27FC236}">
+                <a16:creationId xmlns:a16="http://schemas.microsoft.com/office/drawing/2014/main" id="{FC3FC715-54F7-C447-A9E2-D1C71A4FB375}"/>
               </a:ext>
             </a:extLst>
           </p:cNvPr>
@@ -6760,7 +6877,7 @@
         </p:nvCxnSpPr>
         <p:spPr>
           <a:xfrm flipH="1" flipV="1">
-            <a:off x="8709494" y="5182609"/>
+            <a:off x="8763283" y="3278506"/>
             <a:ext cx="1" cy="851390"/>
           </a:xfrm>
           <a:prstGeom prst="line">
@@ -6791,10 +6908,10 @@
       </p:cxnSp>
       <p:cxnSp>
         <p:nvCxnSpPr>
-          <p:cNvPr id="72" name="直線コネクタ 71">
-            <a:extLst>
-              <a:ext uri="{FF2B5EF4-FFF2-40B4-BE49-F238E27FC236}">
-                <a16:creationId xmlns:a16="http://schemas.microsoft.com/office/drawing/2014/main" id="{27C220C0-78AB-6E4C-96D8-EA121FCF540E}"/>
+          <p:cNvPr id="28" name="直線コネクタ 27">
+            <a:extLst>
+              <a:ext uri="{FF2B5EF4-FFF2-40B4-BE49-F238E27FC236}">
+                <a16:creationId xmlns:a16="http://schemas.microsoft.com/office/drawing/2014/main" id="{525AF841-0E0B-3749-A6BA-4746DE68A82E}"/>
               </a:ext>
             </a:extLst>
           </p:cNvPr>
@@ -6805,7 +6922,7 @@
         </p:nvCxnSpPr>
         <p:spPr>
           <a:xfrm flipH="1" flipV="1">
-            <a:off x="8893423" y="5208074"/>
+            <a:off x="8947212" y="3303971"/>
             <a:ext cx="1" cy="851390"/>
           </a:xfrm>
           <a:prstGeom prst="line">
@@ -6836,10 +6953,10 @@
       </p:cxnSp>
       <p:sp>
         <p:nvSpPr>
-          <p:cNvPr id="73" name="テキスト ボックス 72">
-            <a:extLst>
-              <a:ext uri="{FF2B5EF4-FFF2-40B4-BE49-F238E27FC236}">
-                <a16:creationId xmlns:a16="http://schemas.microsoft.com/office/drawing/2014/main" id="{EF961907-DD18-BF41-8598-3752304C2C58}"/>
+          <p:cNvPr id="29" name="テキスト ボックス 28">
+            <a:extLst>
+              <a:ext uri="{FF2B5EF4-FFF2-40B4-BE49-F238E27FC236}">
+                <a16:creationId xmlns:a16="http://schemas.microsoft.com/office/drawing/2014/main" id="{5B1E5052-6EA4-9A4F-873B-DBC28B063C13}"/>
               </a:ext>
             </a:extLst>
           </p:cNvPr>
@@ -6848,7 +6965,7 @@
         </p:nvSpPr>
         <p:spPr>
           <a:xfrm>
-            <a:off x="4084308" y="5483734"/>
+            <a:off x="4138097" y="3579631"/>
             <a:ext cx="2967479" cy="307777"/>
           </a:xfrm>
           <a:prstGeom prst="rect">
@@ -6888,10 +7005,10 @@
       </p:sp>
       <p:sp>
         <p:nvSpPr>
-          <p:cNvPr id="74" name="テキスト ボックス 73">
-            <a:extLst>
-              <a:ext uri="{FF2B5EF4-FFF2-40B4-BE49-F238E27FC236}">
-                <a16:creationId xmlns:a16="http://schemas.microsoft.com/office/drawing/2014/main" id="{A57381CA-2D48-9E4C-8D6E-28D325687876}"/>
+          <p:cNvPr id="30" name="テキスト ボックス 29">
+            <a:extLst>
+              <a:ext uri="{FF2B5EF4-FFF2-40B4-BE49-F238E27FC236}">
+                <a16:creationId xmlns:a16="http://schemas.microsoft.com/office/drawing/2014/main" id="{703FCB05-CEA5-EF41-83A8-D87EC2FB5A12}"/>
               </a:ext>
             </a:extLst>
           </p:cNvPr>
@@ -6900,7 +7017,7 @@
         </p:nvSpPr>
         <p:spPr>
           <a:xfrm>
-            <a:off x="8867019" y="5541412"/>
+            <a:off x="8920808" y="3637309"/>
             <a:ext cx="2513830" cy="307777"/>
           </a:xfrm>
           <a:prstGeom prst="rect">
@@ -6936,10 +7053,10 @@
       </p:sp>
       <p:sp>
         <p:nvSpPr>
-          <p:cNvPr id="76" name="円弧 75">
-            <a:extLst>
-              <a:ext uri="{FF2B5EF4-FFF2-40B4-BE49-F238E27FC236}">
-                <a16:creationId xmlns:a16="http://schemas.microsoft.com/office/drawing/2014/main" id="{7CB20B64-B26C-2940-AA19-7CBC51824E49}"/>
+          <p:cNvPr id="31" name="円弧 30">
+            <a:extLst>
+              <a:ext uri="{FF2B5EF4-FFF2-40B4-BE49-F238E27FC236}">
+                <a16:creationId xmlns:a16="http://schemas.microsoft.com/office/drawing/2014/main" id="{8EC17296-B2A1-604A-BBEA-94D317B72028}"/>
               </a:ext>
             </a:extLst>
           </p:cNvPr>
@@ -6948,7 +7065,7 @@
         </p:nvSpPr>
         <p:spPr>
           <a:xfrm flipV="1">
-            <a:off x="10051111" y="4854002"/>
+            <a:off x="10104900" y="2949899"/>
             <a:ext cx="226142" cy="490497"/>
           </a:xfrm>
           <a:prstGeom prst="arc">
@@ -6991,7 +7108,2553 @@
     </p:spTree>
     <p:extLst>
       <p:ext uri="{BB962C8B-B14F-4D97-AF65-F5344CB8AC3E}">
-        <p14:creationId xmlns:p14="http://schemas.microsoft.com/office/powerpoint/2010/main" val="1491672620"/>
+        <p14:creationId xmlns:p14="http://schemas.microsoft.com/office/powerpoint/2010/main" val="2951845001"/>
+      </p:ext>
+    </p:extLst>
+  </p:cSld>
+  <p:clrMapOvr>
+    <a:masterClrMapping/>
+  </p:clrMapOvr>
+</p:sld>
+</file>
+
+<file path=ppt/slides/slide4.xml><?xml version="1.0" encoding="utf-8"?>
+<p:sld xmlns:a="http://schemas.openxmlformats.org/drawingml/2006/main" xmlns:r="http://schemas.openxmlformats.org/officeDocument/2006/relationships" xmlns:p="http://schemas.openxmlformats.org/presentationml/2006/main">
+  <p:cSld>
+    <p:spTree>
+      <p:nvGrpSpPr>
+        <p:cNvPr id="1" name=""/>
+        <p:cNvGrpSpPr/>
+        <p:nvPr/>
+      </p:nvGrpSpPr>
+      <p:grpSpPr>
+        <a:xfrm>
+          <a:off x="0" y="0"/>
+          <a:ext cx="0" cy="0"/>
+          <a:chOff x="0" y="0"/>
+          <a:chExt cx="0" cy="0"/>
+        </a:xfrm>
+      </p:grpSpPr>
+      <p:sp>
+        <p:nvSpPr>
+          <p:cNvPr id="2" name="正方形/長方形 1">
+            <a:extLst>
+              <a:ext uri="{FF2B5EF4-FFF2-40B4-BE49-F238E27FC236}">
+                <a16:creationId xmlns:a16="http://schemas.microsoft.com/office/drawing/2014/main" id="{84DEF028-1AE1-CB46-8C18-E88C3A740126}"/>
+              </a:ext>
+            </a:extLst>
+          </p:cNvPr>
+          <p:cNvSpPr/>
+          <p:nvPr/>
+        </p:nvSpPr>
+        <p:spPr>
+          <a:xfrm>
+            <a:off x="1693297" y="1630667"/>
+            <a:ext cx="3130477" cy="3823461"/>
+          </a:xfrm>
+          <a:prstGeom prst="rect">
+            <a:avLst/>
+          </a:prstGeom>
+          <a:noFill/>
+          <a:ln w="28575">
+            <a:solidFill>
+              <a:schemeClr val="tx1"/>
+            </a:solidFill>
+          </a:ln>
+        </p:spPr>
+        <p:style>
+          <a:lnRef idx="2">
+            <a:schemeClr val="accent1">
+              <a:shade val="50000"/>
+            </a:schemeClr>
+          </a:lnRef>
+          <a:fillRef idx="1">
+            <a:schemeClr val="accent1"/>
+          </a:fillRef>
+          <a:effectRef idx="0">
+            <a:schemeClr val="accent1"/>
+          </a:effectRef>
+          <a:fontRef idx="minor">
+            <a:schemeClr val="lt1"/>
+          </a:fontRef>
+        </p:style>
+        <p:txBody>
+          <a:bodyPr rtlCol="0" anchor="ctr"/>
+          <a:lstStyle/>
+          <a:p>
+            <a:pPr algn="r"/>
+            <a:endParaRPr kumimoji="1" lang="ja-JP" altLang="en-US"/>
+          </a:p>
+        </p:txBody>
+      </p:sp>
+      <p:sp>
+        <p:nvSpPr>
+          <p:cNvPr id="3" name="正方形/長方形 2">
+            <a:extLst>
+              <a:ext uri="{FF2B5EF4-FFF2-40B4-BE49-F238E27FC236}">
+                <a16:creationId xmlns:a16="http://schemas.microsoft.com/office/drawing/2014/main" id="{F2348D59-C48D-594F-A468-BCF2133B83D1}"/>
+              </a:ext>
+            </a:extLst>
+          </p:cNvPr>
+          <p:cNvSpPr/>
+          <p:nvPr/>
+        </p:nvSpPr>
+        <p:spPr>
+          <a:xfrm>
+            <a:off x="7026536" y="1623153"/>
+            <a:ext cx="3130477" cy="3830976"/>
+          </a:xfrm>
+          <a:prstGeom prst="rect">
+            <a:avLst/>
+          </a:prstGeom>
+          <a:noFill/>
+          <a:ln w="28575">
+            <a:solidFill>
+              <a:schemeClr val="tx1"/>
+            </a:solidFill>
+          </a:ln>
+        </p:spPr>
+        <p:style>
+          <a:lnRef idx="2">
+            <a:schemeClr val="accent1">
+              <a:shade val="50000"/>
+            </a:schemeClr>
+          </a:lnRef>
+          <a:fillRef idx="1">
+            <a:schemeClr val="accent1"/>
+          </a:fillRef>
+          <a:effectRef idx="0">
+            <a:schemeClr val="accent1"/>
+          </a:effectRef>
+          <a:fontRef idx="minor">
+            <a:schemeClr val="lt1"/>
+          </a:fontRef>
+        </p:style>
+        <p:txBody>
+          <a:bodyPr rtlCol="0" anchor="ctr"/>
+          <a:lstStyle/>
+          <a:p>
+            <a:pPr algn="ctr"/>
+            <a:endParaRPr kumimoji="1" lang="ja-JP" altLang="en-US"/>
+          </a:p>
+        </p:txBody>
+      </p:sp>
+      <p:cxnSp>
+        <p:nvCxnSpPr>
+          <p:cNvPr id="4" name="直線コネクタ 3">
+            <a:extLst>
+              <a:ext uri="{FF2B5EF4-FFF2-40B4-BE49-F238E27FC236}">
+                <a16:creationId xmlns:a16="http://schemas.microsoft.com/office/drawing/2014/main" id="{AEAC2FE1-A890-8D48-A004-9372B6302EE3}"/>
+              </a:ext>
+            </a:extLst>
+          </p:cNvPr>
+          <p:cNvCxnSpPr/>
+          <p:nvPr/>
+        </p:nvCxnSpPr>
+        <p:spPr>
+          <a:xfrm>
+            <a:off x="4916246" y="4647308"/>
+            <a:ext cx="2140770" cy="0"/>
+          </a:xfrm>
+          <a:prstGeom prst="line">
+            <a:avLst/>
+          </a:prstGeom>
+          <a:ln w="19050">
+            <a:solidFill>
+              <a:schemeClr val="tx1"/>
+            </a:solidFill>
+            <a:headEnd type="none" w="med" len="med"/>
+            <a:tailEnd type="arrow" w="lg" len="lg"/>
+          </a:ln>
+        </p:spPr>
+        <p:style>
+          <a:lnRef idx="1">
+            <a:schemeClr val="accent1"/>
+          </a:lnRef>
+          <a:fillRef idx="0">
+            <a:schemeClr val="accent1"/>
+          </a:fillRef>
+          <a:effectRef idx="0">
+            <a:schemeClr val="accent1"/>
+          </a:effectRef>
+          <a:fontRef idx="minor">
+            <a:schemeClr val="tx1"/>
+          </a:fontRef>
+        </p:style>
+      </p:cxnSp>
+      <p:cxnSp>
+        <p:nvCxnSpPr>
+          <p:cNvPr id="5" name="直線コネクタ 4">
+            <a:extLst>
+              <a:ext uri="{FF2B5EF4-FFF2-40B4-BE49-F238E27FC236}">
+                <a16:creationId xmlns:a16="http://schemas.microsoft.com/office/drawing/2014/main" id="{3F4DD579-37CF-504E-96E6-AB9DBF8312FF}"/>
+              </a:ext>
+            </a:extLst>
+          </p:cNvPr>
+          <p:cNvCxnSpPr>
+            <a:cxnSpLocks/>
+          </p:cNvCxnSpPr>
+          <p:nvPr/>
+        </p:nvCxnSpPr>
+        <p:spPr>
+          <a:xfrm flipH="1">
+            <a:off x="4885766" y="4851999"/>
+            <a:ext cx="2140770" cy="0"/>
+          </a:xfrm>
+          <a:prstGeom prst="line">
+            <a:avLst/>
+          </a:prstGeom>
+          <a:ln w="19050">
+            <a:solidFill>
+              <a:schemeClr val="tx1"/>
+            </a:solidFill>
+            <a:headEnd type="none" w="med" len="med"/>
+            <a:tailEnd type="arrow" w="lg" len="lg"/>
+          </a:ln>
+        </p:spPr>
+        <p:style>
+          <a:lnRef idx="1">
+            <a:schemeClr val="accent1"/>
+          </a:lnRef>
+          <a:fillRef idx="0">
+            <a:schemeClr val="accent1"/>
+          </a:fillRef>
+          <a:effectRef idx="0">
+            <a:schemeClr val="accent1"/>
+          </a:effectRef>
+          <a:fontRef idx="minor">
+            <a:schemeClr val="tx1"/>
+          </a:fontRef>
+        </p:style>
+      </p:cxnSp>
+      <p:cxnSp>
+        <p:nvCxnSpPr>
+          <p:cNvPr id="6" name="直線コネクタ 5">
+            <a:extLst>
+              <a:ext uri="{FF2B5EF4-FFF2-40B4-BE49-F238E27FC236}">
+                <a16:creationId xmlns:a16="http://schemas.microsoft.com/office/drawing/2014/main" id="{4219E894-E475-4642-940A-8EDB25441525}"/>
+              </a:ext>
+            </a:extLst>
+          </p:cNvPr>
+          <p:cNvCxnSpPr/>
+          <p:nvPr/>
+        </p:nvCxnSpPr>
+        <p:spPr>
+          <a:xfrm>
+            <a:off x="4916246" y="4386349"/>
+            <a:ext cx="2140770" cy="0"/>
+          </a:xfrm>
+          <a:prstGeom prst="line">
+            <a:avLst/>
+          </a:prstGeom>
+          <a:ln w="19050">
+            <a:solidFill>
+              <a:schemeClr val="tx1"/>
+            </a:solidFill>
+            <a:prstDash val="dash"/>
+            <a:headEnd type="none" w="med" len="med"/>
+            <a:tailEnd type="arrow" w="lg" len="lg"/>
+          </a:ln>
+        </p:spPr>
+        <p:style>
+          <a:lnRef idx="1">
+            <a:schemeClr val="accent1"/>
+          </a:lnRef>
+          <a:fillRef idx="0">
+            <a:schemeClr val="accent1"/>
+          </a:fillRef>
+          <a:effectRef idx="0">
+            <a:schemeClr val="accent1"/>
+          </a:effectRef>
+          <a:fontRef idx="minor">
+            <a:schemeClr val="tx1"/>
+          </a:fontRef>
+        </p:style>
+      </p:cxnSp>
+      <p:cxnSp>
+        <p:nvCxnSpPr>
+          <p:cNvPr id="7" name="直線コネクタ 6">
+            <a:extLst>
+              <a:ext uri="{FF2B5EF4-FFF2-40B4-BE49-F238E27FC236}">
+                <a16:creationId xmlns:a16="http://schemas.microsoft.com/office/drawing/2014/main" id="{655F6B55-24B3-7B40-8088-3A2FB616C662}"/>
+              </a:ext>
+            </a:extLst>
+          </p:cNvPr>
+          <p:cNvCxnSpPr/>
+          <p:nvPr/>
+        </p:nvCxnSpPr>
+        <p:spPr>
+          <a:xfrm>
+            <a:off x="4916246" y="5102420"/>
+            <a:ext cx="2140770" cy="0"/>
+          </a:xfrm>
+          <a:prstGeom prst="line">
+            <a:avLst/>
+          </a:prstGeom>
+          <a:ln w="19050">
+            <a:solidFill>
+              <a:schemeClr val="tx1"/>
+            </a:solidFill>
+            <a:prstDash val="dash"/>
+            <a:headEnd type="none" w="med" len="med"/>
+            <a:tailEnd type="arrow" w="lg" len="lg"/>
+          </a:ln>
+        </p:spPr>
+        <p:style>
+          <a:lnRef idx="1">
+            <a:schemeClr val="accent1"/>
+          </a:lnRef>
+          <a:fillRef idx="0">
+            <a:schemeClr val="accent1"/>
+          </a:fillRef>
+          <a:effectRef idx="0">
+            <a:schemeClr val="accent1"/>
+          </a:effectRef>
+          <a:fontRef idx="minor">
+            <a:schemeClr val="tx1"/>
+          </a:fontRef>
+        </p:style>
+      </p:cxnSp>
+      <p:sp>
+        <p:nvSpPr>
+          <p:cNvPr id="8" name="円弧 7">
+            <a:extLst>
+              <a:ext uri="{FF2B5EF4-FFF2-40B4-BE49-F238E27FC236}">
+                <a16:creationId xmlns:a16="http://schemas.microsoft.com/office/drawing/2014/main" id="{29780B7D-F564-4044-91A5-C660AD1110A9}"/>
+              </a:ext>
+            </a:extLst>
+          </p:cNvPr>
+          <p:cNvSpPr/>
+          <p:nvPr/>
+        </p:nvSpPr>
+        <p:spPr>
+          <a:xfrm flipH="1">
+            <a:off x="5322074" y="4543613"/>
+            <a:ext cx="323590" cy="433597"/>
+          </a:xfrm>
+          <a:prstGeom prst="arc">
+            <a:avLst>
+              <a:gd name="adj1" fmla="val 15557113"/>
+              <a:gd name="adj2" fmla="val 7039140"/>
+            </a:avLst>
+          </a:prstGeom>
+          <a:ln>
+            <a:solidFill>
+              <a:schemeClr val="tx1"/>
+            </a:solidFill>
+            <a:headEnd type="none" w="med" len="med"/>
+            <a:tailEnd type="arrow" w="med" len="med"/>
+          </a:ln>
+        </p:spPr>
+        <p:style>
+          <a:lnRef idx="1">
+            <a:schemeClr val="accent1"/>
+          </a:lnRef>
+          <a:fillRef idx="0">
+            <a:schemeClr val="accent1"/>
+          </a:fillRef>
+          <a:effectRef idx="0">
+            <a:schemeClr val="accent1"/>
+          </a:effectRef>
+          <a:fontRef idx="minor">
+            <a:schemeClr val="tx1"/>
+          </a:fontRef>
+        </p:style>
+        <p:txBody>
+          <a:bodyPr rtlCol="0" anchor="ctr"/>
+          <a:lstStyle/>
+          <a:p>
+            <a:pPr algn="ctr"/>
+            <a:endParaRPr kumimoji="1" lang="ja-JP" altLang="en-US"/>
+          </a:p>
+        </p:txBody>
+      </p:sp>
+      <p:sp>
+        <p:nvSpPr>
+          <p:cNvPr id="9" name="テキスト ボックス 8">
+            <a:extLst>
+              <a:ext uri="{FF2B5EF4-FFF2-40B4-BE49-F238E27FC236}">
+                <a16:creationId xmlns:a16="http://schemas.microsoft.com/office/drawing/2014/main" id="{6453605D-9D16-0C43-92D4-01D6373947D8}"/>
+              </a:ext>
+            </a:extLst>
+          </p:cNvPr>
+          <p:cNvSpPr txBox="1"/>
+          <p:nvPr/>
+        </p:nvSpPr>
+        <p:spPr>
+          <a:xfrm>
+            <a:off x="5694687" y="4606243"/>
+            <a:ext cx="902811" cy="307777"/>
+          </a:xfrm>
+          <a:prstGeom prst="rect">
+            <a:avLst/>
+          </a:prstGeom>
+          <a:noFill/>
+        </p:spPr>
+        <p:txBody>
+          <a:bodyPr wrap="none" rtlCol="0">
+            <a:spAutoFit/>
+          </a:bodyPr>
+          <a:lstStyle/>
+          <a:p>
+            <a:r>
+              <a:rPr kumimoji="1" lang="ja-JP" altLang="en-US" sz="1400"/>
+              <a:t>繰り返し</a:t>
+            </a:r>
+          </a:p>
+        </p:txBody>
+      </p:sp>
+      <p:sp>
+        <p:nvSpPr>
+          <p:cNvPr id="10" name="テキスト ボックス 9">
+            <a:extLst>
+              <a:ext uri="{FF2B5EF4-FFF2-40B4-BE49-F238E27FC236}">
+                <a16:creationId xmlns:a16="http://schemas.microsoft.com/office/drawing/2014/main" id="{CDEA1C7C-B1EC-B348-BDBE-D1FF0CA6D78C}"/>
+              </a:ext>
+            </a:extLst>
+          </p:cNvPr>
+          <p:cNvSpPr txBox="1"/>
+          <p:nvPr/>
+        </p:nvSpPr>
+        <p:spPr>
+          <a:xfrm>
+            <a:off x="7107235" y="2926523"/>
+            <a:ext cx="2215671" cy="2308324"/>
+          </a:xfrm>
+          <a:prstGeom prst="rect">
+            <a:avLst/>
+          </a:prstGeom>
+          <a:noFill/>
+        </p:spPr>
+        <p:txBody>
+          <a:bodyPr wrap="none" rtlCol="0">
+            <a:spAutoFit/>
+          </a:bodyPr>
+          <a:lstStyle/>
+          <a:p>
+            <a:r>
+              <a:rPr lang="en-US" altLang="ja-JP" sz="1600" dirty="0"/>
+              <a:t>PSK</a:t>
+            </a:r>
+            <a:r>
+              <a:rPr lang="ja-JP" altLang="en-US" sz="1600"/>
+              <a:t>コールバック</a:t>
+            </a:r>
+            <a:r>
+              <a:rPr lang="en-US" altLang="ja-JP" sz="1600" dirty="0"/>
+              <a:t>() {</a:t>
+            </a:r>
+          </a:p>
+          <a:p>
+            <a:r>
+              <a:rPr lang="en-US" altLang="ja-JP" sz="1600" dirty="0"/>
+              <a:t>   </a:t>
+            </a:r>
+            <a:r>
+              <a:rPr lang="ja-JP" altLang="en-US" sz="1600"/>
+              <a:t>　　</a:t>
+            </a:r>
+            <a:r>
+              <a:rPr lang="en-US" altLang="ja-JP" sz="1600" u="sng" dirty="0"/>
+              <a:t>ID</a:t>
+            </a:r>
+            <a:r>
+              <a:rPr lang="ja-JP" altLang="en-US" sz="1600"/>
+              <a:t>から鍵を得る</a:t>
+            </a:r>
+            <a:endParaRPr lang="en-US" altLang="ja-JP" sz="1600" dirty="0"/>
+          </a:p>
+          <a:p>
+            <a:r>
+              <a:rPr lang="en-US" altLang="ja-JP" sz="1600" dirty="0"/>
+              <a:t>}</a:t>
+            </a:r>
+          </a:p>
+          <a:p>
+            <a:endParaRPr lang="en-US" altLang="ja-JP" sz="1600" dirty="0"/>
+          </a:p>
+          <a:p>
+            <a:endParaRPr lang="en-US" altLang="ja-JP" sz="1600" dirty="0"/>
+          </a:p>
+          <a:p>
+            <a:r>
+              <a:rPr lang="en-US" altLang="ja-JP" sz="1600" dirty="0" err="1"/>
+              <a:t>SSL_accept</a:t>
+            </a:r>
+            <a:endParaRPr lang="en-US" altLang="ja-JP" sz="1600" dirty="0"/>
+          </a:p>
+          <a:p>
+            <a:r>
+              <a:rPr lang="en-US" altLang="ja-JP" sz="1600" dirty="0" err="1"/>
+              <a:t>SSL_read</a:t>
+            </a:r>
+            <a:endParaRPr lang="en-US" altLang="ja-JP" sz="1600" dirty="0"/>
+          </a:p>
+          <a:p>
+            <a:r>
+              <a:rPr lang="en-US" altLang="ja-JP" sz="1600" dirty="0" err="1"/>
+              <a:t>SSL_write</a:t>
+            </a:r>
+            <a:endParaRPr kumimoji="1" lang="en-US" altLang="ja-JP" sz="1600" dirty="0"/>
+          </a:p>
+          <a:p>
+            <a:r>
+              <a:rPr lang="en-US" altLang="ja-JP" sz="1600" dirty="0" err="1"/>
+              <a:t>SSL_free</a:t>
+            </a:r>
+            <a:endParaRPr kumimoji="1" lang="ja-JP" altLang="en-US" sz="1600"/>
+          </a:p>
+        </p:txBody>
+      </p:sp>
+      <p:sp>
+        <p:nvSpPr>
+          <p:cNvPr id="11" name="テキスト ボックス 10">
+            <a:extLst>
+              <a:ext uri="{FF2B5EF4-FFF2-40B4-BE49-F238E27FC236}">
+                <a16:creationId xmlns:a16="http://schemas.microsoft.com/office/drawing/2014/main" id="{3E58FE1A-8BA2-3443-AFC5-6DBA7DA18772}"/>
+              </a:ext>
+            </a:extLst>
+          </p:cNvPr>
+          <p:cNvSpPr txBox="1"/>
+          <p:nvPr/>
+        </p:nvSpPr>
+        <p:spPr>
+          <a:xfrm>
+            <a:off x="2647104" y="2919009"/>
+            <a:ext cx="2199641" cy="2308324"/>
+          </a:xfrm>
+          <a:prstGeom prst="rect">
+            <a:avLst/>
+          </a:prstGeom>
+          <a:noFill/>
+        </p:spPr>
+        <p:txBody>
+          <a:bodyPr wrap="none" rtlCol="0">
+            <a:spAutoFit/>
+          </a:bodyPr>
+          <a:lstStyle/>
+          <a:p>
+            <a:r>
+              <a:rPr lang="en-US" altLang="ja-JP" sz="1600" dirty="0"/>
+              <a:t>PSK</a:t>
+            </a:r>
+            <a:r>
+              <a:rPr lang="ja-JP" altLang="en-US" sz="1600"/>
+              <a:t>コールバック</a:t>
+            </a:r>
+            <a:r>
+              <a:rPr lang="en-US" altLang="ja-JP" sz="1600" dirty="0"/>
+              <a:t>() {</a:t>
+            </a:r>
+          </a:p>
+          <a:p>
+            <a:r>
+              <a:rPr lang="en-US" altLang="ja-JP" sz="1600" dirty="0"/>
+              <a:t>    </a:t>
+            </a:r>
+            <a:r>
+              <a:rPr lang="ja-JP" altLang="en-US" sz="1600"/>
+              <a:t>鍵と</a:t>
+            </a:r>
+            <a:r>
+              <a:rPr lang="en-US" altLang="ja-JP" sz="1600" u="sng" dirty="0"/>
+              <a:t>ID</a:t>
+            </a:r>
+          </a:p>
+          <a:p>
+            <a:r>
+              <a:rPr lang="en-US" altLang="ja-JP" sz="1600" dirty="0"/>
+              <a:t>}</a:t>
+            </a:r>
+          </a:p>
+          <a:p>
+            <a:endParaRPr lang="en-US" altLang="ja-JP" sz="1600" dirty="0"/>
+          </a:p>
+          <a:p>
+            <a:endParaRPr lang="en-US" altLang="ja-JP" sz="1600" dirty="0"/>
+          </a:p>
+          <a:p>
+            <a:pPr algn="r"/>
+            <a:r>
+              <a:rPr lang="en-US" altLang="ja-JP" sz="1600" dirty="0" err="1"/>
+              <a:t>SSL_connect</a:t>
+            </a:r>
+            <a:endParaRPr lang="en-US" altLang="ja-JP" sz="1600" dirty="0"/>
+          </a:p>
+          <a:p>
+            <a:pPr algn="r"/>
+            <a:r>
+              <a:rPr lang="en-US" altLang="ja-JP" sz="1600" dirty="0" err="1"/>
+              <a:t>SSL_write</a:t>
+            </a:r>
+            <a:endParaRPr lang="en-US" altLang="ja-JP" sz="1600" dirty="0"/>
+          </a:p>
+          <a:p>
+            <a:pPr algn="r"/>
+            <a:r>
+              <a:rPr lang="en-US" altLang="ja-JP" sz="1600" dirty="0" err="1"/>
+              <a:t>SSL_read</a:t>
+            </a:r>
+            <a:endParaRPr kumimoji="1" lang="en-US" altLang="ja-JP" sz="1600" dirty="0"/>
+          </a:p>
+          <a:p>
+            <a:pPr algn="r"/>
+            <a:r>
+              <a:rPr lang="en-US" altLang="ja-JP" sz="1600" dirty="0" err="1"/>
+              <a:t>SSL_shutdown</a:t>
+            </a:r>
+            <a:endParaRPr kumimoji="1" lang="ja-JP" altLang="en-US" sz="1600"/>
+          </a:p>
+        </p:txBody>
+      </p:sp>
+      <p:sp>
+        <p:nvSpPr>
+          <p:cNvPr id="14" name="テキスト ボックス 13">
+            <a:extLst>
+              <a:ext uri="{FF2B5EF4-FFF2-40B4-BE49-F238E27FC236}">
+                <a16:creationId xmlns:a16="http://schemas.microsoft.com/office/drawing/2014/main" id="{49A2771A-3140-5943-B895-99ADD0A6EC18}"/>
+              </a:ext>
+            </a:extLst>
+          </p:cNvPr>
+          <p:cNvSpPr txBox="1"/>
+          <p:nvPr/>
+        </p:nvSpPr>
+        <p:spPr>
+          <a:xfrm>
+            <a:off x="4981377" y="1578769"/>
+            <a:ext cx="1980029" cy="400110"/>
+          </a:xfrm>
+          <a:prstGeom prst="rect">
+            <a:avLst/>
+          </a:prstGeom>
+          <a:noFill/>
+        </p:spPr>
+        <p:txBody>
+          <a:bodyPr wrap="none" rtlCol="0">
+            <a:spAutoFit/>
+          </a:bodyPr>
+          <a:lstStyle/>
+          <a:p>
+            <a:r>
+              <a:rPr lang="ja-JP" altLang="en-US" sz="2000"/>
+              <a:t>事前に鍵を合意</a:t>
+            </a:r>
+            <a:endParaRPr kumimoji="1" lang="ja-JP" altLang="en-US" sz="2000"/>
+          </a:p>
+        </p:txBody>
+      </p:sp>
+      <p:sp>
+        <p:nvSpPr>
+          <p:cNvPr id="15" name="テキスト ボックス 14">
+            <a:extLst>
+              <a:ext uri="{FF2B5EF4-FFF2-40B4-BE49-F238E27FC236}">
+                <a16:creationId xmlns:a16="http://schemas.microsoft.com/office/drawing/2014/main" id="{622B651E-C535-3846-B5AA-047E268C5CD9}"/>
+              </a:ext>
+            </a:extLst>
+          </p:cNvPr>
+          <p:cNvSpPr txBox="1"/>
+          <p:nvPr/>
+        </p:nvSpPr>
+        <p:spPr>
+          <a:xfrm>
+            <a:off x="9457588" y="1230557"/>
+            <a:ext cx="954107" cy="400110"/>
+          </a:xfrm>
+          <a:prstGeom prst="rect">
+            <a:avLst/>
+          </a:prstGeom>
+          <a:noFill/>
+        </p:spPr>
+        <p:txBody>
+          <a:bodyPr wrap="none" rtlCol="0">
+            <a:spAutoFit/>
+          </a:bodyPr>
+          <a:lstStyle/>
+          <a:p>
+            <a:r>
+              <a:rPr kumimoji="1" lang="ja-JP" altLang="en-US" sz="2000"/>
+              <a:t>サーバ</a:t>
+            </a:r>
+          </a:p>
+        </p:txBody>
+      </p:sp>
+      <p:pic>
+        <p:nvPicPr>
+          <p:cNvPr id="1026" name="Picture 2">
+            <a:extLst>
+              <a:ext uri="{FF2B5EF4-FFF2-40B4-BE49-F238E27FC236}">
+                <a16:creationId xmlns:a16="http://schemas.microsoft.com/office/drawing/2014/main" id="{EE57FE5D-629C-9545-BE01-FA5EEB112C44}"/>
+              </a:ext>
+            </a:extLst>
+          </p:cNvPr>
+          <p:cNvPicPr>
+            <a:picLocks noChangeAspect="1" noChangeArrowheads="1"/>
+          </p:cNvPicPr>
+          <p:nvPr/>
+        </p:nvPicPr>
+        <p:blipFill>
+          <a:blip r:embed="rId3">
+            <a:extLst>
+              <a:ext uri="{28A0092B-C50C-407E-A947-70E740481C1C}">
+                <a14:useLocalDpi xmlns:a14="http://schemas.microsoft.com/office/drawing/2010/main" val="0"/>
+              </a:ext>
+            </a:extLst>
+          </a:blip>
+          <a:srcRect/>
+          <a:stretch>
+            <a:fillRect/>
+          </a:stretch>
+        </p:blipFill>
+        <p:spPr bwMode="auto">
+          <a:xfrm flipH="1">
+            <a:off x="2683438" y="3964670"/>
+            <a:ext cx="641573" cy="641573"/>
+          </a:xfrm>
+          <a:prstGeom prst="rect">
+            <a:avLst/>
+          </a:prstGeom>
+          <a:noFill/>
+          <a:extLst>
+            <a:ext uri="{909E8E84-426E-40DD-AFC4-6F175D3DCCD1}">
+              <a14:hiddenFill xmlns:a14="http://schemas.microsoft.com/office/drawing/2010/main">
+                <a:solidFill>
+                  <a:srgbClr val="FFFFFF"/>
+                </a:solidFill>
+              </a14:hiddenFill>
+            </a:ext>
+          </a:extLst>
+        </p:spPr>
+      </p:pic>
+      <p:pic>
+        <p:nvPicPr>
+          <p:cNvPr id="31" name="Picture 2">
+            <a:extLst>
+              <a:ext uri="{FF2B5EF4-FFF2-40B4-BE49-F238E27FC236}">
+                <a16:creationId xmlns:a16="http://schemas.microsoft.com/office/drawing/2014/main" id="{AEA81F8C-AA80-4146-A322-FD034E5C4924}"/>
+              </a:ext>
+            </a:extLst>
+          </p:cNvPr>
+          <p:cNvPicPr>
+            <a:picLocks noChangeAspect="1" noChangeArrowheads="1"/>
+          </p:cNvPicPr>
+          <p:nvPr/>
+        </p:nvPicPr>
+        <p:blipFill>
+          <a:blip r:embed="rId3">
+            <a:extLst>
+              <a:ext uri="{28A0092B-C50C-407E-A947-70E740481C1C}">
+                <a14:useLocalDpi xmlns:a14="http://schemas.microsoft.com/office/drawing/2010/main" val="0"/>
+              </a:ext>
+            </a:extLst>
+          </a:blip>
+          <a:srcRect/>
+          <a:stretch>
+            <a:fillRect/>
+          </a:stretch>
+        </p:blipFill>
+        <p:spPr bwMode="auto">
+          <a:xfrm rot="21413732" flipH="1">
+            <a:off x="8422880" y="4005735"/>
+            <a:ext cx="641573" cy="641573"/>
+          </a:xfrm>
+          <a:prstGeom prst="rect">
+            <a:avLst/>
+          </a:prstGeom>
+          <a:noFill/>
+          <a:extLst>
+            <a:ext uri="{909E8E84-426E-40DD-AFC4-6F175D3DCCD1}">
+              <a14:hiddenFill xmlns:a14="http://schemas.microsoft.com/office/drawing/2010/main">
+                <a:solidFill>
+                  <a:srgbClr val="FFFFFF"/>
+                </a:solidFill>
+              </a14:hiddenFill>
+            </a:ext>
+          </a:extLst>
+        </p:spPr>
+      </p:pic>
+      <p:sp>
+        <p:nvSpPr>
+          <p:cNvPr id="33" name="フリーフォーム 32">
+            <a:extLst>
+              <a:ext uri="{FF2B5EF4-FFF2-40B4-BE49-F238E27FC236}">
+                <a16:creationId xmlns:a16="http://schemas.microsoft.com/office/drawing/2014/main" id="{DBBF3CB1-5244-2B4E-9C94-31FF5F903213}"/>
+              </a:ext>
+            </a:extLst>
+          </p:cNvPr>
+          <p:cNvSpPr/>
+          <p:nvPr/>
+        </p:nvSpPr>
+        <p:spPr>
+          <a:xfrm>
+            <a:off x="3485478" y="3399419"/>
+            <a:ext cx="4464423" cy="699247"/>
+          </a:xfrm>
+          <a:custGeom>
+            <a:avLst/>
+            <a:gdLst>
+              <a:gd name="connsiteX0" fmla="*/ 0 w 4421393"/>
+              <a:gd name="connsiteY0" fmla="*/ 0 h 699247"/>
+              <a:gd name="connsiteX1" fmla="*/ 10758 w 4421393"/>
+              <a:gd name="connsiteY1" fmla="*/ 527125 h 699247"/>
+              <a:gd name="connsiteX2" fmla="*/ 150607 w 4421393"/>
+              <a:gd name="connsiteY2" fmla="*/ 699247 h 699247"/>
+              <a:gd name="connsiteX3" fmla="*/ 4260028 w 4421393"/>
+              <a:gd name="connsiteY3" fmla="*/ 634701 h 699247"/>
+              <a:gd name="connsiteX4" fmla="*/ 4421393 w 4421393"/>
+              <a:gd name="connsiteY4" fmla="*/ 516367 h 699247"/>
+              <a:gd name="connsiteX5" fmla="*/ 4410636 w 4421393"/>
+              <a:gd name="connsiteY5" fmla="*/ 21516 h 699247"/>
+            </a:gdLst>
+            <a:ahLst/>
+            <a:cxnLst>
+              <a:cxn ang="0">
+                <a:pos x="connsiteX0" y="connsiteY0"/>
+              </a:cxn>
+              <a:cxn ang="0">
+                <a:pos x="connsiteX1" y="connsiteY1"/>
+              </a:cxn>
+              <a:cxn ang="0">
+                <a:pos x="connsiteX2" y="connsiteY2"/>
+              </a:cxn>
+              <a:cxn ang="0">
+                <a:pos x="connsiteX3" y="connsiteY3"/>
+              </a:cxn>
+              <a:cxn ang="0">
+                <a:pos x="connsiteX4" y="connsiteY4"/>
+              </a:cxn>
+              <a:cxn ang="0">
+                <a:pos x="connsiteX5" y="connsiteY5"/>
+              </a:cxn>
+            </a:cxnLst>
+            <a:rect l="l" t="t" r="r" b="b"/>
+            <a:pathLst>
+              <a:path w="4421393" h="699247">
+                <a:moveTo>
+                  <a:pt x="0" y="0"/>
+                </a:moveTo>
+                <a:lnTo>
+                  <a:pt x="10758" y="527125"/>
+                </a:lnTo>
+                <a:lnTo>
+                  <a:pt x="150607" y="699247"/>
+                </a:lnTo>
+                <a:lnTo>
+                  <a:pt x="4260028" y="634701"/>
+                </a:lnTo>
+                <a:lnTo>
+                  <a:pt x="4421393" y="516367"/>
+                </a:lnTo>
+                <a:lnTo>
+                  <a:pt x="4410636" y="21516"/>
+                </a:lnTo>
+              </a:path>
+            </a:pathLst>
+          </a:custGeom>
+          <a:noFill/>
+          <a:ln>
+            <a:solidFill>
+              <a:schemeClr val="tx1"/>
+            </a:solidFill>
+            <a:headEnd type="none" w="med" len="med"/>
+            <a:tailEnd type="arrow" w="med" len="med"/>
+          </a:ln>
+        </p:spPr>
+        <p:style>
+          <a:lnRef idx="2">
+            <a:schemeClr val="accent1">
+              <a:shade val="50000"/>
+            </a:schemeClr>
+          </a:lnRef>
+          <a:fillRef idx="1">
+            <a:schemeClr val="accent1"/>
+          </a:fillRef>
+          <a:effectRef idx="0">
+            <a:schemeClr val="accent1"/>
+          </a:effectRef>
+          <a:fontRef idx="minor">
+            <a:schemeClr val="lt1"/>
+          </a:fontRef>
+        </p:style>
+        <p:txBody>
+          <a:bodyPr rtlCol="0" anchor="ctr"/>
+          <a:lstStyle/>
+          <a:p>
+            <a:pPr algn="ctr"/>
+            <a:endParaRPr kumimoji="1" lang="ja-JP" altLang="en-US"/>
+          </a:p>
+        </p:txBody>
+      </p:sp>
+      <p:sp>
+        <p:nvSpPr>
+          <p:cNvPr id="32" name="テキスト ボックス 31">
+            <a:extLst>
+              <a:ext uri="{FF2B5EF4-FFF2-40B4-BE49-F238E27FC236}">
+                <a16:creationId xmlns:a16="http://schemas.microsoft.com/office/drawing/2014/main" id="{1A273FD8-D573-5A4A-B7F5-89126473F54D}"/>
+              </a:ext>
+            </a:extLst>
+          </p:cNvPr>
+          <p:cNvSpPr txBox="1"/>
+          <p:nvPr/>
+        </p:nvSpPr>
+        <p:spPr>
+          <a:xfrm>
+            <a:off x="5730769" y="3895491"/>
+            <a:ext cx="450764" cy="400110"/>
+          </a:xfrm>
+          <a:prstGeom prst="rect">
+            <a:avLst/>
+          </a:prstGeom>
+          <a:solidFill>
+            <a:schemeClr val="bg1"/>
+          </a:solidFill>
+          <a:ln>
+            <a:solidFill>
+              <a:schemeClr val="tx1"/>
+            </a:solidFill>
+          </a:ln>
+        </p:spPr>
+        <p:txBody>
+          <a:bodyPr wrap="none" rtlCol="0">
+            <a:spAutoFit/>
+          </a:bodyPr>
+          <a:lstStyle/>
+          <a:p>
+            <a:r>
+              <a:rPr kumimoji="1" lang="en-US" altLang="ja-JP" sz="2000" dirty="0"/>
+              <a:t>ID</a:t>
+            </a:r>
+            <a:endParaRPr kumimoji="1" lang="ja-JP" altLang="en-US" sz="2000"/>
+          </a:p>
+        </p:txBody>
+      </p:sp>
+      <p:cxnSp>
+        <p:nvCxnSpPr>
+          <p:cNvPr id="35" name="直線矢印コネクタ 34">
+            <a:extLst>
+              <a:ext uri="{FF2B5EF4-FFF2-40B4-BE49-F238E27FC236}">
+                <a16:creationId xmlns:a16="http://schemas.microsoft.com/office/drawing/2014/main" id="{C517FDF5-F575-B545-A925-1C5A7764226A}"/>
+              </a:ext>
+            </a:extLst>
+          </p:cNvPr>
+          <p:cNvCxnSpPr>
+            <a:endCxn id="1026" idx="0"/>
+          </p:cNvCxnSpPr>
+          <p:nvPr/>
+        </p:nvCxnSpPr>
+        <p:spPr>
+          <a:xfrm flipH="1">
+            <a:off x="3004224" y="3399419"/>
+            <a:ext cx="72463" cy="565251"/>
+          </a:xfrm>
+          <a:prstGeom prst="straightConnector1">
+            <a:avLst/>
+          </a:prstGeom>
+          <a:ln>
+            <a:solidFill>
+              <a:schemeClr val="tx1"/>
+            </a:solidFill>
+            <a:tailEnd type="triangle"/>
+          </a:ln>
+        </p:spPr>
+        <p:style>
+          <a:lnRef idx="1">
+            <a:schemeClr val="accent1"/>
+          </a:lnRef>
+          <a:fillRef idx="0">
+            <a:schemeClr val="accent1"/>
+          </a:fillRef>
+          <a:effectRef idx="0">
+            <a:schemeClr val="accent1"/>
+          </a:effectRef>
+          <a:fontRef idx="minor">
+            <a:schemeClr val="tx1"/>
+          </a:fontRef>
+        </p:style>
+      </p:cxnSp>
+      <p:cxnSp>
+        <p:nvCxnSpPr>
+          <p:cNvPr id="37" name="直線矢印コネクタ 36">
+            <a:extLst>
+              <a:ext uri="{FF2B5EF4-FFF2-40B4-BE49-F238E27FC236}">
+                <a16:creationId xmlns:a16="http://schemas.microsoft.com/office/drawing/2014/main" id="{E6341A07-31E8-754F-8C73-40216CDF1FDC}"/>
+              </a:ext>
+            </a:extLst>
+          </p:cNvPr>
+          <p:cNvCxnSpPr>
+            <a:cxnSpLocks/>
+          </p:cNvCxnSpPr>
+          <p:nvPr/>
+        </p:nvCxnSpPr>
+        <p:spPr>
+          <a:xfrm>
+            <a:off x="8513406" y="3418196"/>
+            <a:ext cx="122997" cy="523640"/>
+          </a:xfrm>
+          <a:prstGeom prst="straightConnector1">
+            <a:avLst/>
+          </a:prstGeom>
+          <a:ln>
+            <a:solidFill>
+              <a:schemeClr val="tx1"/>
+            </a:solidFill>
+            <a:tailEnd type="triangle"/>
+          </a:ln>
+        </p:spPr>
+        <p:style>
+          <a:lnRef idx="1">
+            <a:schemeClr val="accent1"/>
+          </a:lnRef>
+          <a:fillRef idx="0">
+            <a:schemeClr val="accent1"/>
+          </a:fillRef>
+          <a:effectRef idx="0">
+            <a:schemeClr val="accent1"/>
+          </a:effectRef>
+          <a:fontRef idx="minor">
+            <a:schemeClr val="tx1"/>
+          </a:fontRef>
+        </p:style>
+      </p:cxnSp>
+      <p:sp>
+        <p:nvSpPr>
+          <p:cNvPr id="39" name="正方形/長方形 38">
+            <a:extLst>
+              <a:ext uri="{FF2B5EF4-FFF2-40B4-BE49-F238E27FC236}">
+                <a16:creationId xmlns:a16="http://schemas.microsoft.com/office/drawing/2014/main" id="{3540D1FF-5A0B-9E46-8FBD-6C3415CD5EC8}"/>
+              </a:ext>
+            </a:extLst>
+          </p:cNvPr>
+          <p:cNvSpPr/>
+          <p:nvPr/>
+        </p:nvSpPr>
+        <p:spPr>
+          <a:xfrm>
+            <a:off x="2514721" y="2919009"/>
+            <a:ext cx="2218644" cy="830033"/>
+          </a:xfrm>
+          <a:prstGeom prst="rect">
+            <a:avLst/>
+          </a:prstGeom>
+          <a:noFill/>
+          <a:ln>
+            <a:solidFill>
+              <a:schemeClr val="tx1"/>
+            </a:solidFill>
+          </a:ln>
+        </p:spPr>
+        <p:style>
+          <a:lnRef idx="2">
+            <a:schemeClr val="accent1">
+              <a:shade val="50000"/>
+            </a:schemeClr>
+          </a:lnRef>
+          <a:fillRef idx="1">
+            <a:schemeClr val="accent1"/>
+          </a:fillRef>
+          <a:effectRef idx="0">
+            <a:schemeClr val="accent1"/>
+          </a:effectRef>
+          <a:fontRef idx="minor">
+            <a:schemeClr val="lt1"/>
+          </a:fontRef>
+        </p:style>
+        <p:txBody>
+          <a:bodyPr rtlCol="0" anchor="ctr"/>
+          <a:lstStyle/>
+          <a:p>
+            <a:pPr algn="ctr"/>
+            <a:endParaRPr kumimoji="1" lang="ja-JP" altLang="en-US"/>
+          </a:p>
+        </p:txBody>
+      </p:sp>
+      <p:sp>
+        <p:nvSpPr>
+          <p:cNvPr id="41" name="正方形/長方形 40">
+            <a:extLst>
+              <a:ext uri="{FF2B5EF4-FFF2-40B4-BE49-F238E27FC236}">
+                <a16:creationId xmlns:a16="http://schemas.microsoft.com/office/drawing/2014/main" id="{14217EA6-B67F-0A41-A9C5-6410575BFBCC}"/>
+              </a:ext>
+            </a:extLst>
+          </p:cNvPr>
+          <p:cNvSpPr/>
+          <p:nvPr/>
+        </p:nvSpPr>
+        <p:spPr>
+          <a:xfrm>
+            <a:off x="7122332" y="2943278"/>
+            <a:ext cx="2218644" cy="830033"/>
+          </a:xfrm>
+          <a:prstGeom prst="rect">
+            <a:avLst/>
+          </a:prstGeom>
+          <a:noFill/>
+          <a:ln>
+            <a:solidFill>
+              <a:schemeClr val="tx1"/>
+            </a:solidFill>
+          </a:ln>
+        </p:spPr>
+        <p:style>
+          <a:lnRef idx="2">
+            <a:schemeClr val="accent1">
+              <a:shade val="50000"/>
+            </a:schemeClr>
+          </a:lnRef>
+          <a:fillRef idx="1">
+            <a:schemeClr val="accent1"/>
+          </a:fillRef>
+          <a:effectRef idx="0">
+            <a:schemeClr val="accent1"/>
+          </a:effectRef>
+          <a:fontRef idx="minor">
+            <a:schemeClr val="lt1"/>
+          </a:fontRef>
+        </p:style>
+        <p:txBody>
+          <a:bodyPr rtlCol="0" anchor="ctr"/>
+          <a:lstStyle/>
+          <a:p>
+            <a:pPr algn="ctr"/>
+            <a:endParaRPr kumimoji="1" lang="ja-JP" altLang="en-US"/>
+          </a:p>
+        </p:txBody>
+      </p:sp>
+      <p:pic>
+        <p:nvPicPr>
+          <p:cNvPr id="43" name="Picture 2">
+            <a:extLst>
+              <a:ext uri="{FF2B5EF4-FFF2-40B4-BE49-F238E27FC236}">
+                <a16:creationId xmlns:a16="http://schemas.microsoft.com/office/drawing/2014/main" id="{CC8CB3F4-1A72-F746-9A52-FB2B7DC3A820}"/>
+              </a:ext>
+            </a:extLst>
+          </p:cNvPr>
+          <p:cNvPicPr>
+            <a:picLocks noChangeAspect="1" noChangeArrowheads="1"/>
+          </p:cNvPicPr>
+          <p:nvPr/>
+        </p:nvPicPr>
+        <p:blipFill>
+          <a:blip r:embed="rId3">
+            <a:extLst>
+              <a:ext uri="{28A0092B-C50C-407E-A947-70E740481C1C}">
+                <a14:useLocalDpi xmlns:a14="http://schemas.microsoft.com/office/drawing/2010/main" val="0"/>
+              </a:ext>
+            </a:extLst>
+          </a:blip>
+          <a:srcRect/>
+          <a:stretch>
+            <a:fillRect/>
+          </a:stretch>
+        </p:blipFill>
+        <p:spPr bwMode="auto">
+          <a:xfrm rot="21413732" flipH="1">
+            <a:off x="7980822" y="1828199"/>
+            <a:ext cx="641573" cy="641573"/>
+          </a:xfrm>
+          <a:prstGeom prst="rect">
+            <a:avLst/>
+          </a:prstGeom>
+          <a:noFill/>
+          <a:extLst>
+            <a:ext uri="{909E8E84-426E-40DD-AFC4-6F175D3DCCD1}">
+              <a14:hiddenFill xmlns:a14="http://schemas.microsoft.com/office/drawing/2010/main">
+                <a:solidFill>
+                  <a:srgbClr val="FFFFFF"/>
+                </a:solidFill>
+              </a14:hiddenFill>
+            </a:ext>
+          </a:extLst>
+        </p:spPr>
+      </p:pic>
+      <p:cxnSp>
+        <p:nvCxnSpPr>
+          <p:cNvPr id="44" name="直線矢印コネクタ 43">
+            <a:extLst>
+              <a:ext uri="{FF2B5EF4-FFF2-40B4-BE49-F238E27FC236}">
+                <a16:creationId xmlns:a16="http://schemas.microsoft.com/office/drawing/2014/main" id="{550EE827-2D51-D248-9FD5-5DDF901B597F}"/>
+              </a:ext>
+            </a:extLst>
+          </p:cNvPr>
+          <p:cNvCxnSpPr/>
+          <p:nvPr/>
+        </p:nvCxnSpPr>
+        <p:spPr>
+          <a:xfrm flipH="1">
+            <a:off x="3080645" y="2311338"/>
+            <a:ext cx="72463" cy="565251"/>
+          </a:xfrm>
+          <a:prstGeom prst="straightConnector1">
+            <a:avLst/>
+          </a:prstGeom>
+          <a:ln>
+            <a:solidFill>
+              <a:schemeClr val="tx1"/>
+            </a:solidFill>
+            <a:tailEnd type="triangle"/>
+          </a:ln>
+        </p:spPr>
+        <p:style>
+          <a:lnRef idx="1">
+            <a:schemeClr val="accent1"/>
+          </a:lnRef>
+          <a:fillRef idx="0">
+            <a:schemeClr val="accent1"/>
+          </a:fillRef>
+          <a:effectRef idx="0">
+            <a:schemeClr val="accent1"/>
+          </a:effectRef>
+          <a:fontRef idx="minor">
+            <a:schemeClr val="tx1"/>
+          </a:fontRef>
+        </p:style>
+      </p:cxnSp>
+      <p:cxnSp>
+        <p:nvCxnSpPr>
+          <p:cNvPr id="45" name="直線矢印コネクタ 44">
+            <a:extLst>
+              <a:ext uri="{FF2B5EF4-FFF2-40B4-BE49-F238E27FC236}">
+                <a16:creationId xmlns:a16="http://schemas.microsoft.com/office/drawing/2014/main" id="{F3BAF9F7-AE3C-4944-8FAB-ADE1C47E3F06}"/>
+              </a:ext>
+            </a:extLst>
+          </p:cNvPr>
+          <p:cNvCxnSpPr>
+            <a:cxnSpLocks/>
+          </p:cNvCxnSpPr>
+          <p:nvPr/>
+        </p:nvCxnSpPr>
+        <p:spPr>
+          <a:xfrm>
+            <a:off x="8240111" y="2386445"/>
+            <a:ext cx="122997" cy="523640"/>
+          </a:xfrm>
+          <a:prstGeom prst="straightConnector1">
+            <a:avLst/>
+          </a:prstGeom>
+          <a:ln>
+            <a:solidFill>
+              <a:schemeClr val="tx1"/>
+            </a:solidFill>
+            <a:tailEnd type="triangle"/>
+          </a:ln>
+        </p:spPr>
+        <p:style>
+          <a:lnRef idx="1">
+            <a:schemeClr val="accent1"/>
+          </a:lnRef>
+          <a:fillRef idx="0">
+            <a:schemeClr val="accent1"/>
+          </a:fillRef>
+          <a:effectRef idx="0">
+            <a:schemeClr val="accent1"/>
+          </a:effectRef>
+          <a:fontRef idx="minor">
+            <a:schemeClr val="tx1"/>
+          </a:fontRef>
+        </p:style>
+      </p:cxnSp>
+      <p:cxnSp>
+        <p:nvCxnSpPr>
+          <p:cNvPr id="46" name="直線コネクタ 45">
+            <a:extLst>
+              <a:ext uri="{FF2B5EF4-FFF2-40B4-BE49-F238E27FC236}">
+                <a16:creationId xmlns:a16="http://schemas.microsoft.com/office/drawing/2014/main" id="{F9612A65-F498-DC40-9317-2BD92CB8EB0F}"/>
+              </a:ext>
+            </a:extLst>
+          </p:cNvPr>
+          <p:cNvCxnSpPr>
+            <a:cxnSpLocks/>
+          </p:cNvCxnSpPr>
+          <p:nvPr/>
+        </p:nvCxnSpPr>
+        <p:spPr>
+          <a:xfrm>
+            <a:off x="3463975" y="2009281"/>
+            <a:ext cx="4461423" cy="0"/>
+          </a:xfrm>
+          <a:prstGeom prst="line">
+            <a:avLst/>
+          </a:prstGeom>
+          <a:ln w="19050">
+            <a:solidFill>
+              <a:schemeClr val="tx1"/>
+            </a:solidFill>
+            <a:prstDash val="dash"/>
+            <a:headEnd type="arrow" w="med" len="med"/>
+            <a:tailEnd type="arrow" w="med" len="med"/>
+          </a:ln>
+        </p:spPr>
+        <p:style>
+          <a:lnRef idx="1">
+            <a:schemeClr val="accent1"/>
+          </a:lnRef>
+          <a:fillRef idx="0">
+            <a:schemeClr val="accent1"/>
+          </a:fillRef>
+          <a:effectRef idx="0">
+            <a:schemeClr val="accent1"/>
+          </a:effectRef>
+          <a:fontRef idx="minor">
+            <a:schemeClr val="tx1"/>
+          </a:fontRef>
+        </p:style>
+      </p:cxnSp>
+      <p:pic>
+        <p:nvPicPr>
+          <p:cNvPr id="48" name="Picture 2">
+            <a:extLst>
+              <a:ext uri="{FF2B5EF4-FFF2-40B4-BE49-F238E27FC236}">
+                <a16:creationId xmlns:a16="http://schemas.microsoft.com/office/drawing/2014/main" id="{DAAE852B-2AB8-454D-A75A-A85142B01718}"/>
+              </a:ext>
+            </a:extLst>
+          </p:cNvPr>
+          <p:cNvPicPr>
+            <a:picLocks noChangeAspect="1" noChangeArrowheads="1"/>
+          </p:cNvPicPr>
+          <p:nvPr/>
+        </p:nvPicPr>
+        <p:blipFill>
+          <a:blip r:embed="rId3">
+            <a:extLst>
+              <a:ext uri="{28A0092B-C50C-407E-A947-70E740481C1C}">
+                <a14:useLocalDpi xmlns:a14="http://schemas.microsoft.com/office/drawing/2010/main" val="0"/>
+              </a:ext>
+            </a:extLst>
+          </a:blip>
+          <a:srcRect/>
+          <a:stretch>
+            <a:fillRect/>
+          </a:stretch>
+        </p:blipFill>
+        <p:spPr bwMode="auto">
+          <a:xfrm flipH="1">
+            <a:off x="2866318" y="1688495"/>
+            <a:ext cx="641573" cy="641573"/>
+          </a:xfrm>
+          <a:prstGeom prst="rect">
+            <a:avLst/>
+          </a:prstGeom>
+          <a:noFill/>
+          <a:extLst>
+            <a:ext uri="{909E8E84-426E-40DD-AFC4-6F175D3DCCD1}">
+              <a14:hiddenFill xmlns:a14="http://schemas.microsoft.com/office/drawing/2010/main">
+                <a:solidFill>
+                  <a:srgbClr val="FFFFFF"/>
+                </a:solidFill>
+              </a14:hiddenFill>
+            </a:ext>
+          </a:extLst>
+        </p:spPr>
+      </p:pic>
+      <p:sp>
+        <p:nvSpPr>
+          <p:cNvPr id="49" name="テキスト ボックス 48">
+            <a:extLst>
+              <a:ext uri="{FF2B5EF4-FFF2-40B4-BE49-F238E27FC236}">
+                <a16:creationId xmlns:a16="http://schemas.microsoft.com/office/drawing/2014/main" id="{BE9F7934-2C69-7846-976E-53B06E0BCE79}"/>
+              </a:ext>
+            </a:extLst>
+          </p:cNvPr>
+          <p:cNvSpPr txBox="1"/>
+          <p:nvPr/>
+        </p:nvSpPr>
+        <p:spPr>
+          <a:xfrm>
+            <a:off x="1753862" y="1319857"/>
+            <a:ext cx="1723549" cy="400110"/>
+          </a:xfrm>
+          <a:prstGeom prst="rect">
+            <a:avLst/>
+          </a:prstGeom>
+          <a:noFill/>
+        </p:spPr>
+        <p:txBody>
+          <a:bodyPr wrap="none" rtlCol="0">
+            <a:spAutoFit/>
+          </a:bodyPr>
+          <a:lstStyle/>
+          <a:p>
+            <a:r>
+              <a:rPr kumimoji="1" lang="ja-JP" altLang="en-US" sz="2000"/>
+              <a:t>クライアント</a:t>
+            </a:r>
+          </a:p>
+        </p:txBody>
+      </p:sp>
+    </p:spTree>
+    <p:extLst>
+      <p:ext uri="{BB962C8B-B14F-4D97-AF65-F5344CB8AC3E}">
+        <p14:creationId xmlns:p14="http://schemas.microsoft.com/office/powerpoint/2010/main" val="773202215"/>
+      </p:ext>
+    </p:extLst>
+  </p:cSld>
+  <p:clrMapOvr>
+    <a:masterClrMapping/>
+  </p:clrMapOvr>
+</p:sld>
+</file>
+
+<file path=ppt/slides/slide5.xml><?xml version="1.0" encoding="utf-8"?>
+<p:sld xmlns:a="http://schemas.openxmlformats.org/drawingml/2006/main" xmlns:r="http://schemas.openxmlformats.org/officeDocument/2006/relationships" xmlns:p="http://schemas.openxmlformats.org/presentationml/2006/main">
+  <p:cSld>
+    <p:spTree>
+      <p:nvGrpSpPr>
+        <p:cNvPr id="1" name=""/>
+        <p:cNvGrpSpPr/>
+        <p:nvPr/>
+      </p:nvGrpSpPr>
+      <p:grpSpPr>
+        <a:xfrm>
+          <a:off x="0" y="0"/>
+          <a:ext cx="0" cy="0"/>
+          <a:chOff x="0" y="0"/>
+          <a:chExt cx="0" cy="0"/>
+        </a:xfrm>
+      </p:grpSpPr>
+      <p:sp>
+        <p:nvSpPr>
+          <p:cNvPr id="2" name="正方形/長方形 1">
+            <a:extLst>
+              <a:ext uri="{FF2B5EF4-FFF2-40B4-BE49-F238E27FC236}">
+                <a16:creationId xmlns:a16="http://schemas.microsoft.com/office/drawing/2014/main" id="{68D1A0AC-5497-1743-85C1-8C682D0207D6}"/>
+              </a:ext>
+            </a:extLst>
+          </p:cNvPr>
+          <p:cNvSpPr/>
+          <p:nvPr/>
+        </p:nvSpPr>
+        <p:spPr>
+          <a:xfrm>
+            <a:off x="2856590" y="1171919"/>
+            <a:ext cx="3130477" cy="2195589"/>
+          </a:xfrm>
+          <a:prstGeom prst="rect">
+            <a:avLst/>
+          </a:prstGeom>
+          <a:noFill/>
+          <a:ln w="28575">
+            <a:solidFill>
+              <a:schemeClr val="tx1"/>
+            </a:solidFill>
+          </a:ln>
+        </p:spPr>
+        <p:style>
+          <a:lnRef idx="2">
+            <a:schemeClr val="accent1">
+              <a:shade val="50000"/>
+            </a:schemeClr>
+          </a:lnRef>
+          <a:fillRef idx="1">
+            <a:schemeClr val="accent1"/>
+          </a:fillRef>
+          <a:effectRef idx="0">
+            <a:schemeClr val="accent1"/>
+          </a:effectRef>
+          <a:fontRef idx="minor">
+            <a:schemeClr val="lt1"/>
+          </a:fontRef>
+        </p:style>
+        <p:txBody>
+          <a:bodyPr rtlCol="0" anchor="ctr"/>
+          <a:lstStyle/>
+          <a:p>
+            <a:pPr algn="r"/>
+            <a:endParaRPr kumimoji="1" lang="ja-JP" altLang="en-US"/>
+          </a:p>
+        </p:txBody>
+      </p:sp>
+      <p:sp>
+        <p:nvSpPr>
+          <p:cNvPr id="3" name="正方形/長方形 2">
+            <a:extLst>
+              <a:ext uri="{FF2B5EF4-FFF2-40B4-BE49-F238E27FC236}">
+                <a16:creationId xmlns:a16="http://schemas.microsoft.com/office/drawing/2014/main" id="{8CC6EAED-32E4-D144-BCCB-639EEEB277A4}"/>
+              </a:ext>
+            </a:extLst>
+          </p:cNvPr>
+          <p:cNvSpPr/>
+          <p:nvPr/>
+        </p:nvSpPr>
+        <p:spPr>
+          <a:xfrm>
+            <a:off x="8188362" y="1483526"/>
+            <a:ext cx="3130477" cy="5069171"/>
+          </a:xfrm>
+          <a:prstGeom prst="rect">
+            <a:avLst/>
+          </a:prstGeom>
+          <a:noFill/>
+          <a:ln w="28575">
+            <a:solidFill>
+              <a:schemeClr val="tx1"/>
+            </a:solidFill>
+          </a:ln>
+        </p:spPr>
+        <p:style>
+          <a:lnRef idx="2">
+            <a:schemeClr val="accent1">
+              <a:shade val="50000"/>
+            </a:schemeClr>
+          </a:lnRef>
+          <a:fillRef idx="1">
+            <a:schemeClr val="accent1"/>
+          </a:fillRef>
+          <a:effectRef idx="0">
+            <a:schemeClr val="accent1"/>
+          </a:effectRef>
+          <a:fontRef idx="minor">
+            <a:schemeClr val="lt1"/>
+          </a:fontRef>
+        </p:style>
+        <p:txBody>
+          <a:bodyPr rtlCol="0" anchor="ctr"/>
+          <a:lstStyle/>
+          <a:p>
+            <a:pPr algn="ctr"/>
+            <a:endParaRPr kumimoji="1" lang="ja-JP" altLang="en-US"/>
+          </a:p>
+        </p:txBody>
+      </p:sp>
+      <p:cxnSp>
+        <p:nvCxnSpPr>
+          <p:cNvPr id="5" name="直線コネクタ 4">
+            <a:extLst>
+              <a:ext uri="{FF2B5EF4-FFF2-40B4-BE49-F238E27FC236}">
+                <a16:creationId xmlns:a16="http://schemas.microsoft.com/office/drawing/2014/main" id="{E92200B9-7944-E548-90E4-E6940EC214FD}"/>
+              </a:ext>
+            </a:extLst>
+          </p:cNvPr>
+          <p:cNvCxnSpPr>
+            <a:cxnSpLocks/>
+          </p:cNvCxnSpPr>
+          <p:nvPr/>
+        </p:nvCxnSpPr>
+        <p:spPr>
+          <a:xfrm flipH="1">
+            <a:off x="6047592" y="2592889"/>
+            <a:ext cx="2140770" cy="0"/>
+          </a:xfrm>
+          <a:prstGeom prst="line">
+            <a:avLst/>
+          </a:prstGeom>
+          <a:ln w="19050">
+            <a:solidFill>
+              <a:schemeClr val="tx1"/>
+            </a:solidFill>
+            <a:headEnd type="none" w="med" len="med"/>
+            <a:tailEnd type="arrow" w="lg" len="lg"/>
+          </a:ln>
+        </p:spPr>
+        <p:style>
+          <a:lnRef idx="1">
+            <a:schemeClr val="accent1"/>
+          </a:lnRef>
+          <a:fillRef idx="0">
+            <a:schemeClr val="accent1"/>
+          </a:fillRef>
+          <a:effectRef idx="0">
+            <a:schemeClr val="accent1"/>
+          </a:effectRef>
+          <a:fontRef idx="minor">
+            <a:schemeClr val="tx1"/>
+          </a:fontRef>
+        </p:style>
+      </p:cxnSp>
+      <p:cxnSp>
+        <p:nvCxnSpPr>
+          <p:cNvPr id="6" name="直線コネクタ 5">
+            <a:extLst>
+              <a:ext uri="{FF2B5EF4-FFF2-40B4-BE49-F238E27FC236}">
+                <a16:creationId xmlns:a16="http://schemas.microsoft.com/office/drawing/2014/main" id="{6AE2882A-E8D2-404E-B601-E444ADBB8646}"/>
+              </a:ext>
+            </a:extLst>
+          </p:cNvPr>
+          <p:cNvCxnSpPr/>
+          <p:nvPr/>
+        </p:nvCxnSpPr>
+        <p:spPr>
+          <a:xfrm>
+            <a:off x="6078072" y="2127239"/>
+            <a:ext cx="2140770" cy="0"/>
+          </a:xfrm>
+          <a:prstGeom prst="line">
+            <a:avLst/>
+          </a:prstGeom>
+          <a:ln w="19050">
+            <a:solidFill>
+              <a:schemeClr val="tx1"/>
+            </a:solidFill>
+            <a:prstDash val="dash"/>
+            <a:headEnd type="none" w="med" len="med"/>
+            <a:tailEnd type="arrow" w="lg" len="lg"/>
+          </a:ln>
+        </p:spPr>
+        <p:style>
+          <a:lnRef idx="1">
+            <a:schemeClr val="accent1"/>
+          </a:lnRef>
+          <a:fillRef idx="0">
+            <a:schemeClr val="accent1"/>
+          </a:fillRef>
+          <a:effectRef idx="0">
+            <a:schemeClr val="accent1"/>
+          </a:effectRef>
+          <a:fontRef idx="minor">
+            <a:schemeClr val="tx1"/>
+          </a:fontRef>
+        </p:style>
+      </p:cxnSp>
+      <p:cxnSp>
+        <p:nvCxnSpPr>
+          <p:cNvPr id="7" name="直線コネクタ 6">
+            <a:extLst>
+              <a:ext uri="{FF2B5EF4-FFF2-40B4-BE49-F238E27FC236}">
+                <a16:creationId xmlns:a16="http://schemas.microsoft.com/office/drawing/2014/main" id="{1F1B0D17-F88F-ED4F-BF06-820E02D8D203}"/>
+              </a:ext>
+            </a:extLst>
+          </p:cNvPr>
+          <p:cNvCxnSpPr/>
+          <p:nvPr/>
+        </p:nvCxnSpPr>
+        <p:spPr>
+          <a:xfrm>
+            <a:off x="6078072" y="3004674"/>
+            <a:ext cx="2140770" cy="0"/>
+          </a:xfrm>
+          <a:prstGeom prst="line">
+            <a:avLst/>
+          </a:prstGeom>
+          <a:ln w="19050">
+            <a:solidFill>
+              <a:schemeClr val="tx1"/>
+            </a:solidFill>
+            <a:prstDash val="dash"/>
+            <a:headEnd type="none" w="med" len="med"/>
+            <a:tailEnd type="arrow" w="lg" len="lg"/>
+          </a:ln>
+        </p:spPr>
+        <p:style>
+          <a:lnRef idx="1">
+            <a:schemeClr val="accent1"/>
+          </a:lnRef>
+          <a:fillRef idx="0">
+            <a:schemeClr val="accent1"/>
+          </a:fillRef>
+          <a:effectRef idx="0">
+            <a:schemeClr val="accent1"/>
+          </a:effectRef>
+          <a:fontRef idx="minor">
+            <a:schemeClr val="tx1"/>
+          </a:fontRef>
+        </p:style>
+      </p:cxnSp>
+      <p:sp>
+        <p:nvSpPr>
+          <p:cNvPr id="10" name="テキスト ボックス 9">
+            <a:extLst>
+              <a:ext uri="{FF2B5EF4-FFF2-40B4-BE49-F238E27FC236}">
+                <a16:creationId xmlns:a16="http://schemas.microsoft.com/office/drawing/2014/main" id="{C9E599D1-E64B-8344-B6D7-A97D311C7F9D}"/>
+              </a:ext>
+            </a:extLst>
+          </p:cNvPr>
+          <p:cNvSpPr txBox="1"/>
+          <p:nvPr/>
+        </p:nvSpPr>
+        <p:spPr>
+          <a:xfrm>
+            <a:off x="8275984" y="1678253"/>
+            <a:ext cx="1295547" cy="1569660"/>
+          </a:xfrm>
+          <a:prstGeom prst="rect">
+            <a:avLst/>
+          </a:prstGeom>
+          <a:noFill/>
+        </p:spPr>
+        <p:txBody>
+          <a:bodyPr wrap="none" rtlCol="0">
+            <a:spAutoFit/>
+          </a:bodyPr>
+          <a:lstStyle/>
+          <a:p>
+            <a:endParaRPr lang="en-US" altLang="ja-JP" sz="1600" dirty="0"/>
+          </a:p>
+          <a:p>
+            <a:r>
+              <a:rPr lang="en-US" altLang="ja-JP" sz="1600" dirty="0" err="1"/>
+              <a:t>SSL_accept</a:t>
+            </a:r>
+            <a:endParaRPr lang="en-US" altLang="ja-JP" sz="1600" dirty="0"/>
+          </a:p>
+          <a:p>
+            <a:endParaRPr lang="en-US" altLang="ja-JP" sz="1600" dirty="0"/>
+          </a:p>
+          <a:p>
+            <a:endParaRPr lang="en-US" altLang="ja-JP" sz="1600" dirty="0"/>
+          </a:p>
+          <a:p>
+            <a:endParaRPr lang="en-US" altLang="ja-JP" sz="1600" dirty="0"/>
+          </a:p>
+          <a:p>
+            <a:r>
+              <a:rPr lang="en-US" altLang="ja-JP" sz="1600" dirty="0" err="1"/>
+              <a:t>SSL_free</a:t>
+            </a:r>
+            <a:endParaRPr kumimoji="1" lang="ja-JP" altLang="en-US" sz="1600"/>
+          </a:p>
+        </p:txBody>
+      </p:sp>
+      <p:sp>
+        <p:nvSpPr>
+          <p:cNvPr id="11" name="テキスト ボックス 10">
+            <a:extLst>
+              <a:ext uri="{FF2B5EF4-FFF2-40B4-BE49-F238E27FC236}">
+                <a16:creationId xmlns:a16="http://schemas.microsoft.com/office/drawing/2014/main" id="{06443EE6-30AC-3643-9711-97AA99442EFA}"/>
+              </a:ext>
+            </a:extLst>
+          </p:cNvPr>
+          <p:cNvSpPr txBox="1"/>
+          <p:nvPr/>
+        </p:nvSpPr>
+        <p:spPr>
+          <a:xfrm>
+            <a:off x="3659068" y="1668013"/>
+            <a:ext cx="2272062" cy="1569660"/>
+          </a:xfrm>
+          <a:prstGeom prst="rect">
+            <a:avLst/>
+          </a:prstGeom>
+          <a:noFill/>
+        </p:spPr>
+        <p:txBody>
+          <a:bodyPr wrap="square" rtlCol="0">
+            <a:spAutoFit/>
+          </a:bodyPr>
+          <a:lstStyle/>
+          <a:p>
+            <a:pPr algn="r"/>
+            <a:endParaRPr lang="en-US" altLang="ja-JP" sz="1600" dirty="0"/>
+          </a:p>
+          <a:p>
+            <a:pPr algn="r"/>
+            <a:r>
+              <a:rPr lang="en-US" altLang="ja-JP" sz="1600" dirty="0" err="1"/>
+              <a:t>SSL_connect</a:t>
+            </a:r>
+            <a:endParaRPr lang="en-US" altLang="ja-JP" sz="1600" dirty="0"/>
+          </a:p>
+          <a:p>
+            <a:pPr algn="r"/>
+            <a:endParaRPr lang="en-US" altLang="ja-JP" sz="1600" dirty="0"/>
+          </a:p>
+          <a:p>
+            <a:pPr algn="r"/>
+            <a:r>
+              <a:rPr lang="en-US" altLang="ja-JP" sz="1600" dirty="0" err="1"/>
+              <a:t>SSL_SESSION_get</a:t>
+            </a:r>
+            <a:endParaRPr kumimoji="1" lang="en-US" altLang="ja-JP" sz="1600" dirty="0"/>
+          </a:p>
+          <a:p>
+            <a:pPr algn="r"/>
+            <a:endParaRPr lang="en-US" altLang="ja-JP" sz="1600" dirty="0"/>
+          </a:p>
+          <a:p>
+            <a:pPr algn="r"/>
+            <a:r>
+              <a:rPr lang="en-US" altLang="ja-JP" sz="1600" dirty="0" err="1"/>
+              <a:t>SSL_shutdown</a:t>
+            </a:r>
+            <a:endParaRPr kumimoji="1" lang="ja-JP" altLang="en-US" sz="1600"/>
+          </a:p>
+        </p:txBody>
+      </p:sp>
+      <p:sp>
+        <p:nvSpPr>
+          <p:cNvPr id="14" name="テキスト ボックス 13">
+            <a:extLst>
+              <a:ext uri="{FF2B5EF4-FFF2-40B4-BE49-F238E27FC236}">
+                <a16:creationId xmlns:a16="http://schemas.microsoft.com/office/drawing/2014/main" id="{42A822E5-A693-9C4C-8A6F-76C58EE4AB21}"/>
+              </a:ext>
+            </a:extLst>
+          </p:cNvPr>
+          <p:cNvSpPr txBox="1"/>
+          <p:nvPr/>
+        </p:nvSpPr>
+        <p:spPr>
+          <a:xfrm>
+            <a:off x="2342903" y="273595"/>
+            <a:ext cx="1723549" cy="400110"/>
+          </a:xfrm>
+          <a:prstGeom prst="rect">
+            <a:avLst/>
+          </a:prstGeom>
+          <a:noFill/>
+        </p:spPr>
+        <p:txBody>
+          <a:bodyPr wrap="none" rtlCol="0">
+            <a:spAutoFit/>
+          </a:bodyPr>
+          <a:lstStyle/>
+          <a:p>
+            <a:r>
+              <a:rPr kumimoji="1" lang="ja-JP" altLang="en-US" sz="2000"/>
+              <a:t>クライアント</a:t>
+            </a:r>
+          </a:p>
+        </p:txBody>
+      </p:sp>
+      <p:sp>
+        <p:nvSpPr>
+          <p:cNvPr id="15" name="テキスト ボックス 14">
+            <a:extLst>
+              <a:ext uri="{FF2B5EF4-FFF2-40B4-BE49-F238E27FC236}">
+                <a16:creationId xmlns:a16="http://schemas.microsoft.com/office/drawing/2014/main" id="{914BC837-E6FD-0749-9A1A-FFD3566C14BC}"/>
+              </a:ext>
+            </a:extLst>
+          </p:cNvPr>
+          <p:cNvSpPr txBox="1"/>
+          <p:nvPr/>
+        </p:nvSpPr>
+        <p:spPr>
+          <a:xfrm>
+            <a:off x="10404261" y="1071450"/>
+            <a:ext cx="954107" cy="400110"/>
+          </a:xfrm>
+          <a:prstGeom prst="rect">
+            <a:avLst/>
+          </a:prstGeom>
+          <a:noFill/>
+        </p:spPr>
+        <p:txBody>
+          <a:bodyPr wrap="none" rtlCol="0">
+            <a:spAutoFit/>
+          </a:bodyPr>
+          <a:lstStyle/>
+          <a:p>
+            <a:r>
+              <a:rPr kumimoji="1" lang="ja-JP" altLang="en-US" sz="2000"/>
+              <a:t>サーバ</a:t>
+            </a:r>
+          </a:p>
+        </p:txBody>
+      </p:sp>
+      <p:sp>
+        <p:nvSpPr>
+          <p:cNvPr id="16" name="正方形/長方形 15">
+            <a:extLst>
+              <a:ext uri="{FF2B5EF4-FFF2-40B4-BE49-F238E27FC236}">
+                <a16:creationId xmlns:a16="http://schemas.microsoft.com/office/drawing/2014/main" id="{FD6EE7B3-036B-2A4D-B54A-EA20767DB2D7}"/>
+              </a:ext>
+            </a:extLst>
+          </p:cNvPr>
+          <p:cNvSpPr/>
+          <p:nvPr/>
+        </p:nvSpPr>
+        <p:spPr>
+          <a:xfrm>
+            <a:off x="2881756" y="4357114"/>
+            <a:ext cx="3130477" cy="2195589"/>
+          </a:xfrm>
+          <a:prstGeom prst="rect">
+            <a:avLst/>
+          </a:prstGeom>
+          <a:noFill/>
+          <a:ln w="28575">
+            <a:solidFill>
+              <a:schemeClr val="tx1"/>
+            </a:solidFill>
+          </a:ln>
+        </p:spPr>
+        <p:style>
+          <a:lnRef idx="2">
+            <a:schemeClr val="accent1">
+              <a:shade val="50000"/>
+            </a:schemeClr>
+          </a:lnRef>
+          <a:fillRef idx="1">
+            <a:schemeClr val="accent1"/>
+          </a:fillRef>
+          <a:effectRef idx="0">
+            <a:schemeClr val="accent1"/>
+          </a:effectRef>
+          <a:fontRef idx="minor">
+            <a:schemeClr val="lt1"/>
+          </a:fontRef>
+        </p:style>
+        <p:txBody>
+          <a:bodyPr rtlCol="0" anchor="ctr"/>
+          <a:lstStyle/>
+          <a:p>
+            <a:pPr algn="r"/>
+            <a:endParaRPr kumimoji="1" lang="ja-JP" altLang="en-US"/>
+          </a:p>
+        </p:txBody>
+      </p:sp>
+      <p:sp>
+        <p:nvSpPr>
+          <p:cNvPr id="20" name="テキスト ボックス 19">
+            <a:extLst>
+              <a:ext uri="{FF2B5EF4-FFF2-40B4-BE49-F238E27FC236}">
+                <a16:creationId xmlns:a16="http://schemas.microsoft.com/office/drawing/2014/main" id="{563BF97D-052B-C442-A9CA-06EAF66AAAC5}"/>
+              </a:ext>
+            </a:extLst>
+          </p:cNvPr>
+          <p:cNvSpPr txBox="1"/>
+          <p:nvPr/>
+        </p:nvSpPr>
+        <p:spPr>
+          <a:xfrm>
+            <a:off x="2816240" y="766184"/>
+            <a:ext cx="2236510" cy="400110"/>
+          </a:xfrm>
+          <a:prstGeom prst="rect">
+            <a:avLst/>
+          </a:prstGeom>
+          <a:noFill/>
+        </p:spPr>
+        <p:txBody>
+          <a:bodyPr wrap="none" rtlCol="0">
+            <a:spAutoFit/>
+          </a:bodyPr>
+          <a:lstStyle/>
+          <a:p>
+            <a:r>
+              <a:rPr lang="ja-JP" altLang="en-US" sz="2000"/>
+              <a:t>最初のセッション</a:t>
+            </a:r>
+            <a:endParaRPr kumimoji="1" lang="ja-JP" altLang="en-US" sz="2000"/>
+          </a:p>
+        </p:txBody>
+      </p:sp>
+      <p:sp>
+        <p:nvSpPr>
+          <p:cNvPr id="21" name="テキスト ボックス 20">
+            <a:extLst>
+              <a:ext uri="{FF2B5EF4-FFF2-40B4-BE49-F238E27FC236}">
+                <a16:creationId xmlns:a16="http://schemas.microsoft.com/office/drawing/2014/main" id="{4D54BB8E-B489-144A-B8F5-D4FE706FA2B8}"/>
+              </a:ext>
+            </a:extLst>
+          </p:cNvPr>
+          <p:cNvSpPr txBox="1"/>
+          <p:nvPr/>
+        </p:nvSpPr>
+        <p:spPr>
+          <a:xfrm>
+            <a:off x="6190433" y="2257863"/>
+            <a:ext cx="1819729" cy="307777"/>
+          </a:xfrm>
+          <a:prstGeom prst="rect">
+            <a:avLst/>
+          </a:prstGeom>
+          <a:noFill/>
+        </p:spPr>
+        <p:txBody>
+          <a:bodyPr wrap="none" rtlCol="0">
+            <a:spAutoFit/>
+          </a:bodyPr>
+          <a:lstStyle/>
+          <a:p>
+            <a:r>
+              <a:rPr kumimoji="1" lang="en-US" altLang="ja-JP" sz="1400" dirty="0"/>
+              <a:t>New Session Ticket</a:t>
+            </a:r>
+            <a:endParaRPr kumimoji="1" lang="ja-JP" altLang="en-US" sz="1400"/>
+          </a:p>
+        </p:txBody>
+      </p:sp>
+      <p:sp>
+        <p:nvSpPr>
+          <p:cNvPr id="22" name="円柱 21">
+            <a:extLst>
+              <a:ext uri="{FF2B5EF4-FFF2-40B4-BE49-F238E27FC236}">
+                <a16:creationId xmlns:a16="http://schemas.microsoft.com/office/drawing/2014/main" id="{A8D62783-2939-0D4A-A26A-63B7C06B91FF}"/>
+              </a:ext>
+            </a:extLst>
+          </p:cNvPr>
+          <p:cNvSpPr/>
+          <p:nvPr/>
+        </p:nvSpPr>
+        <p:spPr>
+          <a:xfrm>
+            <a:off x="847510" y="3367508"/>
+            <a:ext cx="1165735" cy="1159387"/>
+          </a:xfrm>
+          <a:prstGeom prst="can">
+            <a:avLst/>
+          </a:prstGeom>
+          <a:noFill/>
+          <a:ln w="19050">
+            <a:solidFill>
+              <a:schemeClr val="tx1"/>
+            </a:solidFill>
+          </a:ln>
+        </p:spPr>
+        <p:style>
+          <a:lnRef idx="2">
+            <a:schemeClr val="accent1">
+              <a:shade val="50000"/>
+            </a:schemeClr>
+          </a:lnRef>
+          <a:fillRef idx="1">
+            <a:schemeClr val="accent1"/>
+          </a:fillRef>
+          <a:effectRef idx="0">
+            <a:schemeClr val="accent1"/>
+          </a:effectRef>
+          <a:fontRef idx="minor">
+            <a:schemeClr val="lt1"/>
+          </a:fontRef>
+        </p:style>
+        <p:txBody>
+          <a:bodyPr rtlCol="0" anchor="ctr"/>
+          <a:lstStyle/>
+          <a:p>
+            <a:pPr algn="ctr"/>
+            <a:endParaRPr kumimoji="1" lang="ja-JP" altLang="en-US"/>
+          </a:p>
+        </p:txBody>
+      </p:sp>
+      <p:sp>
+        <p:nvSpPr>
+          <p:cNvPr id="13" name="テキスト ボックス 12">
+            <a:extLst>
+              <a:ext uri="{FF2B5EF4-FFF2-40B4-BE49-F238E27FC236}">
+                <a16:creationId xmlns:a16="http://schemas.microsoft.com/office/drawing/2014/main" id="{E4FC3385-DA32-C440-B91E-E42966835B91}"/>
+              </a:ext>
+            </a:extLst>
+          </p:cNvPr>
+          <p:cNvSpPr txBox="1"/>
+          <p:nvPr/>
+        </p:nvSpPr>
+        <p:spPr>
+          <a:xfrm>
+            <a:off x="371433" y="3800286"/>
+            <a:ext cx="2117887" cy="523220"/>
+          </a:xfrm>
+          <a:prstGeom prst="rect">
+            <a:avLst/>
+          </a:prstGeom>
+          <a:solidFill>
+            <a:schemeClr val="bg1"/>
+          </a:solidFill>
+        </p:spPr>
+        <p:txBody>
+          <a:bodyPr wrap="none" rtlCol="0">
+            <a:spAutoFit/>
+          </a:bodyPr>
+          <a:lstStyle/>
+          <a:p>
+            <a:pPr algn="ctr"/>
+            <a:r>
+              <a:rPr kumimoji="1" lang="ja-JP" altLang="en-US" sz="1400"/>
+              <a:t>セッション情報</a:t>
+            </a:r>
+            <a:endParaRPr kumimoji="1" lang="en-US" altLang="ja-JP" sz="1400" dirty="0"/>
+          </a:p>
+          <a:p>
+            <a:pPr algn="ctr"/>
+            <a:r>
+              <a:rPr lang="en-US" altLang="ja-JP" sz="1400" dirty="0"/>
+              <a:t>(</a:t>
+            </a:r>
+            <a:r>
+              <a:rPr lang="ja-JP" altLang="en-US" sz="1400"/>
+              <a:t>含セッションチケット</a:t>
+            </a:r>
+            <a:r>
+              <a:rPr lang="en-US" altLang="ja-JP" sz="1400" dirty="0"/>
+              <a:t>)</a:t>
+            </a:r>
+            <a:endParaRPr kumimoji="1" lang="ja-JP" altLang="en-US" sz="1400"/>
+          </a:p>
+        </p:txBody>
+      </p:sp>
+      <p:sp>
+        <p:nvSpPr>
+          <p:cNvPr id="23" name="テキスト ボックス 22">
+            <a:extLst>
+              <a:ext uri="{FF2B5EF4-FFF2-40B4-BE49-F238E27FC236}">
+                <a16:creationId xmlns:a16="http://schemas.microsoft.com/office/drawing/2014/main" id="{18CA1E7B-13CF-D740-9BB6-EEBDEECACC1E}"/>
+              </a:ext>
+            </a:extLst>
+          </p:cNvPr>
+          <p:cNvSpPr txBox="1"/>
+          <p:nvPr/>
+        </p:nvSpPr>
+        <p:spPr>
+          <a:xfrm>
+            <a:off x="2856590" y="3863602"/>
+            <a:ext cx="1980029" cy="400110"/>
+          </a:xfrm>
+          <a:prstGeom prst="rect">
+            <a:avLst/>
+          </a:prstGeom>
+          <a:noFill/>
+        </p:spPr>
+        <p:txBody>
+          <a:bodyPr wrap="none" rtlCol="0">
+            <a:spAutoFit/>
+          </a:bodyPr>
+          <a:lstStyle/>
+          <a:p>
+            <a:r>
+              <a:rPr lang="ja-JP" altLang="en-US" sz="2000"/>
+              <a:t>セッション再開</a:t>
+            </a:r>
+            <a:endParaRPr kumimoji="1" lang="ja-JP" altLang="en-US" sz="2000"/>
+          </a:p>
+        </p:txBody>
+      </p:sp>
+      <p:sp>
+        <p:nvSpPr>
+          <p:cNvPr id="24" name="テキスト ボックス 23">
+            <a:extLst>
+              <a:ext uri="{FF2B5EF4-FFF2-40B4-BE49-F238E27FC236}">
+                <a16:creationId xmlns:a16="http://schemas.microsoft.com/office/drawing/2014/main" id="{100E5C80-2428-B94F-9DC6-067D304DE857}"/>
+              </a:ext>
+            </a:extLst>
+          </p:cNvPr>
+          <p:cNvSpPr txBox="1"/>
+          <p:nvPr/>
+        </p:nvSpPr>
+        <p:spPr>
+          <a:xfrm>
+            <a:off x="3679622" y="4670078"/>
+            <a:ext cx="2272062" cy="1569660"/>
+          </a:xfrm>
+          <a:prstGeom prst="rect">
+            <a:avLst/>
+          </a:prstGeom>
+          <a:noFill/>
+        </p:spPr>
+        <p:txBody>
+          <a:bodyPr wrap="square" rtlCol="0">
+            <a:spAutoFit/>
+          </a:bodyPr>
+          <a:lstStyle/>
+          <a:p>
+            <a:pPr algn="r"/>
+            <a:endParaRPr lang="en-US" altLang="ja-JP" sz="1600" dirty="0"/>
+          </a:p>
+          <a:p>
+            <a:pPr algn="r"/>
+            <a:r>
+              <a:rPr lang="en-US" altLang="ja-JP" sz="1600" dirty="0" err="1"/>
+              <a:t>SSL_SESSION_set</a:t>
+            </a:r>
+            <a:endParaRPr lang="en-US" altLang="ja-JP" sz="1600" dirty="0"/>
+          </a:p>
+          <a:p>
+            <a:pPr algn="r"/>
+            <a:r>
+              <a:rPr lang="en-US" altLang="ja-JP" sz="1600" dirty="0" err="1"/>
+              <a:t>SSL_connect</a:t>
+            </a:r>
+            <a:endParaRPr lang="en-US" altLang="ja-JP" sz="1600" dirty="0"/>
+          </a:p>
+          <a:p>
+            <a:pPr algn="r"/>
+            <a:endParaRPr lang="en-US" altLang="ja-JP" sz="1600" dirty="0"/>
+          </a:p>
+          <a:p>
+            <a:pPr algn="r"/>
+            <a:endParaRPr lang="en-US" altLang="ja-JP" sz="1600" dirty="0"/>
+          </a:p>
+          <a:p>
+            <a:pPr algn="r"/>
+            <a:r>
+              <a:rPr lang="en-US" altLang="ja-JP" sz="1600" dirty="0" err="1"/>
+              <a:t>SSL_shutdown</a:t>
+            </a:r>
+            <a:endParaRPr kumimoji="1" lang="ja-JP" altLang="en-US" sz="1600"/>
+          </a:p>
+        </p:txBody>
+      </p:sp>
+      <p:sp>
+        <p:nvSpPr>
+          <p:cNvPr id="27" name="フリーフォーム 26">
+            <a:extLst>
+              <a:ext uri="{FF2B5EF4-FFF2-40B4-BE49-F238E27FC236}">
+                <a16:creationId xmlns:a16="http://schemas.microsoft.com/office/drawing/2014/main" id="{BE5E68E2-090E-FE4F-BB4C-0FE123B96CA6}"/>
+              </a:ext>
+            </a:extLst>
+          </p:cNvPr>
+          <p:cNvSpPr/>
+          <p:nvPr/>
+        </p:nvSpPr>
+        <p:spPr>
+          <a:xfrm>
+            <a:off x="1484291" y="2517151"/>
+            <a:ext cx="2388198" cy="864036"/>
+          </a:xfrm>
+          <a:custGeom>
+            <a:avLst/>
+            <a:gdLst>
+              <a:gd name="connsiteX0" fmla="*/ 2388198 w 2388198"/>
+              <a:gd name="connsiteY0" fmla="*/ 10758 h 634701"/>
+              <a:gd name="connsiteX1" fmla="*/ 494852 w 2388198"/>
+              <a:gd name="connsiteY1" fmla="*/ 0 h 634701"/>
+              <a:gd name="connsiteX2" fmla="*/ 21516 w 2388198"/>
+              <a:gd name="connsiteY2" fmla="*/ 322729 h 634701"/>
+              <a:gd name="connsiteX3" fmla="*/ 0 w 2388198"/>
+              <a:gd name="connsiteY3" fmla="*/ 634701 h 634701"/>
+            </a:gdLst>
+            <a:ahLst/>
+            <a:cxnLst>
+              <a:cxn ang="0">
+                <a:pos x="connsiteX0" y="connsiteY0"/>
+              </a:cxn>
+              <a:cxn ang="0">
+                <a:pos x="connsiteX1" y="connsiteY1"/>
+              </a:cxn>
+              <a:cxn ang="0">
+                <a:pos x="connsiteX2" y="connsiteY2"/>
+              </a:cxn>
+              <a:cxn ang="0">
+                <a:pos x="connsiteX3" y="connsiteY3"/>
+              </a:cxn>
+            </a:cxnLst>
+            <a:rect l="l" t="t" r="r" b="b"/>
+            <a:pathLst>
+              <a:path w="2388198" h="634701">
+                <a:moveTo>
+                  <a:pt x="2388198" y="10758"/>
+                </a:moveTo>
+                <a:lnTo>
+                  <a:pt x="494852" y="0"/>
+                </a:lnTo>
+                <a:lnTo>
+                  <a:pt x="21516" y="322729"/>
+                </a:lnTo>
+                <a:lnTo>
+                  <a:pt x="0" y="634701"/>
+                </a:lnTo>
+              </a:path>
+            </a:pathLst>
+          </a:custGeom>
+          <a:noFill/>
+          <a:ln>
+            <a:solidFill>
+              <a:schemeClr val="tx1"/>
+            </a:solidFill>
+            <a:headEnd type="none" w="med" len="med"/>
+            <a:tailEnd type="arrow" w="med" len="med"/>
+          </a:ln>
+        </p:spPr>
+        <p:style>
+          <a:lnRef idx="2">
+            <a:schemeClr val="accent1">
+              <a:shade val="50000"/>
+            </a:schemeClr>
+          </a:lnRef>
+          <a:fillRef idx="1">
+            <a:schemeClr val="accent1"/>
+          </a:fillRef>
+          <a:effectRef idx="0">
+            <a:schemeClr val="accent1"/>
+          </a:effectRef>
+          <a:fontRef idx="minor">
+            <a:schemeClr val="lt1"/>
+          </a:fontRef>
+        </p:style>
+        <p:txBody>
+          <a:bodyPr rtlCol="0" anchor="ctr"/>
+          <a:lstStyle/>
+          <a:p>
+            <a:pPr algn="ctr"/>
+            <a:endParaRPr kumimoji="1" lang="ja-JP" altLang="en-US"/>
+          </a:p>
+        </p:txBody>
+      </p:sp>
+      <p:sp>
+        <p:nvSpPr>
+          <p:cNvPr id="28" name="フリーフォーム 27">
+            <a:extLst>
+              <a:ext uri="{FF2B5EF4-FFF2-40B4-BE49-F238E27FC236}">
+                <a16:creationId xmlns:a16="http://schemas.microsoft.com/office/drawing/2014/main" id="{F272C513-4FCF-8340-A476-8295CAC71896}"/>
+              </a:ext>
+            </a:extLst>
+          </p:cNvPr>
+          <p:cNvSpPr/>
+          <p:nvPr/>
+        </p:nvSpPr>
+        <p:spPr>
+          <a:xfrm flipV="1">
+            <a:off x="1430378" y="4526895"/>
+            <a:ext cx="2388198" cy="554224"/>
+          </a:xfrm>
+          <a:custGeom>
+            <a:avLst/>
+            <a:gdLst>
+              <a:gd name="connsiteX0" fmla="*/ 2388198 w 2388198"/>
+              <a:gd name="connsiteY0" fmla="*/ 10758 h 634701"/>
+              <a:gd name="connsiteX1" fmla="*/ 494852 w 2388198"/>
+              <a:gd name="connsiteY1" fmla="*/ 0 h 634701"/>
+              <a:gd name="connsiteX2" fmla="*/ 21516 w 2388198"/>
+              <a:gd name="connsiteY2" fmla="*/ 322729 h 634701"/>
+              <a:gd name="connsiteX3" fmla="*/ 0 w 2388198"/>
+              <a:gd name="connsiteY3" fmla="*/ 634701 h 634701"/>
+            </a:gdLst>
+            <a:ahLst/>
+            <a:cxnLst>
+              <a:cxn ang="0">
+                <a:pos x="connsiteX0" y="connsiteY0"/>
+              </a:cxn>
+              <a:cxn ang="0">
+                <a:pos x="connsiteX1" y="connsiteY1"/>
+              </a:cxn>
+              <a:cxn ang="0">
+                <a:pos x="connsiteX2" y="connsiteY2"/>
+              </a:cxn>
+              <a:cxn ang="0">
+                <a:pos x="connsiteX3" y="connsiteY3"/>
+              </a:cxn>
+            </a:cxnLst>
+            <a:rect l="l" t="t" r="r" b="b"/>
+            <a:pathLst>
+              <a:path w="2388198" h="634701">
+                <a:moveTo>
+                  <a:pt x="2388198" y="10758"/>
+                </a:moveTo>
+                <a:lnTo>
+                  <a:pt x="494852" y="0"/>
+                </a:lnTo>
+                <a:lnTo>
+                  <a:pt x="21516" y="322729"/>
+                </a:lnTo>
+                <a:lnTo>
+                  <a:pt x="0" y="634701"/>
+                </a:lnTo>
+              </a:path>
+            </a:pathLst>
+          </a:custGeom>
+          <a:noFill/>
+          <a:ln>
+            <a:solidFill>
+              <a:schemeClr val="tx1"/>
+            </a:solidFill>
+            <a:headEnd type="arrow" w="med" len="med"/>
+            <a:tailEnd type="none" w="med" len="med"/>
+          </a:ln>
+        </p:spPr>
+        <p:style>
+          <a:lnRef idx="2">
+            <a:schemeClr val="accent1">
+              <a:shade val="50000"/>
+            </a:schemeClr>
+          </a:lnRef>
+          <a:fillRef idx="1">
+            <a:schemeClr val="accent1"/>
+          </a:fillRef>
+          <a:effectRef idx="0">
+            <a:schemeClr val="accent1"/>
+          </a:effectRef>
+          <a:fontRef idx="minor">
+            <a:schemeClr val="lt1"/>
+          </a:fontRef>
+        </p:style>
+        <p:txBody>
+          <a:bodyPr rtlCol="0" anchor="ctr"/>
+          <a:lstStyle/>
+          <a:p>
+            <a:pPr algn="ctr"/>
+            <a:endParaRPr kumimoji="1" lang="ja-JP" altLang="en-US"/>
+          </a:p>
+        </p:txBody>
+      </p:sp>
+      <p:cxnSp>
+        <p:nvCxnSpPr>
+          <p:cNvPr id="30" name="直線コネクタ 29">
+            <a:extLst>
+              <a:ext uri="{FF2B5EF4-FFF2-40B4-BE49-F238E27FC236}">
+                <a16:creationId xmlns:a16="http://schemas.microsoft.com/office/drawing/2014/main" id="{0D05FE52-6C2B-EC45-B13B-8914B7B3BF32}"/>
+              </a:ext>
+            </a:extLst>
+          </p:cNvPr>
+          <p:cNvCxnSpPr/>
+          <p:nvPr/>
+        </p:nvCxnSpPr>
+        <p:spPr>
+          <a:xfrm>
+            <a:off x="6065489" y="5281025"/>
+            <a:ext cx="2140770" cy="0"/>
+          </a:xfrm>
+          <a:prstGeom prst="line">
+            <a:avLst/>
+          </a:prstGeom>
+          <a:ln w="19050">
+            <a:solidFill>
+              <a:schemeClr val="tx1"/>
+            </a:solidFill>
+            <a:prstDash val="dash"/>
+            <a:headEnd type="none" w="med" len="med"/>
+            <a:tailEnd type="arrow" w="lg" len="lg"/>
+          </a:ln>
+        </p:spPr>
+        <p:style>
+          <a:lnRef idx="1">
+            <a:schemeClr val="accent1"/>
+          </a:lnRef>
+          <a:fillRef idx="0">
+            <a:schemeClr val="accent1"/>
+          </a:fillRef>
+          <a:effectRef idx="0">
+            <a:schemeClr val="accent1"/>
+          </a:effectRef>
+          <a:fontRef idx="minor">
+            <a:schemeClr val="tx1"/>
+          </a:fontRef>
+        </p:style>
+      </p:cxnSp>
+      <p:cxnSp>
+        <p:nvCxnSpPr>
+          <p:cNvPr id="31" name="直線コネクタ 30">
+            <a:extLst>
+              <a:ext uri="{FF2B5EF4-FFF2-40B4-BE49-F238E27FC236}">
+                <a16:creationId xmlns:a16="http://schemas.microsoft.com/office/drawing/2014/main" id="{CDDAF212-8C4F-E14D-B449-105AF25D2BA8}"/>
+              </a:ext>
+            </a:extLst>
+          </p:cNvPr>
+          <p:cNvCxnSpPr/>
+          <p:nvPr/>
+        </p:nvCxnSpPr>
+        <p:spPr>
+          <a:xfrm>
+            <a:off x="6065489" y="6072396"/>
+            <a:ext cx="2140770" cy="0"/>
+          </a:xfrm>
+          <a:prstGeom prst="line">
+            <a:avLst/>
+          </a:prstGeom>
+          <a:ln w="19050">
+            <a:solidFill>
+              <a:schemeClr val="tx1"/>
+            </a:solidFill>
+            <a:prstDash val="dash"/>
+            <a:headEnd type="none" w="med" len="med"/>
+            <a:tailEnd type="arrow" w="lg" len="lg"/>
+          </a:ln>
+        </p:spPr>
+        <p:style>
+          <a:lnRef idx="1">
+            <a:schemeClr val="accent1"/>
+          </a:lnRef>
+          <a:fillRef idx="0">
+            <a:schemeClr val="accent1"/>
+          </a:fillRef>
+          <a:effectRef idx="0">
+            <a:schemeClr val="accent1"/>
+          </a:effectRef>
+          <a:fontRef idx="minor">
+            <a:schemeClr val="tx1"/>
+          </a:fontRef>
+        </p:style>
+      </p:cxnSp>
+      <p:sp>
+        <p:nvSpPr>
+          <p:cNvPr id="33" name="テキスト ボックス 32">
+            <a:extLst>
+              <a:ext uri="{FF2B5EF4-FFF2-40B4-BE49-F238E27FC236}">
+                <a16:creationId xmlns:a16="http://schemas.microsoft.com/office/drawing/2014/main" id="{4CF94265-DC2F-2146-9B65-D25A026B501E}"/>
+              </a:ext>
+            </a:extLst>
+          </p:cNvPr>
+          <p:cNvSpPr txBox="1"/>
+          <p:nvPr/>
+        </p:nvSpPr>
+        <p:spPr>
+          <a:xfrm>
+            <a:off x="6246629" y="4730555"/>
+            <a:ext cx="1800493" cy="523220"/>
+          </a:xfrm>
+          <a:prstGeom prst="rect">
+            <a:avLst/>
+          </a:prstGeom>
+          <a:noFill/>
+        </p:spPr>
+        <p:txBody>
+          <a:bodyPr wrap="none" rtlCol="0">
+            <a:spAutoFit/>
+          </a:bodyPr>
+          <a:lstStyle/>
+          <a:p>
+            <a:pPr algn="ctr"/>
+            <a:r>
+              <a:rPr lang="ja-JP" altLang="en-US" sz="1400"/>
+              <a:t>セッションチケット</a:t>
+            </a:r>
+            <a:endParaRPr lang="en-US" altLang="ja-JP" sz="1400" dirty="0"/>
+          </a:p>
+          <a:p>
+            <a:pPr algn="ctr"/>
+            <a:r>
+              <a:rPr kumimoji="1" lang="ja-JP" altLang="en-US" sz="1400"/>
+              <a:t>による再開</a:t>
+            </a:r>
+          </a:p>
+        </p:txBody>
+      </p:sp>
+      <p:sp>
+        <p:nvSpPr>
+          <p:cNvPr id="34" name="テキスト ボックス 33">
+            <a:extLst>
+              <a:ext uri="{FF2B5EF4-FFF2-40B4-BE49-F238E27FC236}">
+                <a16:creationId xmlns:a16="http://schemas.microsoft.com/office/drawing/2014/main" id="{0FFE39CB-F5EF-1645-8A45-01361DF92B46}"/>
+              </a:ext>
+            </a:extLst>
+          </p:cNvPr>
+          <p:cNvSpPr txBox="1"/>
+          <p:nvPr/>
+        </p:nvSpPr>
+        <p:spPr>
+          <a:xfrm>
+            <a:off x="8310887" y="4373084"/>
+            <a:ext cx="1295547" cy="1815882"/>
+          </a:xfrm>
+          <a:prstGeom prst="rect">
+            <a:avLst/>
+          </a:prstGeom>
+          <a:noFill/>
+        </p:spPr>
+        <p:txBody>
+          <a:bodyPr wrap="none" rtlCol="0">
+            <a:spAutoFit/>
+          </a:bodyPr>
+          <a:lstStyle/>
+          <a:p>
+            <a:endParaRPr lang="en-US" altLang="ja-JP" sz="1600" dirty="0"/>
+          </a:p>
+          <a:p>
+            <a:endParaRPr lang="en-US" altLang="ja-JP" sz="1600" dirty="0"/>
+          </a:p>
+          <a:p>
+            <a:endParaRPr lang="en-US" altLang="ja-JP" sz="1600" dirty="0"/>
+          </a:p>
+          <a:p>
+            <a:r>
+              <a:rPr lang="en-US" altLang="ja-JP" sz="1600" dirty="0" err="1"/>
+              <a:t>SSL_accept</a:t>
+            </a:r>
+            <a:endParaRPr lang="en-US" altLang="ja-JP" sz="1600" dirty="0"/>
+          </a:p>
+          <a:p>
+            <a:endParaRPr lang="en-US" altLang="ja-JP" sz="1600" dirty="0"/>
+          </a:p>
+          <a:p>
+            <a:endParaRPr lang="en-US" altLang="ja-JP" sz="1600" dirty="0"/>
+          </a:p>
+          <a:p>
+            <a:r>
+              <a:rPr lang="en-US" altLang="ja-JP" sz="1600" dirty="0" err="1"/>
+              <a:t>SSL_free</a:t>
+            </a:r>
+            <a:endParaRPr kumimoji="1" lang="ja-JP" altLang="en-US" sz="1600"/>
+          </a:p>
+        </p:txBody>
+      </p:sp>
+    </p:spTree>
+    <p:extLst>
+      <p:ext uri="{BB962C8B-B14F-4D97-AF65-F5344CB8AC3E}">
+        <p14:creationId xmlns:p14="http://schemas.microsoft.com/office/powerpoint/2010/main" val="4156130246"/>
       </p:ext>
     </p:extLst>
   </p:cSld>

--- a/Part2.Programming/Chapter6.TLSProtocol/Chapter6.Fig.pptx
+++ b/Part2.Programming/Chapter6.TLSProtocol/Chapter6.Fig.pptx
@@ -201,7 +201,7 @@
           <a:p>
             <a:fld id="{CA970258-1A10-C646-8FB8-BF2FF6412671}" type="datetimeFigureOut">
               <a:rPr kumimoji="1" lang="ja-JP" altLang="en-US" smtClean="0"/>
-              <a:t>2021/7/17</a:t>
+              <a:t>2021/7/29</a:t>
             </a:fld>
             <a:endParaRPr kumimoji="1" lang="ja-JP" altLang="en-US"/>
           </a:p>
@@ -815,7 +815,7 @@
           <a:p>
             <a:fld id="{9C3E4AF2-F0A1-8A44-B0AA-5F5FE5B01928}" type="datetimeFigureOut">
               <a:rPr kumimoji="1" lang="ja-JP" altLang="en-US" smtClean="0"/>
-              <a:t>2021/7/17</a:t>
+              <a:t>2021/7/29</a:t>
             </a:fld>
             <a:endParaRPr kumimoji="1" lang="ja-JP" altLang="en-US"/>
           </a:p>
@@ -1045,7 +1045,7 @@
           <a:p>
             <a:fld id="{9C3E4AF2-F0A1-8A44-B0AA-5F5FE5B01928}" type="datetimeFigureOut">
               <a:rPr kumimoji="1" lang="ja-JP" altLang="en-US" smtClean="0"/>
-              <a:t>2021/7/17</a:t>
+              <a:t>2021/7/29</a:t>
             </a:fld>
             <a:endParaRPr kumimoji="1" lang="ja-JP" altLang="en-US"/>
           </a:p>
@@ -1285,7 +1285,7 @@
           <a:p>
             <a:fld id="{9C3E4AF2-F0A1-8A44-B0AA-5F5FE5B01928}" type="datetimeFigureOut">
               <a:rPr kumimoji="1" lang="ja-JP" altLang="en-US" smtClean="0"/>
-              <a:t>2021/7/17</a:t>
+              <a:t>2021/7/29</a:t>
             </a:fld>
             <a:endParaRPr kumimoji="1" lang="ja-JP" altLang="en-US"/>
           </a:p>
@@ -1515,7 +1515,7 @@
           <a:p>
             <a:fld id="{9C3E4AF2-F0A1-8A44-B0AA-5F5FE5B01928}" type="datetimeFigureOut">
               <a:rPr kumimoji="1" lang="ja-JP" altLang="en-US" smtClean="0"/>
-              <a:t>2021/7/17</a:t>
+              <a:t>2021/7/29</a:t>
             </a:fld>
             <a:endParaRPr kumimoji="1" lang="ja-JP" altLang="en-US"/>
           </a:p>
@@ -1790,7 +1790,7 @@
           <a:p>
             <a:fld id="{9C3E4AF2-F0A1-8A44-B0AA-5F5FE5B01928}" type="datetimeFigureOut">
               <a:rPr kumimoji="1" lang="ja-JP" altLang="en-US" smtClean="0"/>
-              <a:t>2021/7/17</a:t>
+              <a:t>2021/7/29</a:t>
             </a:fld>
             <a:endParaRPr kumimoji="1" lang="ja-JP" altLang="en-US"/>
           </a:p>
@@ -2119,7 +2119,7 @@
           <a:p>
             <a:fld id="{9C3E4AF2-F0A1-8A44-B0AA-5F5FE5B01928}" type="datetimeFigureOut">
               <a:rPr kumimoji="1" lang="ja-JP" altLang="en-US" smtClean="0"/>
-              <a:t>2021/7/17</a:t>
+              <a:t>2021/7/29</a:t>
             </a:fld>
             <a:endParaRPr kumimoji="1" lang="ja-JP" altLang="en-US"/>
           </a:p>
@@ -2595,7 +2595,7 @@
           <a:p>
             <a:fld id="{9C3E4AF2-F0A1-8A44-B0AA-5F5FE5B01928}" type="datetimeFigureOut">
               <a:rPr kumimoji="1" lang="ja-JP" altLang="en-US" smtClean="0"/>
-              <a:t>2021/7/17</a:t>
+              <a:t>2021/7/29</a:t>
             </a:fld>
             <a:endParaRPr kumimoji="1" lang="ja-JP" altLang="en-US"/>
           </a:p>
@@ -2736,7 +2736,7 @@
           <a:p>
             <a:fld id="{9C3E4AF2-F0A1-8A44-B0AA-5F5FE5B01928}" type="datetimeFigureOut">
               <a:rPr kumimoji="1" lang="ja-JP" altLang="en-US" smtClean="0"/>
-              <a:t>2021/7/17</a:t>
+              <a:t>2021/7/29</a:t>
             </a:fld>
             <a:endParaRPr kumimoji="1" lang="ja-JP" altLang="en-US"/>
           </a:p>
@@ -2849,7 +2849,7 @@
           <a:p>
             <a:fld id="{9C3E4AF2-F0A1-8A44-B0AA-5F5FE5B01928}" type="datetimeFigureOut">
               <a:rPr kumimoji="1" lang="ja-JP" altLang="en-US" smtClean="0"/>
-              <a:t>2021/7/17</a:t>
+              <a:t>2021/7/29</a:t>
             </a:fld>
             <a:endParaRPr kumimoji="1" lang="ja-JP" altLang="en-US"/>
           </a:p>
@@ -3192,7 +3192,7 @@
           <a:p>
             <a:fld id="{9C3E4AF2-F0A1-8A44-B0AA-5F5FE5B01928}" type="datetimeFigureOut">
               <a:rPr kumimoji="1" lang="ja-JP" altLang="en-US" smtClean="0"/>
-              <a:t>2021/7/17</a:t>
+              <a:t>2021/7/29</a:t>
             </a:fld>
             <a:endParaRPr kumimoji="1" lang="ja-JP" altLang="en-US"/>
           </a:p>
@@ -3480,7 +3480,7 @@
           <a:p>
             <a:fld id="{9C3E4AF2-F0A1-8A44-B0AA-5F5FE5B01928}" type="datetimeFigureOut">
               <a:rPr kumimoji="1" lang="ja-JP" altLang="en-US" smtClean="0"/>
-              <a:t>2021/7/17</a:t>
+              <a:t>2021/7/29</a:t>
             </a:fld>
             <a:endParaRPr kumimoji="1" lang="ja-JP" altLang="en-US"/>
           </a:p>
@@ -3753,7 +3753,7 @@
           <a:p>
             <a:fld id="{9C3E4AF2-F0A1-8A44-B0AA-5F5FE5B01928}" type="datetimeFigureOut">
               <a:rPr kumimoji="1" lang="ja-JP" altLang="en-US" smtClean="0"/>
-              <a:t>2021/7/17</a:t>
+              <a:t>2021/7/29</a:t>
             </a:fld>
             <a:endParaRPr kumimoji="1" lang="ja-JP" altLang="en-US"/>
           </a:p>
@@ -7709,42 +7709,6 @@
       </p:sp>
       <p:sp>
         <p:nvSpPr>
-          <p:cNvPr id="14" name="テキスト ボックス 13">
-            <a:extLst>
-              <a:ext uri="{FF2B5EF4-FFF2-40B4-BE49-F238E27FC236}">
-                <a16:creationId xmlns:a16="http://schemas.microsoft.com/office/drawing/2014/main" id="{49A2771A-3140-5943-B895-99ADD0A6EC18}"/>
-              </a:ext>
-            </a:extLst>
-          </p:cNvPr>
-          <p:cNvSpPr txBox="1"/>
-          <p:nvPr/>
-        </p:nvSpPr>
-        <p:spPr>
-          <a:xfrm>
-            <a:off x="4981377" y="1578769"/>
-            <a:ext cx="1980029" cy="400110"/>
-          </a:xfrm>
-          <a:prstGeom prst="rect">
-            <a:avLst/>
-          </a:prstGeom>
-          <a:noFill/>
-        </p:spPr>
-        <p:txBody>
-          <a:bodyPr wrap="none" rtlCol="0">
-            <a:spAutoFit/>
-          </a:bodyPr>
-          <a:lstStyle/>
-          <a:p>
-            <a:r>
-              <a:rPr lang="ja-JP" altLang="en-US" sz="2000"/>
-              <a:t>事前に鍵を合意</a:t>
-            </a:r>
-            <a:endParaRPr kumimoji="1" lang="ja-JP" altLang="en-US" sz="2000"/>
-          </a:p>
-        </p:txBody>
-      </p:sp>
-      <p:sp>
-        <p:nvSpPr>
           <p:cNvPr id="15" name="テキスト ボックス 14">
             <a:extLst>
               <a:ext uri="{FF2B5EF4-FFF2-40B4-BE49-F238E27FC236}">
@@ -8352,52 +8316,6 @@
           </a:fontRef>
         </p:style>
       </p:cxnSp>
-      <p:cxnSp>
-        <p:nvCxnSpPr>
-          <p:cNvPr id="46" name="直線コネクタ 45">
-            <a:extLst>
-              <a:ext uri="{FF2B5EF4-FFF2-40B4-BE49-F238E27FC236}">
-                <a16:creationId xmlns:a16="http://schemas.microsoft.com/office/drawing/2014/main" id="{F9612A65-F498-DC40-9317-2BD92CB8EB0F}"/>
-              </a:ext>
-            </a:extLst>
-          </p:cNvPr>
-          <p:cNvCxnSpPr>
-            <a:cxnSpLocks/>
-          </p:cNvCxnSpPr>
-          <p:nvPr/>
-        </p:nvCxnSpPr>
-        <p:spPr>
-          <a:xfrm>
-            <a:off x="3463975" y="2009281"/>
-            <a:ext cx="4461423" cy="0"/>
-          </a:xfrm>
-          <a:prstGeom prst="line">
-            <a:avLst/>
-          </a:prstGeom>
-          <a:ln w="19050">
-            <a:solidFill>
-              <a:schemeClr val="tx1"/>
-            </a:solidFill>
-            <a:prstDash val="dash"/>
-            <a:headEnd type="arrow" w="med" len="med"/>
-            <a:tailEnd type="arrow" w="med" len="med"/>
-          </a:ln>
-        </p:spPr>
-        <p:style>
-          <a:lnRef idx="1">
-            <a:schemeClr val="accent1"/>
-          </a:lnRef>
-          <a:fillRef idx="0">
-            <a:schemeClr val="accent1"/>
-          </a:fillRef>
-          <a:effectRef idx="0">
-            <a:schemeClr val="accent1"/>
-          </a:effectRef>
-          <a:fontRef idx="minor">
-            <a:schemeClr val="tx1"/>
-          </a:fontRef>
-        </p:style>
-      </p:cxnSp>
       <p:pic>
         <p:nvPicPr>
           <p:cNvPr id="48" name="Picture 2">
@@ -8477,6 +8395,141 @@
               <a:rPr kumimoji="1" lang="ja-JP" altLang="en-US" sz="2000"/>
               <a:t>クライアント</a:t>
             </a:r>
+          </a:p>
+        </p:txBody>
+      </p:sp>
+      <p:sp>
+        <p:nvSpPr>
+          <p:cNvPr id="12" name="フリーフォーム 11">
+            <a:extLst>
+              <a:ext uri="{FF2B5EF4-FFF2-40B4-BE49-F238E27FC236}">
+                <a16:creationId xmlns:a16="http://schemas.microsoft.com/office/drawing/2014/main" id="{C736C59E-FD74-BD41-99A5-01006F199E04}"/>
+              </a:ext>
+            </a:extLst>
+          </p:cNvPr>
+          <p:cNvSpPr/>
+          <p:nvPr/>
+        </p:nvSpPr>
+        <p:spPr>
+          <a:xfrm>
+            <a:off x="3506993" y="742278"/>
+            <a:ext cx="4604273" cy="1108037"/>
+          </a:xfrm>
+          <a:custGeom>
+            <a:avLst/>
+            <a:gdLst>
+              <a:gd name="connsiteX0" fmla="*/ 0 w 4604273"/>
+              <a:gd name="connsiteY0" fmla="*/ 1075764 h 1108037"/>
+              <a:gd name="connsiteX1" fmla="*/ 580913 w 4604273"/>
+              <a:gd name="connsiteY1" fmla="*/ 0 h 1108037"/>
+              <a:gd name="connsiteX2" fmla="*/ 3905026 w 4604273"/>
+              <a:gd name="connsiteY2" fmla="*/ 0 h 1108037"/>
+              <a:gd name="connsiteX3" fmla="*/ 4604273 w 4604273"/>
+              <a:gd name="connsiteY3" fmla="*/ 1108037 h 1108037"/>
+            </a:gdLst>
+            <a:ahLst/>
+            <a:cxnLst>
+              <a:cxn ang="0">
+                <a:pos x="connsiteX0" y="connsiteY0"/>
+              </a:cxn>
+              <a:cxn ang="0">
+                <a:pos x="connsiteX1" y="connsiteY1"/>
+              </a:cxn>
+              <a:cxn ang="0">
+                <a:pos x="connsiteX2" y="connsiteY2"/>
+              </a:cxn>
+              <a:cxn ang="0">
+                <a:pos x="connsiteX3" y="connsiteY3"/>
+              </a:cxn>
+            </a:cxnLst>
+            <a:rect l="l" t="t" r="r" b="b"/>
+            <a:pathLst>
+              <a:path w="4604273" h="1108037">
+                <a:moveTo>
+                  <a:pt x="0" y="1075764"/>
+                </a:moveTo>
+                <a:lnTo>
+                  <a:pt x="580913" y="0"/>
+                </a:lnTo>
+                <a:lnTo>
+                  <a:pt x="3905026" y="0"/>
+                </a:lnTo>
+                <a:lnTo>
+                  <a:pt x="4604273" y="1108037"/>
+                </a:lnTo>
+              </a:path>
+            </a:pathLst>
+          </a:custGeom>
+          <a:noFill/>
+          <a:ln w="19050">
+            <a:solidFill>
+              <a:schemeClr val="tx1"/>
+            </a:solidFill>
+            <a:prstDash val="dash"/>
+            <a:headEnd type="arrow" w="med" len="med"/>
+            <a:tailEnd type="arrow" w="med" len="med"/>
+          </a:ln>
+        </p:spPr>
+        <p:style>
+          <a:lnRef idx="2">
+            <a:schemeClr val="accent1">
+              <a:shade val="50000"/>
+            </a:schemeClr>
+          </a:lnRef>
+          <a:fillRef idx="1">
+            <a:schemeClr val="accent1"/>
+          </a:fillRef>
+          <a:effectRef idx="0">
+            <a:schemeClr val="accent1"/>
+          </a:effectRef>
+          <a:fontRef idx="minor">
+            <a:schemeClr val="lt1"/>
+          </a:fontRef>
+        </p:style>
+        <p:txBody>
+          <a:bodyPr rtlCol="0" anchor="ctr"/>
+          <a:lstStyle/>
+          <a:p>
+            <a:pPr algn="ctr"/>
+            <a:endParaRPr kumimoji="1" lang="ja-JP" altLang="en-US"/>
+          </a:p>
+        </p:txBody>
+      </p:sp>
+      <p:sp>
+        <p:nvSpPr>
+          <p:cNvPr id="14" name="テキスト ボックス 13">
+            <a:extLst>
+              <a:ext uri="{FF2B5EF4-FFF2-40B4-BE49-F238E27FC236}">
+                <a16:creationId xmlns:a16="http://schemas.microsoft.com/office/drawing/2014/main" id="{49A2771A-3140-5943-B895-99ADD0A6EC18}"/>
+              </a:ext>
+            </a:extLst>
+          </p:cNvPr>
+          <p:cNvSpPr txBox="1"/>
+          <p:nvPr/>
+        </p:nvSpPr>
+        <p:spPr>
+          <a:xfrm>
+            <a:off x="4916246" y="553878"/>
+            <a:ext cx="1980029" cy="400110"/>
+          </a:xfrm>
+          <a:prstGeom prst="rect">
+            <a:avLst/>
+          </a:prstGeom>
+          <a:solidFill>
+            <a:schemeClr val="bg1"/>
+          </a:solidFill>
+        </p:spPr>
+        <p:txBody>
+          <a:bodyPr wrap="none" rtlCol="0">
+            <a:spAutoFit/>
+          </a:bodyPr>
+          <a:lstStyle/>
+          <a:p>
+            <a:r>
+              <a:rPr lang="ja-JP" altLang="en-US" sz="2000"/>
+              <a:t>事前に鍵を合意</a:t>
+            </a:r>
+            <a:endParaRPr kumimoji="1" lang="ja-JP" altLang="en-US" sz="2000"/>
           </a:p>
         </p:txBody>
       </p:sp>
@@ -8673,7 +8726,7 @@
         </p:nvCxnSpPr>
         <p:spPr>
           <a:xfrm>
-            <a:off x="6078072" y="2127239"/>
+            <a:off x="6078072" y="1944359"/>
             <a:ext cx="2140770" cy="0"/>
           </a:xfrm>
           <a:prstGeom prst="line">
@@ -8717,7 +8770,7 @@
         </p:nvCxnSpPr>
         <p:spPr>
           <a:xfrm>
-            <a:off x="6078072" y="3004674"/>
+            <a:off x="6078072" y="3247913"/>
             <a:ext cx="2140770" cy="0"/>
           </a:xfrm>
           <a:prstGeom prst="line">
@@ -8761,8 +8814,8 @@
         </p:nvSpPr>
         <p:spPr>
           <a:xfrm>
-            <a:off x="8275984" y="1678253"/>
-            <a:ext cx="1295547" cy="1569660"/>
+            <a:off x="8253569" y="1613118"/>
+            <a:ext cx="1295547" cy="1815882"/>
           </a:xfrm>
           <a:prstGeom prst="rect">
             <a:avLst/>
@@ -8794,6 +8847,9 @@
             <a:endParaRPr lang="en-US" altLang="ja-JP" sz="1600" dirty="0"/>
           </a:p>
           <a:p>
+            <a:endParaRPr lang="en-US" altLang="ja-JP" sz="1600" dirty="0"/>
+          </a:p>
+          <a:p>
             <a:r>
               <a:rPr lang="en-US" altLang="ja-JP" sz="1600" dirty="0" err="1"/>
               <a:t>SSL_free</a:t>
@@ -8816,8 +8872,8 @@
         </p:nvSpPr>
         <p:spPr>
           <a:xfrm>
-            <a:off x="3659068" y="1668013"/>
-            <a:ext cx="2272062" cy="1569660"/>
+            <a:off x="2608727" y="1525078"/>
+            <a:ext cx="3337182" cy="1815882"/>
           </a:xfrm>
           <a:prstGeom prst="rect">
             <a:avLst/>
@@ -8831,39 +8887,92 @@
           <a:lstStyle/>
           <a:p>
             <a:pPr algn="r"/>
-            <a:endParaRPr lang="en-US" altLang="ja-JP" sz="1600" dirty="0"/>
+            <a:endParaRPr lang="en-US" altLang="ja-JP" sz="1400" dirty="0"/>
           </a:p>
           <a:p>
             <a:pPr algn="r"/>
             <a:r>
-              <a:rPr lang="en-US" altLang="ja-JP" sz="1600" dirty="0" err="1"/>
+              <a:rPr lang="en-US" altLang="ja-JP" sz="1400" dirty="0" err="1"/>
               <a:t>SSL_connect</a:t>
             </a:r>
-            <a:endParaRPr lang="en-US" altLang="ja-JP" sz="1600" dirty="0"/>
+            <a:endParaRPr lang="en-US" altLang="ja-JP" sz="1400" dirty="0"/>
           </a:p>
           <a:p>
             <a:pPr algn="r"/>
-            <a:endParaRPr lang="en-US" altLang="ja-JP" sz="1600" dirty="0"/>
+            <a:endParaRPr lang="en-US" altLang="ja-JP" sz="1400" dirty="0"/>
           </a:p>
           <a:p>
             <a:pPr algn="r"/>
             <a:r>
-              <a:rPr lang="en-US" altLang="ja-JP" sz="1600" dirty="0" err="1"/>
-              <a:t>SSL_SESSION_get</a:t>
-            </a:r>
-            <a:endParaRPr kumimoji="1" lang="en-US" altLang="ja-JP" sz="1600" dirty="0"/>
+              <a:rPr lang="en-US" altLang="ja-JP" sz="1400" dirty="0"/>
+              <a:t> session = </a:t>
+            </a:r>
+            <a:r>
+              <a:rPr lang="en-US" altLang="ja-JP" sz="1400" dirty="0" err="1"/>
+              <a:t>SSL_get_SESSION</a:t>
+            </a:r>
+            <a:r>
+              <a:rPr lang="en-US" altLang="ja-JP" sz="1400" dirty="0"/>
+              <a:t>(</a:t>
+            </a:r>
+            <a:r>
+              <a:rPr lang="en-US" altLang="ja-JP" sz="1400" dirty="0" err="1"/>
+              <a:t>ssl</a:t>
+            </a:r>
+            <a:r>
+              <a:rPr lang="en-US" altLang="ja-JP" sz="1400" dirty="0"/>
+              <a:t>);</a:t>
+            </a:r>
           </a:p>
           <a:p>
             <a:pPr algn="r"/>
-            <a:endParaRPr lang="en-US" altLang="ja-JP" sz="1600" dirty="0"/>
+            <a:r>
+              <a:rPr lang="en-US" altLang="ja-JP" sz="1400" dirty="0"/>
+              <a:t>    i2d_SSL_SESSION(session, &amp;buff);</a:t>
+            </a:r>
           </a:p>
           <a:p>
             <a:pPr algn="r"/>
             <a:r>
-              <a:rPr lang="en-US" altLang="ja-JP" sz="1600" dirty="0" err="1"/>
+              <a:rPr lang="en-US" altLang="ja-JP" sz="1400" dirty="0"/>
+              <a:t>    </a:t>
+            </a:r>
+            <a:r>
+              <a:rPr lang="en-US" altLang="ja-JP" sz="1400" dirty="0" err="1"/>
+              <a:t>fwrite</a:t>
+            </a:r>
+            <a:r>
+              <a:rPr lang="en-US" altLang="ja-JP" sz="1400" dirty="0"/>
+              <a:t>(der, 1, </a:t>
+            </a:r>
+            <a:r>
+              <a:rPr lang="en-US" altLang="ja-JP" sz="1400" dirty="0" err="1"/>
+              <a:t>sz</a:t>
+            </a:r>
+            <a:r>
+              <a:rPr lang="en-US" altLang="ja-JP" sz="1400" dirty="0"/>
+              <a:t>, </a:t>
+            </a:r>
+            <a:r>
+              <a:rPr lang="en-US" altLang="ja-JP" sz="1400" dirty="0" err="1"/>
+              <a:t>fp</a:t>
+            </a:r>
+            <a:r>
+              <a:rPr lang="en-US" altLang="ja-JP" sz="1400" dirty="0"/>
+              <a:t>);</a:t>
+            </a:r>
+          </a:p>
+          <a:p>
+            <a:pPr algn="r"/>
+            <a:endParaRPr lang="en-US" altLang="ja-JP" sz="1400" dirty="0"/>
+          </a:p>
+          <a:p>
+            <a:pPr algn="r"/>
+            <a:r>
+              <a:rPr lang="en-US" altLang="ja-JP" sz="1400" dirty="0" err="1"/>
               <a:t>SSL_shutdown</a:t>
             </a:r>
-            <a:endParaRPr kumimoji="1" lang="ja-JP" altLang="en-US" sz="1600"/>
+            <a:endParaRPr kumimoji="1" lang="ja-JP" altLang="en-US" sz="1400"/>
           </a:p>
         </p:txBody>
       </p:sp>
@@ -9075,7 +9184,7 @@
         </p:nvSpPr>
         <p:spPr>
           <a:xfrm>
-            <a:off x="847510" y="3367508"/>
+            <a:off x="847510" y="3109321"/>
             <a:ext cx="1165735" cy="1159387"/>
           </a:xfrm>
           <a:prstGeom prst="can">
@@ -9127,7 +9236,7 @@
         </p:nvSpPr>
         <p:spPr>
           <a:xfrm>
-            <a:off x="371433" y="3800286"/>
+            <a:off x="371433" y="3542099"/>
             <a:ext cx="2117887" cy="523220"/>
           </a:xfrm>
           <a:prstGeom prst="rect">
@@ -9218,8 +9327,8 @@
         </p:nvSpPr>
         <p:spPr>
           <a:xfrm>
-            <a:off x="3679622" y="4670078"/>
-            <a:ext cx="2272062" cy="1569660"/>
+            <a:off x="1777175" y="4345377"/>
+            <a:ext cx="4187430" cy="1815882"/>
           </a:xfrm>
           <a:prstGeom prst="rect">
             <a:avLst/>
@@ -9233,39 +9342,108 @@
           <a:lstStyle/>
           <a:p>
             <a:pPr algn="r"/>
-            <a:endParaRPr lang="en-US" altLang="ja-JP" sz="1600" dirty="0"/>
+            <a:endParaRPr lang="en-US" altLang="ja-JP" sz="1400" dirty="0"/>
           </a:p>
           <a:p>
             <a:pPr algn="r"/>
             <a:r>
-              <a:rPr lang="en-US" altLang="ja-JP" sz="1600" dirty="0" err="1"/>
-              <a:t>SSL_SESSION_set</a:t>
-            </a:r>
-            <a:endParaRPr lang="en-US" altLang="ja-JP" sz="1600" dirty="0"/>
+              <a:rPr lang="en-US" altLang="ja-JP" sz="1400" dirty="0" err="1"/>
+              <a:t>fread</a:t>
+            </a:r>
+            <a:r>
+              <a:rPr lang="en-US" altLang="ja-JP" sz="1400" dirty="0"/>
+              <a:t>(buff, 1, </a:t>
+            </a:r>
+            <a:r>
+              <a:rPr lang="en-US" altLang="ja-JP" sz="1400" dirty="0" err="1"/>
+              <a:t>sz</a:t>
+            </a:r>
+            <a:r>
+              <a:rPr lang="en-US" altLang="ja-JP" sz="1400" dirty="0"/>
+              <a:t>, </a:t>
+            </a:r>
+            <a:r>
+              <a:rPr lang="en-US" altLang="ja-JP" sz="1400" dirty="0" err="1"/>
+              <a:t>fp</a:t>
+            </a:r>
+            <a:r>
+              <a:rPr lang="en-US" altLang="ja-JP" sz="1400" dirty="0"/>
+              <a:t>);</a:t>
+            </a:r>
           </a:p>
           <a:p>
             <a:pPr algn="r"/>
             <a:r>
-              <a:rPr lang="en-US" altLang="ja-JP" sz="1600" dirty="0" err="1"/>
+              <a:rPr lang="en-US" altLang="ja-JP" sz="1400" dirty="0" err="1"/>
+              <a:t>sess</a:t>
+            </a:r>
+            <a:r>
+              <a:rPr lang="en-US" altLang="ja-JP" sz="1400" dirty="0"/>
+              <a:t> = d2i_SSL_SESSION(&amp;p, </a:t>
+            </a:r>
+            <a:r>
+              <a:rPr lang="en-US" altLang="ja-JP" sz="1400" dirty="0" err="1"/>
+              <a:t>sz</a:t>
+            </a:r>
+            <a:r>
+              <a:rPr lang="en-US" altLang="ja-JP" sz="1400" dirty="0"/>
+              <a:t>);</a:t>
+            </a:r>
+          </a:p>
+          <a:p>
+            <a:pPr algn="r"/>
+            <a:r>
+              <a:rPr lang="en-US" altLang="ja-JP" sz="1400" dirty="0"/>
+              <a:t>    </a:t>
+            </a:r>
+            <a:r>
+              <a:rPr lang="en-US" altLang="ja-JP" sz="1400" dirty="0" err="1"/>
+              <a:t>SSL_set_SESSION</a:t>
+            </a:r>
+            <a:r>
+              <a:rPr lang="en-US" altLang="ja-JP" sz="1400" dirty="0"/>
+              <a:t>(</a:t>
+            </a:r>
+            <a:r>
+              <a:rPr lang="en-US" altLang="ja-JP" sz="1400" dirty="0" err="1"/>
+              <a:t>ssl</a:t>
+            </a:r>
+            <a:r>
+              <a:rPr lang="en-US" altLang="ja-JP" sz="1400" dirty="0"/>
+              <a:t>, </a:t>
+            </a:r>
+            <a:r>
+              <a:rPr lang="en-US" altLang="ja-JP" sz="1400" dirty="0" err="1"/>
+              <a:t>sess</a:t>
+            </a:r>
+            <a:r>
+              <a:rPr lang="en-US" altLang="ja-JP" sz="1400" dirty="0"/>
+              <a:t>);</a:t>
+            </a:r>
+          </a:p>
+          <a:p>
+            <a:pPr algn="r"/>
+            <a:r>
+              <a:rPr lang="en-US" altLang="ja-JP" sz="1400" dirty="0" err="1"/>
               <a:t>SSL_connect</a:t>
             </a:r>
-            <a:endParaRPr lang="en-US" altLang="ja-JP" sz="1600" dirty="0"/>
+            <a:endParaRPr lang="en-US" altLang="ja-JP" sz="1400" dirty="0"/>
           </a:p>
           <a:p>
             <a:pPr algn="r"/>
-            <a:endParaRPr lang="en-US" altLang="ja-JP" sz="1600" dirty="0"/>
+            <a:endParaRPr lang="en-US" altLang="ja-JP" sz="1400" dirty="0"/>
           </a:p>
           <a:p>
             <a:pPr algn="r"/>
-            <a:endParaRPr lang="en-US" altLang="ja-JP" sz="1600" dirty="0"/>
+            <a:endParaRPr lang="en-US" altLang="ja-JP" sz="1400" dirty="0"/>
           </a:p>
           <a:p>
             <a:pPr algn="r"/>
             <a:r>
-              <a:rPr lang="en-US" altLang="ja-JP" sz="1600" dirty="0" err="1"/>
+              <a:rPr lang="en-US" altLang="ja-JP" sz="1400" dirty="0" err="1"/>
               <a:t>SSL_shutdown</a:t>
             </a:r>
-            <a:endParaRPr kumimoji="1" lang="ja-JP" altLang="en-US" sz="1600"/>
+            <a:endParaRPr kumimoji="1" lang="ja-JP" altLang="en-US" sz="1400"/>
           </a:p>
         </p:txBody>
       </p:sp>
@@ -9283,8 +9461,8 @@
         </p:nvSpPr>
         <p:spPr>
           <a:xfrm>
-            <a:off x="1484291" y="2517151"/>
-            <a:ext cx="2388198" cy="864036"/>
+            <a:off x="1484291" y="2767252"/>
+            <a:ext cx="2573261" cy="323473"/>
           </a:xfrm>
           <a:custGeom>
             <a:avLst/>
@@ -9379,8 +9557,8 @@
         </p:nvSpPr>
         <p:spPr>
           <a:xfrm flipV="1">
-            <a:off x="1430378" y="4526895"/>
-            <a:ext cx="2388198" cy="554224"/>
+            <a:off x="1430377" y="4263712"/>
+            <a:ext cx="2573261" cy="454320"/>
           </a:xfrm>
           <a:custGeom>
             <a:avLst/>
